--- a/ppt/07 Android App的开发-四大组件.pptx
+++ b/ppt/07 Android App的开发-四大组件.pptx
@@ -37,7 +37,7 @@
     <p:sldId id="302" r:id="rId28"/>
     <p:sldId id="310" r:id="rId29"/>
   </p:sldIdLst>
-  <p:sldSz cx="9144000" cy="6858000" type="screen4x3"/>
+  <p:sldSz cx="9144000" cy="5143500" type="screen16x9"/>
   <p:notesSz cx="6858000" cy="9144000"/>
   <p:defaultTextStyle>
     <a:defPPr>
@@ -219,7 +219,7 @@
           <a:p>
             <a:fld id="{C3E0EA16-9076-4FE5-8A1E-5E3165543917}" type="datetimeFigureOut">
               <a:rPr lang="zh-CN" altLang="en-US" smtClean="0"/>
-              <a:t>2018/4/19</a:t>
+              <a:t>2019/4/7</a:t>
             </a:fld>
             <a:endParaRPr lang="zh-CN" altLang="en-US"/>
           </a:p>
@@ -237,8 +237,8 @@
         </p:nvSpPr>
         <p:spPr>
           <a:xfrm>
-            <a:off x="1143000" y="685800"/>
-            <a:ext cx="4572000" cy="3429000"/>
+            <a:off x="381000" y="685800"/>
+            <a:ext cx="6096000" cy="3429000"/>
           </a:xfrm>
           <a:prstGeom prst="rect">
             <a:avLst/>
@@ -514,7 +514,12 @@
             <p:ph type="sldImg"/>
           </p:nvPr>
         </p:nvSpPr>
-        <p:spPr/>
+        <p:spPr>
+          <a:xfrm>
+            <a:off x="381000" y="685800"/>
+            <a:ext cx="6096000" cy="3429000"/>
+          </a:xfrm>
+        </p:spPr>
       </p:sp>
       <p:sp>
         <p:nvSpPr>
@@ -598,7 +603,12 @@
             <p:ph type="sldImg"/>
           </p:nvPr>
         </p:nvSpPr>
-        <p:spPr/>
+        <p:spPr>
+          <a:xfrm>
+            <a:off x="381000" y="685800"/>
+            <a:ext cx="6096000" cy="3429000"/>
+          </a:xfrm>
+        </p:spPr>
       </p:sp>
       <p:sp>
         <p:nvSpPr>
@@ -686,7 +696,12 @@
             <p:ph type="sldImg"/>
           </p:nvPr>
         </p:nvSpPr>
-        <p:spPr/>
+        <p:spPr>
+          <a:xfrm>
+            <a:off x="381000" y="685800"/>
+            <a:ext cx="6096000" cy="3429000"/>
+          </a:xfrm>
+        </p:spPr>
       </p:sp>
       <p:sp>
         <p:nvSpPr>
@@ -843,7 +858,12 @@
             <p:ph type="sldImg"/>
           </p:nvPr>
         </p:nvSpPr>
-        <p:spPr/>
+        <p:spPr>
+          <a:xfrm>
+            <a:off x="381000" y="685800"/>
+            <a:ext cx="6096000" cy="3429000"/>
+          </a:xfrm>
+        </p:spPr>
       </p:sp>
       <p:sp>
         <p:nvSpPr>
@@ -931,7 +951,12 @@
             <p:ph type="sldImg"/>
           </p:nvPr>
         </p:nvSpPr>
-        <p:spPr/>
+        <p:spPr>
+          <a:xfrm>
+            <a:off x="381000" y="685800"/>
+            <a:ext cx="6096000" cy="3429000"/>
+          </a:xfrm>
+        </p:spPr>
       </p:sp>
       <p:sp>
         <p:nvSpPr>
@@ -1117,7 +1142,12 @@
             <p:ph type="sldImg"/>
           </p:nvPr>
         </p:nvSpPr>
-        <p:spPr/>
+        <p:spPr>
+          <a:xfrm>
+            <a:off x="381000" y="685800"/>
+            <a:ext cx="6096000" cy="3429000"/>
+          </a:xfrm>
+        </p:spPr>
       </p:sp>
       <p:sp>
         <p:nvSpPr>
@@ -1201,7 +1231,12 @@
             <p:ph type="sldImg"/>
           </p:nvPr>
         </p:nvSpPr>
-        <p:spPr/>
+        <p:spPr>
+          <a:xfrm>
+            <a:off x="381000" y="685800"/>
+            <a:ext cx="6096000" cy="3429000"/>
+          </a:xfrm>
+        </p:spPr>
       </p:sp>
       <p:sp>
         <p:nvSpPr>
@@ -1289,7 +1324,12 @@
             <p:ph type="sldImg"/>
           </p:nvPr>
         </p:nvSpPr>
-        <p:spPr/>
+        <p:spPr>
+          <a:xfrm>
+            <a:off x="381000" y="685800"/>
+            <a:ext cx="6096000" cy="3429000"/>
+          </a:xfrm>
+        </p:spPr>
       </p:sp>
       <p:sp>
         <p:nvSpPr>
@@ -1373,7 +1413,12 @@
             <p:ph type="sldImg"/>
           </p:nvPr>
         </p:nvSpPr>
-        <p:spPr/>
+        <p:spPr>
+          <a:xfrm>
+            <a:off x="381000" y="685800"/>
+            <a:ext cx="6096000" cy="3429000"/>
+          </a:xfrm>
+        </p:spPr>
       </p:sp>
       <p:sp>
         <p:nvSpPr>
@@ -1457,7 +1502,12 @@
             <p:ph type="sldImg"/>
           </p:nvPr>
         </p:nvSpPr>
-        <p:spPr/>
+        <p:spPr>
+          <a:xfrm>
+            <a:off x="381000" y="685800"/>
+            <a:ext cx="6096000" cy="3429000"/>
+          </a:xfrm>
+        </p:spPr>
       </p:sp>
       <p:sp>
         <p:nvSpPr>
@@ -1608,7 +1658,12 @@
             <p:ph type="sldImg"/>
           </p:nvPr>
         </p:nvSpPr>
-        <p:spPr/>
+        <p:spPr>
+          <a:xfrm>
+            <a:off x="381000" y="685800"/>
+            <a:ext cx="6096000" cy="3429000"/>
+          </a:xfrm>
+        </p:spPr>
       </p:sp>
       <p:sp>
         <p:nvSpPr>
@@ -1738,7 +1793,12 @@
             <p:ph type="sldImg"/>
           </p:nvPr>
         </p:nvSpPr>
-        <p:spPr/>
+        <p:spPr>
+          <a:xfrm>
+            <a:off x="381000" y="685800"/>
+            <a:ext cx="6096000" cy="3429000"/>
+          </a:xfrm>
+        </p:spPr>
       </p:sp>
       <p:sp>
         <p:nvSpPr>
@@ -1826,7 +1886,12 @@
             <p:ph type="sldImg"/>
           </p:nvPr>
         </p:nvSpPr>
-        <p:spPr/>
+        <p:spPr>
+          <a:xfrm>
+            <a:off x="381000" y="685800"/>
+            <a:ext cx="6096000" cy="3429000"/>
+          </a:xfrm>
+        </p:spPr>
       </p:sp>
       <p:sp>
         <p:nvSpPr>
@@ -2014,7 +2079,12 @@
             <p:ph type="sldImg"/>
           </p:nvPr>
         </p:nvSpPr>
-        <p:spPr/>
+        <p:spPr>
+          <a:xfrm>
+            <a:off x="381000" y="685800"/>
+            <a:ext cx="6096000" cy="3429000"/>
+          </a:xfrm>
+        </p:spPr>
       </p:sp>
       <p:sp>
         <p:nvSpPr>
@@ -2147,7 +2217,7 @@
           <a:p>
             <a:fld id="{530820CF-B880-4189-942D-D702A7CBA730}" type="datetimeFigureOut">
               <a:rPr lang="zh-CN" altLang="en-US" smtClean="0"/>
-              <a:t>2018/4/19</a:t>
+              <a:t>2019/4/7</a:t>
             </a:fld>
             <a:endParaRPr lang="zh-CN" altLang="en-US"/>
           </a:p>
@@ -2203,8 +2273,8 @@
         </p:nvSpPr>
         <p:spPr>
           <a:xfrm>
-            <a:off x="2106" y="818866"/>
-            <a:ext cx="9144000" cy="6210887"/>
+            <a:off x="2106" y="614150"/>
+            <a:ext cx="9144000" cy="4658165"/>
           </a:xfrm>
           <a:prstGeom prst="rect">
             <a:avLst/>
@@ -2249,8 +2319,8 @@
         </p:nvSpPr>
         <p:spPr>
           <a:xfrm>
-            <a:off x="0" y="-1"/>
-            <a:ext cx="9145588" cy="818867"/>
+            <a:off x="0" y="0"/>
+            <a:ext cx="9145588" cy="614150"/>
           </a:xfrm>
           <a:prstGeom prst="rect">
             <a:avLst/>
@@ -2299,8 +2369,8 @@
         </p:nvSpPr>
         <p:spPr>
           <a:xfrm>
-            <a:off x="685800" y="2130425"/>
-            <a:ext cx="7772400" cy="1470025"/>
+            <a:off x="685800" y="1597819"/>
+            <a:ext cx="7772400" cy="1102519"/>
           </a:xfrm>
         </p:spPr>
         <p:txBody>
@@ -2339,8 +2409,8 @@
         </p:nvSpPr>
         <p:spPr>
           <a:xfrm>
-            <a:off x="1371600" y="3886200"/>
-            <a:ext cx="6400800" cy="1752600"/>
+            <a:off x="1371600" y="2914650"/>
+            <a:ext cx="6400800" cy="1314450"/>
           </a:xfrm>
         </p:spPr>
         <p:txBody>
@@ -2483,8 +2553,8 @@
         </p:nvSpPr>
         <p:spPr>
           <a:xfrm>
-            <a:off x="683568" y="1052736"/>
-            <a:ext cx="7666037" cy="4641850"/>
+            <a:off x="683568" y="789552"/>
+            <a:ext cx="7666037" cy="3481388"/>
           </a:xfrm>
         </p:spPr>
         <p:txBody>
@@ -2571,8 +2641,8 @@
         </p:nvSpPr>
         <p:spPr>
           <a:xfrm>
-            <a:off x="782638" y="6527800"/>
-            <a:ext cx="349250" cy="207963"/>
+            <a:off x="782638" y="4895851"/>
+            <a:ext cx="349250" cy="155972"/>
           </a:xfrm>
           <a:prstGeom prst="rect">
             <a:avLst/>
@@ -2604,8 +2674,8 @@
         </p:nvSpPr>
         <p:spPr>
           <a:xfrm>
-            <a:off x="-828600" y="-162272"/>
-            <a:ext cx="8229600" cy="1143000"/>
+            <a:off x="-828600" y="-121704"/>
+            <a:ext cx="8229600" cy="857250"/>
           </a:xfrm>
           <a:prstGeom prst="rect">
             <a:avLst/>
@@ -2648,8 +2718,8 @@
         </p:nvSpPr>
         <p:spPr>
           <a:xfrm>
-            <a:off x="0" y="-1"/>
-            <a:ext cx="9145588" cy="818867"/>
+            <a:off x="0" y="0"/>
+            <a:ext cx="9145588" cy="614150"/>
           </a:xfrm>
           <a:prstGeom prst="rect">
             <a:avLst/>
@@ -2735,8 +2805,8 @@
         </p:nvSpPr>
         <p:spPr>
           <a:xfrm>
-            <a:off x="683568" y="1052736"/>
-            <a:ext cx="7666037" cy="4641850"/>
+            <a:off x="683568" y="789552"/>
+            <a:ext cx="7666037" cy="3481388"/>
           </a:xfrm>
         </p:spPr>
         <p:txBody>
@@ -2823,8 +2893,8 @@
         </p:nvSpPr>
         <p:spPr>
           <a:xfrm>
-            <a:off x="782638" y="6527800"/>
-            <a:ext cx="349250" cy="207963"/>
+            <a:off x="782638" y="4895851"/>
+            <a:ext cx="349250" cy="155972"/>
           </a:xfrm>
           <a:prstGeom prst="rect">
             <a:avLst/>
@@ -2856,8 +2926,8 @@
         </p:nvSpPr>
         <p:spPr>
           <a:xfrm>
-            <a:off x="-828600" y="-162272"/>
-            <a:ext cx="8229600" cy="1143000"/>
+            <a:off x="-828600" y="-121704"/>
+            <a:ext cx="8229600" cy="857250"/>
           </a:xfrm>
           <a:prstGeom prst="rect">
             <a:avLst/>
@@ -2900,8 +2970,8 @@
         </p:nvSpPr>
         <p:spPr>
           <a:xfrm>
-            <a:off x="0" y="-1"/>
-            <a:ext cx="9145588" cy="818867"/>
+            <a:off x="0" y="0"/>
+            <a:ext cx="9145588" cy="614150"/>
           </a:xfrm>
           <a:prstGeom prst="rect">
             <a:avLst/>
@@ -2987,8 +3057,8 @@
         </p:nvSpPr>
         <p:spPr>
           <a:xfrm>
-            <a:off x="683568" y="1052736"/>
-            <a:ext cx="7666037" cy="4641850"/>
+            <a:off x="683568" y="789552"/>
+            <a:ext cx="7666037" cy="3481388"/>
           </a:xfrm>
         </p:spPr>
         <p:txBody>
@@ -3075,8 +3145,8 @@
         </p:nvSpPr>
         <p:spPr>
           <a:xfrm>
-            <a:off x="782638" y="6527800"/>
-            <a:ext cx="349250" cy="207963"/>
+            <a:off x="782638" y="4895851"/>
+            <a:ext cx="349250" cy="155972"/>
           </a:xfrm>
           <a:prstGeom prst="rect">
             <a:avLst/>
@@ -3108,8 +3178,8 @@
         </p:nvSpPr>
         <p:spPr>
           <a:xfrm>
-            <a:off x="-828600" y="-162272"/>
-            <a:ext cx="8229600" cy="1143000"/>
+            <a:off x="-828600" y="-121704"/>
+            <a:ext cx="8229600" cy="857250"/>
           </a:xfrm>
           <a:prstGeom prst="rect">
             <a:avLst/>
@@ -3152,8 +3222,8 @@
         </p:nvSpPr>
         <p:spPr>
           <a:xfrm>
-            <a:off x="0" y="-1"/>
-            <a:ext cx="9145588" cy="818867"/>
+            <a:off x="0" y="0"/>
+            <a:ext cx="9145588" cy="614150"/>
           </a:xfrm>
           <a:prstGeom prst="rect">
             <a:avLst/>
@@ -3239,8 +3309,8 @@
         </p:nvSpPr>
         <p:spPr>
           <a:xfrm>
-            <a:off x="683568" y="1052736"/>
-            <a:ext cx="7666037" cy="4641850"/>
+            <a:off x="683568" y="789552"/>
+            <a:ext cx="7666037" cy="3481388"/>
           </a:xfrm>
         </p:spPr>
         <p:txBody>
@@ -3327,8 +3397,8 @@
         </p:nvSpPr>
         <p:spPr>
           <a:xfrm>
-            <a:off x="782638" y="6527800"/>
-            <a:ext cx="349250" cy="207963"/>
+            <a:off x="782638" y="4895851"/>
+            <a:ext cx="349250" cy="155972"/>
           </a:xfrm>
           <a:prstGeom prst="rect">
             <a:avLst/>
@@ -3360,8 +3430,8 @@
         </p:nvSpPr>
         <p:spPr>
           <a:xfrm>
-            <a:off x="-828600" y="-162272"/>
-            <a:ext cx="8229600" cy="1143000"/>
+            <a:off x="-828600" y="-121704"/>
+            <a:ext cx="8229600" cy="857250"/>
           </a:xfrm>
           <a:prstGeom prst="rect">
             <a:avLst/>
@@ -3404,8 +3474,8 @@
         </p:nvSpPr>
         <p:spPr>
           <a:xfrm>
-            <a:off x="0" y="-1"/>
-            <a:ext cx="9145588" cy="818867"/>
+            <a:off x="0" y="0"/>
+            <a:ext cx="9145588" cy="614150"/>
           </a:xfrm>
           <a:prstGeom prst="rect">
             <a:avLst/>
@@ -3491,8 +3561,8 @@
         </p:nvSpPr>
         <p:spPr>
           <a:xfrm>
-            <a:off x="683568" y="1052736"/>
-            <a:ext cx="7666037" cy="4641850"/>
+            <a:off x="683568" y="789552"/>
+            <a:ext cx="7666037" cy="3481388"/>
           </a:xfrm>
         </p:spPr>
         <p:txBody>
@@ -3579,8 +3649,8 @@
         </p:nvSpPr>
         <p:spPr>
           <a:xfrm>
-            <a:off x="782638" y="6527800"/>
-            <a:ext cx="349250" cy="207963"/>
+            <a:off x="782638" y="4895851"/>
+            <a:ext cx="349250" cy="155972"/>
           </a:xfrm>
           <a:prstGeom prst="rect">
             <a:avLst/>
@@ -3612,8 +3682,8 @@
         </p:nvSpPr>
         <p:spPr>
           <a:xfrm>
-            <a:off x="-828600" y="-162272"/>
-            <a:ext cx="8229600" cy="1143000"/>
+            <a:off x="-828600" y="-121704"/>
+            <a:ext cx="8229600" cy="857250"/>
           </a:xfrm>
           <a:prstGeom prst="rect">
             <a:avLst/>
@@ -3656,8 +3726,8 @@
         </p:nvSpPr>
         <p:spPr>
           <a:xfrm>
-            <a:off x="0" y="-1"/>
-            <a:ext cx="9145588" cy="818867"/>
+            <a:off x="0" y="0"/>
+            <a:ext cx="9145588" cy="614150"/>
           </a:xfrm>
           <a:prstGeom prst="rect">
             <a:avLst/>
@@ -3743,8 +3813,8 @@
         </p:nvSpPr>
         <p:spPr>
           <a:xfrm>
-            <a:off x="683568" y="1052736"/>
-            <a:ext cx="7666037" cy="4641850"/>
+            <a:off x="683568" y="789552"/>
+            <a:ext cx="7666037" cy="3481388"/>
           </a:xfrm>
         </p:spPr>
         <p:txBody>
@@ -3831,8 +3901,8 @@
         </p:nvSpPr>
         <p:spPr>
           <a:xfrm>
-            <a:off x="782638" y="6527800"/>
-            <a:ext cx="349250" cy="207963"/>
+            <a:off x="782638" y="4895851"/>
+            <a:ext cx="349250" cy="155972"/>
           </a:xfrm>
           <a:prstGeom prst="rect">
             <a:avLst/>
@@ -3864,8 +3934,8 @@
         </p:nvSpPr>
         <p:spPr>
           <a:xfrm>
-            <a:off x="-828600" y="-162272"/>
-            <a:ext cx="8229600" cy="1143000"/>
+            <a:off x="-828600" y="-121704"/>
+            <a:ext cx="8229600" cy="857250"/>
           </a:xfrm>
           <a:prstGeom prst="rect">
             <a:avLst/>
@@ -3908,8 +3978,8 @@
         </p:nvSpPr>
         <p:spPr>
           <a:xfrm>
-            <a:off x="0" y="-1"/>
-            <a:ext cx="9145588" cy="818867"/>
+            <a:off x="0" y="0"/>
+            <a:ext cx="9145588" cy="614150"/>
           </a:xfrm>
           <a:prstGeom prst="rect">
             <a:avLst/>
@@ -3995,8 +4065,8 @@
         </p:nvSpPr>
         <p:spPr>
           <a:xfrm>
-            <a:off x="683568" y="1052736"/>
-            <a:ext cx="7666037" cy="4641850"/>
+            <a:off x="683568" y="789552"/>
+            <a:ext cx="7666037" cy="3481388"/>
           </a:xfrm>
         </p:spPr>
         <p:txBody>
@@ -4083,8 +4153,8 @@
         </p:nvSpPr>
         <p:spPr>
           <a:xfrm>
-            <a:off x="782638" y="6527800"/>
-            <a:ext cx="349250" cy="207963"/>
+            <a:off x="782638" y="4895851"/>
+            <a:ext cx="349250" cy="155972"/>
           </a:xfrm>
           <a:prstGeom prst="rect">
             <a:avLst/>
@@ -4116,8 +4186,8 @@
         </p:nvSpPr>
         <p:spPr>
           <a:xfrm>
-            <a:off x="-828600" y="-162272"/>
-            <a:ext cx="8229600" cy="1143000"/>
+            <a:off x="-828600" y="-121704"/>
+            <a:ext cx="8229600" cy="857250"/>
           </a:xfrm>
           <a:prstGeom prst="rect">
             <a:avLst/>
@@ -4160,8 +4230,8 @@
         </p:nvSpPr>
         <p:spPr>
           <a:xfrm>
-            <a:off x="0" y="-1"/>
-            <a:ext cx="9145588" cy="818867"/>
+            <a:off x="0" y="0"/>
+            <a:ext cx="9145588" cy="614150"/>
           </a:xfrm>
           <a:prstGeom prst="rect">
             <a:avLst/>
@@ -4247,8 +4317,8 @@
         </p:nvSpPr>
         <p:spPr>
           <a:xfrm>
-            <a:off x="683568" y="1052736"/>
-            <a:ext cx="7666037" cy="4641850"/>
+            <a:off x="683568" y="789552"/>
+            <a:ext cx="7666037" cy="3481388"/>
           </a:xfrm>
         </p:spPr>
         <p:txBody>
@@ -4335,8 +4405,8 @@
         </p:nvSpPr>
         <p:spPr>
           <a:xfrm>
-            <a:off x="782638" y="6527800"/>
-            <a:ext cx="349250" cy="207963"/>
+            <a:off x="782638" y="4895851"/>
+            <a:ext cx="349250" cy="155972"/>
           </a:xfrm>
           <a:prstGeom prst="rect">
             <a:avLst/>
@@ -4368,8 +4438,8 @@
         </p:nvSpPr>
         <p:spPr>
           <a:xfrm>
-            <a:off x="-828600" y="-162272"/>
-            <a:ext cx="8229600" cy="1143000"/>
+            <a:off x="-828600" y="-121704"/>
+            <a:ext cx="8229600" cy="857250"/>
           </a:xfrm>
           <a:prstGeom prst="rect">
             <a:avLst/>
@@ -4412,8 +4482,8 @@
         </p:nvSpPr>
         <p:spPr>
           <a:xfrm>
-            <a:off x="0" y="-1"/>
-            <a:ext cx="9145588" cy="818867"/>
+            <a:off x="0" y="0"/>
+            <a:ext cx="9145588" cy="614150"/>
           </a:xfrm>
           <a:prstGeom prst="rect">
             <a:avLst/>
@@ -4499,8 +4569,8 @@
         </p:nvSpPr>
         <p:spPr>
           <a:xfrm>
-            <a:off x="683568" y="1052736"/>
-            <a:ext cx="7666037" cy="4641850"/>
+            <a:off x="683568" y="789552"/>
+            <a:ext cx="7666037" cy="3481388"/>
           </a:xfrm>
         </p:spPr>
         <p:txBody>
@@ -4587,8 +4657,8 @@
         </p:nvSpPr>
         <p:spPr>
           <a:xfrm>
-            <a:off x="782638" y="6527800"/>
-            <a:ext cx="349250" cy="207963"/>
+            <a:off x="782638" y="4895851"/>
+            <a:ext cx="349250" cy="155972"/>
           </a:xfrm>
           <a:prstGeom prst="rect">
             <a:avLst/>
@@ -4620,8 +4690,8 @@
         </p:nvSpPr>
         <p:spPr>
           <a:xfrm>
-            <a:off x="-828600" y="-162272"/>
-            <a:ext cx="8229600" cy="1143000"/>
+            <a:off x="-828600" y="-121704"/>
+            <a:ext cx="8229600" cy="857250"/>
           </a:xfrm>
           <a:prstGeom prst="rect">
             <a:avLst/>
@@ -4664,8 +4734,8 @@
         </p:nvSpPr>
         <p:spPr>
           <a:xfrm>
-            <a:off x="0" y="-1"/>
-            <a:ext cx="9145588" cy="818867"/>
+            <a:off x="0" y="0"/>
+            <a:ext cx="9145588" cy="614150"/>
           </a:xfrm>
           <a:prstGeom prst="rect">
             <a:avLst/>
@@ -4839,7 +4909,7 @@
           <a:p>
             <a:fld id="{530820CF-B880-4189-942D-D702A7CBA730}" type="datetimeFigureOut">
               <a:rPr lang="zh-CN" altLang="en-US" smtClean="0"/>
-              <a:t>2018/4/19</a:t>
+              <a:t>2019/4/7</a:t>
             </a:fld>
             <a:endParaRPr lang="zh-CN" altLang="en-US"/>
           </a:p>
@@ -4895,8 +4965,8 @@
         </p:nvSpPr>
         <p:spPr>
           <a:xfrm>
-            <a:off x="0" y="-1"/>
-            <a:ext cx="9145588" cy="818867"/>
+            <a:off x="0" y="0"/>
+            <a:ext cx="9145588" cy="614150"/>
           </a:xfrm>
           <a:prstGeom prst="rect">
             <a:avLst/>
@@ -4946,7 +5016,7 @@
         <p:spPr>
           <a:xfrm>
             <a:off x="0" y="0"/>
-            <a:ext cx="9144000" cy="818866"/>
+            <a:ext cx="9144000" cy="614150"/>
           </a:xfrm>
         </p:spPr>
         <p:txBody>
@@ -5010,8 +5080,8 @@
         </p:nvSpPr>
         <p:spPr>
           <a:xfrm>
-            <a:off x="683568" y="1052736"/>
-            <a:ext cx="7666037" cy="4641850"/>
+            <a:off x="683568" y="789552"/>
+            <a:ext cx="7666037" cy="3481388"/>
           </a:xfrm>
         </p:spPr>
         <p:txBody>
@@ -5098,8 +5168,8 @@
         </p:nvSpPr>
         <p:spPr>
           <a:xfrm>
-            <a:off x="782638" y="6309320"/>
-            <a:ext cx="1053058" cy="426443"/>
+            <a:off x="782638" y="4731991"/>
+            <a:ext cx="1053058" cy="319832"/>
           </a:xfrm>
           <a:prstGeom prst="rect">
             <a:avLst/>
@@ -5129,8 +5199,8 @@
         </p:nvSpPr>
         <p:spPr>
           <a:xfrm>
-            <a:off x="0" y="-1"/>
-            <a:ext cx="9145588" cy="818867"/>
+            <a:off x="0" y="0"/>
+            <a:ext cx="9145588" cy="614150"/>
           </a:xfrm>
           <a:prstGeom prst="rect">
             <a:avLst/>
@@ -5216,8 +5286,8 @@
         </p:nvSpPr>
         <p:spPr>
           <a:xfrm>
-            <a:off x="683568" y="1052736"/>
-            <a:ext cx="7666037" cy="4641850"/>
+            <a:off x="683568" y="789552"/>
+            <a:ext cx="7666037" cy="3481388"/>
           </a:xfrm>
         </p:spPr>
         <p:txBody>
@@ -5304,8 +5374,8 @@
         </p:nvSpPr>
         <p:spPr>
           <a:xfrm>
-            <a:off x="782638" y="6381328"/>
-            <a:ext cx="1845146" cy="354435"/>
+            <a:off x="782638" y="4785997"/>
+            <a:ext cx="1845146" cy="265826"/>
           </a:xfrm>
           <a:prstGeom prst="rect">
             <a:avLst/>
@@ -5341,8 +5411,8 @@
         </p:nvSpPr>
         <p:spPr>
           <a:xfrm>
-            <a:off x="-828600" y="-162272"/>
-            <a:ext cx="8229600" cy="1143000"/>
+            <a:off x="-828600" y="-121704"/>
+            <a:ext cx="8229600" cy="857250"/>
           </a:xfrm>
           <a:prstGeom prst="rect">
             <a:avLst/>
@@ -5385,8 +5455,8 @@
         </p:nvSpPr>
         <p:spPr>
           <a:xfrm>
-            <a:off x="0" y="-1"/>
-            <a:ext cx="9145588" cy="818867"/>
+            <a:off x="0" y="0"/>
+            <a:ext cx="9145588" cy="614150"/>
           </a:xfrm>
           <a:prstGeom prst="rect">
             <a:avLst/>
@@ -5472,8 +5542,8 @@
         </p:nvSpPr>
         <p:spPr>
           <a:xfrm>
-            <a:off x="683568" y="1052736"/>
-            <a:ext cx="7666037" cy="4641850"/>
+            <a:off x="683568" y="789552"/>
+            <a:ext cx="7666037" cy="3481388"/>
           </a:xfrm>
         </p:spPr>
         <p:txBody>
@@ -5560,8 +5630,8 @@
         </p:nvSpPr>
         <p:spPr>
           <a:xfrm>
-            <a:off x="782638" y="6527800"/>
-            <a:ext cx="349250" cy="207963"/>
+            <a:off x="782638" y="4895851"/>
+            <a:ext cx="349250" cy="155972"/>
           </a:xfrm>
           <a:prstGeom prst="rect">
             <a:avLst/>
@@ -5591,8 +5661,8 @@
         </p:nvSpPr>
         <p:spPr>
           <a:xfrm>
-            <a:off x="0" y="-1"/>
-            <a:ext cx="9145588" cy="818867"/>
+            <a:off x="0" y="0"/>
+            <a:ext cx="9145588" cy="614150"/>
           </a:xfrm>
           <a:prstGeom prst="rect">
             <a:avLst/>
@@ -5678,8 +5748,8 @@
         </p:nvSpPr>
         <p:spPr>
           <a:xfrm>
-            <a:off x="683568" y="1052736"/>
-            <a:ext cx="7666037" cy="4641850"/>
+            <a:off x="683568" y="789552"/>
+            <a:ext cx="7666037" cy="3481388"/>
           </a:xfrm>
         </p:spPr>
         <p:txBody>
@@ -5766,8 +5836,8 @@
         </p:nvSpPr>
         <p:spPr>
           <a:xfrm>
-            <a:off x="782638" y="6527800"/>
-            <a:ext cx="349250" cy="207963"/>
+            <a:off x="782638" y="4895851"/>
+            <a:ext cx="349250" cy="155972"/>
           </a:xfrm>
           <a:prstGeom prst="rect">
             <a:avLst/>
@@ -5797,8 +5867,8 @@
         </p:nvSpPr>
         <p:spPr>
           <a:xfrm>
-            <a:off x="0" y="-1"/>
-            <a:ext cx="9145588" cy="818867"/>
+            <a:off x="0" y="0"/>
+            <a:ext cx="9145588" cy="614150"/>
           </a:xfrm>
           <a:prstGeom prst="rect">
             <a:avLst/>
@@ -5884,8 +5954,8 @@
         </p:nvSpPr>
         <p:spPr>
           <a:xfrm>
-            <a:off x="683568" y="1052736"/>
-            <a:ext cx="7666037" cy="4641850"/>
+            <a:off x="683568" y="789552"/>
+            <a:ext cx="7666037" cy="3481388"/>
           </a:xfrm>
         </p:spPr>
         <p:txBody>
@@ -5972,8 +6042,8 @@
         </p:nvSpPr>
         <p:spPr>
           <a:xfrm>
-            <a:off x="782638" y="6527800"/>
-            <a:ext cx="349250" cy="207963"/>
+            <a:off x="782638" y="4895851"/>
+            <a:ext cx="349250" cy="155972"/>
           </a:xfrm>
           <a:prstGeom prst="rect">
             <a:avLst/>
@@ -6005,8 +6075,8 @@
         </p:nvSpPr>
         <p:spPr>
           <a:xfrm>
-            <a:off x="-828600" y="-162272"/>
-            <a:ext cx="8229600" cy="1143000"/>
+            <a:off x="-828600" y="-121704"/>
+            <a:ext cx="8229600" cy="857250"/>
           </a:xfrm>
           <a:prstGeom prst="rect">
             <a:avLst/>
@@ -6049,8 +6119,8 @@
         </p:nvSpPr>
         <p:spPr>
           <a:xfrm>
-            <a:off x="0" y="-1"/>
-            <a:ext cx="9145588" cy="818867"/>
+            <a:off x="0" y="0"/>
+            <a:ext cx="9145588" cy="614150"/>
           </a:xfrm>
           <a:prstGeom prst="rect">
             <a:avLst/>
@@ -6136,8 +6206,8 @@
         </p:nvSpPr>
         <p:spPr>
           <a:xfrm>
-            <a:off x="683568" y="1052736"/>
-            <a:ext cx="7666037" cy="4641850"/>
+            <a:off x="683568" y="789552"/>
+            <a:ext cx="7666037" cy="3481388"/>
           </a:xfrm>
         </p:spPr>
         <p:txBody>
@@ -6224,8 +6294,8 @@
         </p:nvSpPr>
         <p:spPr>
           <a:xfrm>
-            <a:off x="782638" y="6527800"/>
-            <a:ext cx="349250" cy="207963"/>
+            <a:off x="782638" y="4895851"/>
+            <a:ext cx="349250" cy="155972"/>
           </a:xfrm>
           <a:prstGeom prst="rect">
             <a:avLst/>
@@ -6257,8 +6327,8 @@
         </p:nvSpPr>
         <p:spPr>
           <a:xfrm>
-            <a:off x="-828600" y="-162272"/>
-            <a:ext cx="8229600" cy="1143000"/>
+            <a:off x="-828600" y="-121704"/>
+            <a:ext cx="8229600" cy="857250"/>
           </a:xfrm>
           <a:prstGeom prst="rect">
             <a:avLst/>
@@ -6301,8 +6371,8 @@
         </p:nvSpPr>
         <p:spPr>
           <a:xfrm>
-            <a:off x="0" y="-1"/>
-            <a:ext cx="9145588" cy="818867"/>
+            <a:off x="0" y="0"/>
+            <a:ext cx="9145588" cy="614150"/>
           </a:xfrm>
           <a:prstGeom prst="rect">
             <a:avLst/>
@@ -6388,8 +6458,8 @@
         </p:nvSpPr>
         <p:spPr>
           <a:xfrm>
-            <a:off x="683568" y="1052736"/>
-            <a:ext cx="7666037" cy="4641850"/>
+            <a:off x="683568" y="789552"/>
+            <a:ext cx="7666037" cy="3481388"/>
           </a:xfrm>
         </p:spPr>
         <p:txBody>
@@ -6476,8 +6546,8 @@
         </p:nvSpPr>
         <p:spPr>
           <a:xfrm>
-            <a:off x="782638" y="6527800"/>
-            <a:ext cx="349250" cy="207963"/>
+            <a:off x="782638" y="4895851"/>
+            <a:ext cx="349250" cy="155972"/>
           </a:xfrm>
           <a:prstGeom prst="rect">
             <a:avLst/>
@@ -6509,8 +6579,8 @@
         </p:nvSpPr>
         <p:spPr>
           <a:xfrm>
-            <a:off x="-828600" y="-162272"/>
-            <a:ext cx="8229600" cy="1143000"/>
+            <a:off x="-828600" y="-121704"/>
+            <a:ext cx="8229600" cy="857250"/>
           </a:xfrm>
           <a:prstGeom prst="rect">
             <a:avLst/>
@@ -6553,8 +6623,8 @@
         </p:nvSpPr>
         <p:spPr>
           <a:xfrm>
-            <a:off x="0" y="-1"/>
-            <a:ext cx="9145588" cy="818867"/>
+            <a:off x="0" y="0"/>
+            <a:ext cx="9145588" cy="614150"/>
           </a:xfrm>
           <a:prstGeom prst="rect">
             <a:avLst/>
@@ -6645,8 +6715,8 @@
         </p:nvSpPr>
         <p:spPr>
           <a:xfrm>
-            <a:off x="457200" y="274638"/>
-            <a:ext cx="8229600" cy="1143000"/>
+            <a:off x="457200" y="205978"/>
+            <a:ext cx="8229600" cy="857250"/>
           </a:xfrm>
           <a:prstGeom prst="rect">
             <a:avLst/>
@@ -6678,8 +6748,8 @@
         </p:nvSpPr>
         <p:spPr>
           <a:xfrm>
-            <a:off x="457200" y="1600200"/>
-            <a:ext cx="8229600" cy="4525963"/>
+            <a:off x="457200" y="1200151"/>
+            <a:ext cx="8229600" cy="3394472"/>
           </a:xfrm>
           <a:prstGeom prst="rect">
             <a:avLst/>
@@ -6740,8 +6810,8 @@
         </p:nvSpPr>
         <p:spPr>
           <a:xfrm>
-            <a:off x="457200" y="6356350"/>
-            <a:ext cx="2133600" cy="365125"/>
+            <a:off x="457200" y="4767263"/>
+            <a:ext cx="2133600" cy="273844"/>
           </a:xfrm>
           <a:prstGeom prst="rect">
             <a:avLst/>
@@ -6763,7 +6833,7 @@
           <a:p>
             <a:fld id="{530820CF-B880-4189-942D-D702A7CBA730}" type="datetimeFigureOut">
               <a:rPr lang="zh-CN" altLang="en-US" smtClean="0"/>
-              <a:t>2018/4/19</a:t>
+              <a:t>2019/4/7</a:t>
             </a:fld>
             <a:endParaRPr lang="zh-CN" altLang="en-US"/>
           </a:p>
@@ -6781,8 +6851,8 @@
         </p:nvSpPr>
         <p:spPr>
           <a:xfrm>
-            <a:off x="3124200" y="6356350"/>
-            <a:ext cx="2895600" cy="365125"/>
+            <a:off x="3124200" y="4767263"/>
+            <a:ext cx="2895600" cy="273844"/>
           </a:xfrm>
           <a:prstGeom prst="rect">
             <a:avLst/>
@@ -6818,8 +6888,8 @@
         </p:nvSpPr>
         <p:spPr>
           <a:xfrm>
-            <a:off x="6553200" y="6356350"/>
-            <a:ext cx="2133600" cy="365125"/>
+            <a:off x="6553200" y="4767263"/>
+            <a:ext cx="2133600" cy="273844"/>
           </a:xfrm>
           <a:prstGeom prst="rect">
             <a:avLst/>
@@ -7152,7 +7222,9 @@
         </p:nvSpPr>
         <p:spPr/>
         <p:txBody>
-          <a:bodyPr/>
+          <a:bodyPr>
+            <a:normAutofit fontScale="90000"/>
+          </a:bodyPr>
           <a:lstStyle/>
           <a:p>
             <a:r>
@@ -7255,8 +7327,8 @@
         </p:nvSpPr>
         <p:spPr>
           <a:xfrm>
-            <a:off x="457200" y="908720"/>
-            <a:ext cx="8229600" cy="5217443"/>
+            <a:off x="457200" y="681541"/>
+            <a:ext cx="8229600" cy="3913082"/>
           </a:xfrm>
         </p:spPr>
         <p:txBody>
@@ -7683,8 +7755,8 @@
         </p:nvSpPr>
         <p:spPr>
           <a:xfrm>
-            <a:off x="457200" y="980728"/>
-            <a:ext cx="8229600" cy="5145435"/>
+            <a:off x="457200" y="735547"/>
+            <a:ext cx="8229600" cy="3859076"/>
           </a:xfrm>
         </p:spPr>
         <p:txBody>
@@ -8335,8 +8407,8 @@
         </p:blipFill>
         <p:spPr bwMode="auto">
           <a:xfrm>
-            <a:off x="1955668" y="260648"/>
-            <a:ext cx="5437419" cy="6362660"/>
+            <a:off x="1955669" y="195486"/>
+            <a:ext cx="5437419" cy="4771995"/>
           </a:xfrm>
           <a:prstGeom prst="rect">
             <a:avLst/>
@@ -8627,8 +8699,8 @@
         </p:nvSpPr>
         <p:spPr>
           <a:xfrm>
-            <a:off x="179512" y="1196752"/>
-            <a:ext cx="8229600" cy="4525963"/>
+            <a:off x="179512" y="897565"/>
+            <a:ext cx="8229600" cy="3394472"/>
           </a:xfrm>
         </p:spPr>
         <p:txBody>
@@ -8755,8 +8827,8 @@
         </p:nvSpPr>
         <p:spPr>
           <a:xfrm>
-            <a:off x="3491880" y="4221088"/>
-            <a:ext cx="4536504" cy="1512168"/>
+            <a:off x="3491880" y="3165816"/>
+            <a:ext cx="4536504" cy="1134126"/>
           </a:xfrm>
           <a:prstGeom prst="wedgeEllipseCallout">
             <a:avLst>
@@ -8924,8 +8996,8 @@
         </p:blipFill>
         <p:spPr bwMode="auto">
           <a:xfrm>
-            <a:off x="2595562" y="1268760"/>
-            <a:ext cx="3952875" cy="4857750"/>
+            <a:off x="2595563" y="951570"/>
+            <a:ext cx="3952875" cy="3643313"/>
           </a:xfrm>
           <a:prstGeom prst="rect">
             <a:avLst/>
@@ -9014,8 +9086,8 @@
         </p:nvSpPr>
         <p:spPr>
           <a:xfrm>
-            <a:off x="467544" y="1196752"/>
-            <a:ext cx="8229600" cy="5328592"/>
+            <a:off x="467544" y="897564"/>
+            <a:ext cx="8229600" cy="3996444"/>
           </a:xfrm>
         </p:spPr>
         <p:txBody>
@@ -9192,11 +9264,7 @@
             </a:r>
             <a:r>
               <a:rPr lang="en-US" altLang="zh-CN" sz="2800" dirty="0"/>
-              <a:t>(intent</a:t>
-            </a:r>
-            <a:r>
-              <a:rPr lang="en-US" altLang="zh-CN" sz="2800" dirty="0"/>
-              <a:t>);</a:t>
+              <a:t>(intent);</a:t>
             </a:r>
           </a:p>
           <a:p>
@@ -9245,10 +9313,6 @@
               </a:rPr>
               <a:t>使用</a:t>
             </a:r>
-            <a:endParaRPr lang="zh-CN" altLang="en-US" dirty="0">
-              <a:latin typeface="+mn-ea"/>
-              <a:ea typeface="+mn-ea"/>
-            </a:endParaRPr>
           </a:p>
         </p:txBody>
       </p:sp>
@@ -9346,8 +9410,8 @@
         </p:blipFill>
         <p:spPr bwMode="auto">
           <a:xfrm>
-            <a:off x="250314" y="1268760"/>
-            <a:ext cx="6543157" cy="3528392"/>
+            <a:off x="250314" y="951570"/>
+            <a:ext cx="6543157" cy="2646294"/>
           </a:xfrm>
           <a:prstGeom prst="rect">
             <a:avLst/>
@@ -9500,8 +9564,8 @@
         </p:blipFill>
         <p:spPr bwMode="auto">
           <a:xfrm>
-            <a:off x="251520" y="1556792"/>
-            <a:ext cx="8388424" cy="4276725"/>
+            <a:off x="251520" y="1167594"/>
+            <a:ext cx="8388424" cy="3207544"/>
           </a:xfrm>
           <a:prstGeom prst="rect">
             <a:avLst/>
@@ -9965,7 +10029,7 @@
         <p:spPr/>
         <p:txBody>
           <a:bodyPr>
-            <a:normAutofit/>
+            <a:normAutofit fontScale="90000"/>
           </a:bodyPr>
           <a:lstStyle/>
           <a:p>
@@ -10263,8 +10327,8 @@
         </p:nvSpPr>
         <p:spPr>
           <a:xfrm>
-            <a:off x="34480" y="836712"/>
-            <a:ext cx="9109520" cy="4525963"/>
+            <a:off x="34480" y="627535"/>
+            <a:ext cx="9109520" cy="3394472"/>
           </a:xfrm>
         </p:spPr>
         <p:txBody>
@@ -10305,14 +10369,7 @@
                 <a:latin typeface="+mn-ea"/>
                 <a:ea typeface="+mn-ea"/>
               </a:rPr>
-              <a:t>开机</a:t>
-            </a:r>
-            <a:r>
-              <a:rPr lang="zh-CN" altLang="en-US" sz="2400" dirty="0" smtClean="0">
-                <a:latin typeface="+mn-ea"/>
-                <a:ea typeface="+mn-ea"/>
-              </a:rPr>
-              <a:t>完成后系统会产生一条广播，接收这条广播就能实现启动服务的功能；</a:t>
+              <a:t>开机完成后系统会产生一条广播，接收这条广播就能实现启动服务的功能；</a:t>
             </a:r>
             <a:endParaRPr lang="en-US" altLang="zh-CN" sz="2400" dirty="0" smtClean="0">
               <a:latin typeface="+mn-ea"/>
@@ -10329,14 +10386,7 @@
                 <a:latin typeface="+mn-ea"/>
                 <a:ea typeface="+mn-ea"/>
               </a:rPr>
-              <a:t>网络状态改变是，系统会产生一条广播，接收这条广播就能及时地做出提示和保存数据等操作</a:t>
-            </a:r>
-            <a:r>
-              <a:rPr lang="zh-CN" altLang="en-US" sz="2400" dirty="0" smtClean="0">
-                <a:latin typeface="+mn-ea"/>
-                <a:ea typeface="+mn-ea"/>
-              </a:rPr>
-              <a:t>；</a:t>
+              <a:t>网络状态改变是，系统会产生一条广播，接收这条广播就能及时地做出提示和保存数据等操作；</a:t>
             </a:r>
             <a:endParaRPr lang="en-US" altLang="zh-CN" sz="2400" dirty="0" smtClean="0">
               <a:latin typeface="+mn-ea"/>
@@ -10370,14 +10420,7 @@
                 <a:latin typeface="+mn-ea"/>
                 <a:ea typeface="+mn-ea"/>
               </a:rPr>
-              <a:t>当电话呼入时程序如何响应，数据网络可用时程序如何</a:t>
-            </a:r>
-            <a:r>
-              <a:rPr lang="zh-CN" altLang="en-US" sz="2400" dirty="0" smtClean="0">
-                <a:latin typeface="+mn-ea"/>
-                <a:ea typeface="+mn-ea"/>
-              </a:rPr>
-              <a:t>响应</a:t>
+              <a:t>当电话呼入时程序如何响应，数据网络可用时程序如何响应</a:t>
             </a:r>
             <a:endParaRPr lang="en-US" altLang="zh-CN" sz="2400" dirty="0" smtClean="0">
               <a:latin typeface="+mn-ea"/>
@@ -10438,8 +10481,8 @@
         </p:blipFill>
         <p:spPr bwMode="auto">
           <a:xfrm>
-            <a:off x="439072" y="4725746"/>
-            <a:ext cx="4993333" cy="2061596"/>
+            <a:off x="439072" y="3544310"/>
+            <a:ext cx="4993333" cy="1546197"/>
           </a:xfrm>
           <a:prstGeom prst="rect">
             <a:avLst/>
@@ -10487,8 +10530,8 @@
         </p:nvSpPr>
         <p:spPr>
           <a:xfrm>
-            <a:off x="5711944" y="4299894"/>
-            <a:ext cx="3096344" cy="1512168"/>
+            <a:off x="5711944" y="3224921"/>
+            <a:ext cx="3096344" cy="1134126"/>
           </a:xfrm>
           <a:prstGeom prst="wedgeEllipseCallout">
             <a:avLst>
@@ -10584,8 +10627,8 @@
         </p:nvSpPr>
         <p:spPr>
           <a:xfrm>
-            <a:off x="261067" y="1340768"/>
-            <a:ext cx="8867328" cy="4525963"/>
+            <a:off x="261067" y="1005576"/>
+            <a:ext cx="8867328" cy="3394472"/>
           </a:xfrm>
         </p:spPr>
         <p:txBody>
@@ -10710,14 +10753,7 @@
                 <a:latin typeface="+mn-ea"/>
                 <a:ea typeface="+mn-ea"/>
               </a:rPr>
-              <a:t>方法来响应</a:t>
-            </a:r>
-            <a:r>
-              <a:rPr lang="zh-CN" altLang="en-US" sz="2800" dirty="0" smtClean="0">
-                <a:latin typeface="+mn-ea"/>
-                <a:ea typeface="+mn-ea"/>
-              </a:rPr>
-              <a:t>事件（</a:t>
+              <a:t>方法来响应事件（</a:t>
             </a:r>
             <a:r>
               <a:rPr lang="en-US" altLang="zh-CN" sz="2800" dirty="0" smtClean="0">
@@ -10910,10 +10946,6 @@
               </a:rPr>
               <a:t>实例</a:t>
             </a:r>
-            <a:endParaRPr lang="zh-CN" altLang="en-US" dirty="0">
-              <a:latin typeface="+mn-ea"/>
-              <a:ea typeface="+mn-ea"/>
-            </a:endParaRPr>
           </a:p>
         </p:txBody>
       </p:sp>
@@ -10940,8 +10972,8 @@
         </p:blipFill>
         <p:spPr bwMode="auto">
           <a:xfrm>
-            <a:off x="755576" y="980728"/>
-            <a:ext cx="5457825" cy="1600200"/>
+            <a:off x="755576" y="735546"/>
+            <a:ext cx="5457825" cy="1200150"/>
           </a:xfrm>
           <a:prstGeom prst="rect">
             <a:avLst/>
@@ -11004,8 +11036,8 @@
         </p:blipFill>
         <p:spPr bwMode="auto">
           <a:xfrm>
-            <a:off x="1763688" y="5204003"/>
-            <a:ext cx="6732587" cy="1581150"/>
+            <a:off x="1763689" y="3903002"/>
+            <a:ext cx="6732587" cy="1185863"/>
           </a:xfrm>
           <a:prstGeom prst="rect">
             <a:avLst/>
@@ -11068,8 +11100,8 @@
         </p:blipFill>
         <p:spPr bwMode="auto">
           <a:xfrm>
-            <a:off x="522609" y="2796037"/>
-            <a:ext cx="6465887" cy="2362200"/>
+            <a:off x="522609" y="2097028"/>
+            <a:ext cx="6465887" cy="1771650"/>
           </a:xfrm>
           <a:prstGeom prst="rect">
             <a:avLst/>
@@ -11670,8 +11702,8 @@
         </p:nvSpPr>
         <p:spPr>
           <a:xfrm>
-            <a:off x="9520" y="980728"/>
-            <a:ext cx="9145016" cy="3888432"/>
+            <a:off x="9520" y="735546"/>
+            <a:ext cx="9145016" cy="2916324"/>
           </a:xfrm>
         </p:spPr>
         <p:txBody>
@@ -11907,8 +11939,8 @@
         </p:nvSpPr>
         <p:spPr>
           <a:xfrm>
-            <a:off x="3347864" y="4581128"/>
-            <a:ext cx="4536504" cy="1512168"/>
+            <a:off x="3347864" y="3435846"/>
+            <a:ext cx="4536504" cy="1134126"/>
           </a:xfrm>
           <a:prstGeom prst="wedgeEllipseCallout">
             <a:avLst>
@@ -12034,7 +12066,7 @@
         </p:nvSpPr>
         <p:spPr>
           <a:xfrm>
-            <a:off x="748648" y="1124744"/>
+            <a:off x="748648" y="843558"/>
             <a:ext cx="9793088" cy="1200329"/>
           </a:xfrm>
           <a:prstGeom prst="rect">
@@ -12127,8 +12159,8 @@
         </p:blipFill>
         <p:spPr bwMode="auto">
           <a:xfrm>
-            <a:off x="1259632" y="1412776"/>
-            <a:ext cx="7482918" cy="4945381"/>
+            <a:off x="1259632" y="1059582"/>
+            <a:ext cx="7482918" cy="3709036"/>
           </a:xfrm>
           <a:prstGeom prst="rect">
             <a:avLst/>
@@ -12251,8 +12283,8 @@
         </p:nvSpPr>
         <p:spPr>
           <a:xfrm>
-            <a:off x="971600" y="2348880"/>
-            <a:ext cx="2304256" cy="3312368"/>
+            <a:off x="971600" y="1761660"/>
+            <a:ext cx="2304256" cy="2484276"/>
           </a:xfrm>
           <a:prstGeom prst="rect">
             <a:avLst/>
@@ -12292,8 +12324,8 @@
         </p:nvSpPr>
         <p:spPr>
           <a:xfrm>
-            <a:off x="5868144" y="2204864"/>
-            <a:ext cx="2592288" cy="3600400"/>
+            <a:off x="5868144" y="1653648"/>
+            <a:ext cx="2592288" cy="2700300"/>
           </a:xfrm>
           <a:prstGeom prst="rect">
             <a:avLst/>
@@ -12333,8 +12365,8 @@
         </p:nvSpPr>
         <p:spPr>
           <a:xfrm>
-            <a:off x="1187624" y="4581128"/>
-            <a:ext cx="1872208" cy="864096"/>
+            <a:off x="1187624" y="3435846"/>
+            <a:ext cx="1872208" cy="648072"/>
           </a:xfrm>
           <a:prstGeom prst="rect">
             <a:avLst/>
@@ -12374,8 +12406,8 @@
         </p:nvSpPr>
         <p:spPr>
           <a:xfrm>
-            <a:off x="6012160" y="4450142"/>
-            <a:ext cx="2304256" cy="1008112"/>
+            <a:off x="6012160" y="3337607"/>
+            <a:ext cx="2304256" cy="756084"/>
           </a:xfrm>
           <a:prstGeom prst="rect">
             <a:avLst/>
@@ -12417,8 +12449,8 @@
         </p:nvCxnSpPr>
         <p:spPr>
           <a:xfrm flipH="1">
-            <a:off x="2699792" y="3068960"/>
-            <a:ext cx="3816424" cy="468052"/>
+            <a:off x="2699792" y="2301720"/>
+            <a:ext cx="3816424" cy="351039"/>
           </a:xfrm>
           <a:prstGeom prst="straightConnector1">
             <a:avLst/>
@@ -12450,8 +12482,8 @@
         </p:nvSpPr>
         <p:spPr>
           <a:xfrm>
-            <a:off x="1403648" y="3068960"/>
-            <a:ext cx="1296144" cy="936104"/>
+            <a:off x="1403648" y="2301720"/>
+            <a:ext cx="1296144" cy="702078"/>
           </a:xfrm>
           <a:prstGeom prst="ellipse">
             <a:avLst/>
@@ -12532,12 +12564,14 @@
         </p:nvSpPr>
         <p:spPr>
           <a:xfrm>
-            <a:off x="121253" y="1099281"/>
-            <a:ext cx="8507288" cy="4525963"/>
+            <a:off x="121253" y="824461"/>
+            <a:ext cx="8507288" cy="3394472"/>
           </a:xfrm>
         </p:spPr>
         <p:txBody>
-          <a:bodyPr/>
+          <a:bodyPr>
+            <a:normAutofit fontScale="92500" lnSpcReduction="10000"/>
+          </a:bodyPr>
           <a:lstStyle/>
           <a:p>
             <a:pPr marL="457200" lvl="1" indent="0">
@@ -12764,7 +12798,7 @@
         <p:spPr/>
         <p:txBody>
           <a:bodyPr>
-            <a:normAutofit/>
+            <a:normAutofit fontScale="90000"/>
           </a:bodyPr>
           <a:lstStyle/>
           <a:p>
@@ -12790,8 +12824,8 @@
         </p:nvSpPr>
         <p:spPr>
           <a:xfrm>
-            <a:off x="4067944" y="4869160"/>
-            <a:ext cx="4536504" cy="1512168"/>
+            <a:off x="4067944" y="3651870"/>
+            <a:ext cx="4536504" cy="1134126"/>
           </a:xfrm>
           <a:prstGeom prst="wedgeEllipseCallout">
             <a:avLst>
@@ -12888,7 +12922,7 @@
         <p:spPr/>
         <p:txBody>
           <a:bodyPr>
-            <a:normAutofit/>
+            <a:normAutofit fontScale="90000"/>
           </a:bodyPr>
           <a:lstStyle/>
           <a:p>
@@ -12924,8 +12958,8 @@
         </p:nvSpPr>
         <p:spPr>
           <a:xfrm>
-            <a:off x="179512" y="1052736"/>
-            <a:ext cx="8229600" cy="4525963"/>
+            <a:off x="179512" y="789553"/>
+            <a:ext cx="8229600" cy="3394472"/>
           </a:xfrm>
         </p:spPr>
         <p:txBody>
@@ -13023,8 +13057,8 @@
         </p:nvSpPr>
         <p:spPr bwMode="auto">
           <a:xfrm>
-            <a:off x="0" y="0"/>
-            <a:ext cx="9144000" cy="0"/>
+            <a:off x="0" y="-184666"/>
+            <a:ext cx="184731" cy="369332"/>
           </a:xfrm>
           <a:prstGeom prst="rect">
             <a:avLst/>
@@ -13089,14 +13123,14 @@
           </p:nvPr>
         </p:nvGraphicFramePr>
         <p:xfrm>
-          <a:off x="2195736" y="2564904"/>
-          <a:ext cx="6517656" cy="4077072"/>
+          <a:off x="2195736" y="1923678"/>
+          <a:ext cx="6517656" cy="3057804"/>
         </p:xfrm>
         <a:graphic>
           <a:graphicData uri="http://schemas.openxmlformats.org/presentationml/2006/ole">
             <mc:AlternateContent xmlns:mc="http://schemas.openxmlformats.org/markup-compatibility/2006">
               <mc:Choice xmlns:v="urn:schemas-microsoft-com:vml" Requires="v">
-                <p:oleObj spid="_x0000_s1121" name="Visio" r:id="rId3" imgW="5572760" imgH="3490383" progId="Visio.Drawing.11">
+                <p:oleObj spid="_x0000_s1122" name="Visio" r:id="rId3" imgW="5572760" imgH="3490383" progId="Visio.Drawing.11">
                   <p:embed/>
                 </p:oleObj>
               </mc:Choice>
@@ -13126,8 +13160,8 @@
                     </p:blipFill>
                     <p:spPr bwMode="auto">
                       <a:xfrm>
-                        <a:off x="2195736" y="2564904"/>
-                        <a:ext cx="6517656" cy="4077072"/>
+                        <a:off x="2195736" y="1923678"/>
+                        <a:ext cx="6517656" cy="3057804"/>
                       </a:xfrm>
                       <a:prstGeom prst="rect">
                         <a:avLst/>
@@ -13416,7 +13450,7 @@
         <p:spPr/>
         <p:txBody>
           <a:bodyPr>
-            <a:normAutofit/>
+            <a:normAutofit fontScale="90000"/>
           </a:bodyPr>
           <a:lstStyle/>
           <a:p>
@@ -13923,7 +13957,7 @@
         <p:spPr/>
         <p:txBody>
           <a:bodyPr>
-            <a:normAutofit/>
+            <a:normAutofit fontScale="90000"/>
           </a:bodyPr>
           <a:lstStyle/>
           <a:p>
@@ -13959,13 +13993,13 @@
         </p:nvSpPr>
         <p:spPr>
           <a:xfrm>
-            <a:off x="457200" y="1268760"/>
-            <a:ext cx="8229600" cy="4525963"/>
+            <a:off x="457200" y="951571"/>
+            <a:ext cx="8229600" cy="3394472"/>
           </a:xfrm>
         </p:spPr>
         <p:txBody>
           <a:bodyPr>
-            <a:normAutofit lnSpcReduction="10000"/>
+            <a:normAutofit fontScale="85000" lnSpcReduction="20000"/>
           </a:bodyPr>
           <a:lstStyle/>
           <a:p>
@@ -14193,8 +14227,8 @@
         </p:nvSpPr>
         <p:spPr bwMode="auto">
           <a:xfrm>
-            <a:off x="0" y="0"/>
-            <a:ext cx="9144000" cy="0"/>
+            <a:off x="0" y="-184666"/>
+            <a:ext cx="184731" cy="369332"/>
           </a:xfrm>
           <a:prstGeom prst="rect">
             <a:avLst/>
@@ -14293,8 +14327,8 @@
         </p:nvSpPr>
         <p:spPr>
           <a:xfrm>
-            <a:off x="467544" y="1412776"/>
-            <a:ext cx="8229600" cy="4525963"/>
+            <a:off x="467544" y="1059582"/>
+            <a:ext cx="8229600" cy="3394472"/>
           </a:xfrm>
         </p:spPr>
         <p:txBody>
@@ -14459,7 +14493,7 @@
         <p:spPr/>
         <p:txBody>
           <a:bodyPr>
-            <a:normAutofit/>
+            <a:normAutofit fontScale="90000"/>
           </a:bodyPr>
           <a:lstStyle/>
           <a:p>
@@ -14532,13 +14566,13 @@
         </p:nvSpPr>
         <p:spPr>
           <a:xfrm>
-            <a:off x="251520" y="1268760"/>
-            <a:ext cx="8229600" cy="4680520"/>
+            <a:off x="251520" y="951570"/>
+            <a:ext cx="8229600" cy="3510390"/>
           </a:xfrm>
         </p:spPr>
         <p:txBody>
           <a:bodyPr>
-            <a:normAutofit fontScale="85000" lnSpcReduction="10000"/>
+            <a:normAutofit fontScale="70000" lnSpcReduction="20000"/>
           </a:bodyPr>
           <a:lstStyle/>
           <a:p>
@@ -14906,7 +14940,9 @@
         </p:nvSpPr>
         <p:spPr/>
         <p:txBody>
-          <a:bodyPr/>
+          <a:bodyPr>
+            <a:normAutofit fontScale="90000"/>
+          </a:bodyPr>
           <a:lstStyle/>
           <a:p>
             <a:pPr>
@@ -15015,8 +15051,8 @@
         </p:nvSpPr>
         <p:spPr>
           <a:xfrm>
-            <a:off x="467544" y="1124744"/>
-            <a:ext cx="8229600" cy="4525963"/>
+            <a:off x="467544" y="843558"/>
+            <a:ext cx="8229600" cy="3394472"/>
           </a:xfrm>
         </p:spPr>
         <p:txBody>

--- a/ppt/07 Android App的开发-四大组件.pptx
+++ b/ppt/07 Android App的开发-四大组件.pptx
@@ -5,7 +5,7 @@
     <p:sldMasterId id="2147483660" r:id="rId1"/>
   </p:sldMasterIdLst>
   <p:notesMasterIdLst>
-    <p:notesMasterId r:id="rId49"/>
+    <p:notesMasterId r:id="rId46"/>
   </p:notesMasterIdLst>
   <p:sldIdLst>
     <p:sldId id="256" r:id="rId2"/>
@@ -35,26 +35,23 @@
     <p:sldId id="263" r:id="rId26"/>
     <p:sldId id="334" r:id="rId27"/>
     <p:sldId id="292" r:id="rId28"/>
-    <p:sldId id="307" r:id="rId29"/>
-    <p:sldId id="294" r:id="rId30"/>
-    <p:sldId id="308" r:id="rId31"/>
-    <p:sldId id="309" r:id="rId32"/>
-    <p:sldId id="305" r:id="rId33"/>
-    <p:sldId id="335" r:id="rId34"/>
-    <p:sldId id="336" r:id="rId35"/>
-    <p:sldId id="337" r:id="rId36"/>
-    <p:sldId id="339" r:id="rId37"/>
-    <p:sldId id="295" r:id="rId38"/>
-    <p:sldId id="298" r:id="rId39"/>
-    <p:sldId id="303" r:id="rId40"/>
-    <p:sldId id="306" r:id="rId41"/>
-    <p:sldId id="329" r:id="rId42"/>
-    <p:sldId id="300" r:id="rId43"/>
-    <p:sldId id="330" r:id="rId44"/>
-    <p:sldId id="331" r:id="rId45"/>
-    <p:sldId id="332" r:id="rId46"/>
-    <p:sldId id="333" r:id="rId47"/>
-    <p:sldId id="302" r:id="rId48"/>
+    <p:sldId id="341" r:id="rId29"/>
+    <p:sldId id="307" r:id="rId30"/>
+    <p:sldId id="294" r:id="rId31"/>
+    <p:sldId id="308" r:id="rId32"/>
+    <p:sldId id="309" r:id="rId33"/>
+    <p:sldId id="305" r:id="rId34"/>
+    <p:sldId id="335" r:id="rId35"/>
+    <p:sldId id="336" r:id="rId36"/>
+    <p:sldId id="337" r:id="rId37"/>
+    <p:sldId id="339" r:id="rId38"/>
+    <p:sldId id="295" r:id="rId39"/>
+    <p:sldId id="298" r:id="rId40"/>
+    <p:sldId id="303" r:id="rId41"/>
+    <p:sldId id="306" r:id="rId42"/>
+    <p:sldId id="329" r:id="rId43"/>
+    <p:sldId id="300" r:id="rId44"/>
+    <p:sldId id="302" r:id="rId45"/>
   </p:sldIdLst>
   <p:sldSz cx="9144000" cy="5143500" type="screen16x9"/>
   <p:notesSz cx="6858000" cy="9144000"/>
@@ -238,7 +235,7 @@
           <a:p>
             <a:fld id="{C3E0EA16-9076-4FE5-8A1E-5E3165543917}" type="datetimeFigureOut">
               <a:rPr lang="zh-CN" altLang="en-US" smtClean="0"/>
-              <a:t>2019/4/10</a:t>
+              <a:t>2019/4/11</a:t>
             </a:fld>
             <a:endParaRPr lang="zh-CN" altLang="en-US"/>
           </a:p>
@@ -791,7 +788,7 @@
           <a:p>
             <a:fld id="{0C1F1DD4-9E55-4662-8770-743E8CF9A43E}" type="slidenum">
               <a:rPr lang="zh-CN" altLang="en-US" smtClean="0"/>
-              <a:t>29</a:t>
+              <a:t>30</a:t>
             </a:fld>
             <a:endParaRPr lang="zh-CN" altLang="en-US"/>
           </a:p>
@@ -884,7 +881,7 @@
           <a:p>
             <a:fld id="{0C1F1DD4-9E55-4662-8770-743E8CF9A43E}" type="slidenum">
               <a:rPr lang="zh-CN" altLang="en-US" smtClean="0"/>
-              <a:t>32</a:t>
+              <a:t>33</a:t>
             </a:fld>
             <a:endParaRPr lang="zh-CN" altLang="en-US"/>
           </a:p>
@@ -973,7 +970,7 @@
           <a:p>
             <a:fld id="{67AFED13-18EC-4853-B935-6E23F2540B2D}" type="slidenum">
               <a:rPr lang="zh-CN" altLang="en-US" smtClean="0"/>
-              <a:t>35</a:t>
+              <a:t>36</a:t>
             </a:fld>
             <a:endParaRPr lang="zh-CN" altLang="en-US"/>
           </a:p>
@@ -1066,7 +1063,7 @@
           <a:p>
             <a:fld id="{0C1F1DD4-9E55-4662-8770-743E8CF9A43E}" type="slidenum">
               <a:rPr lang="zh-CN" altLang="en-US" smtClean="0"/>
-              <a:t>40</a:t>
+              <a:t>41</a:t>
             </a:fld>
             <a:endParaRPr lang="zh-CN" altLang="en-US"/>
           </a:p>
@@ -1196,7 +1193,7 @@
           <a:p>
             <a:fld id="{67AFED13-18EC-4853-B935-6E23F2540B2D}" type="slidenum">
               <a:rPr lang="zh-CN" altLang="en-US" smtClean="0"/>
-              <a:t>41</a:t>
+              <a:t>42</a:t>
             </a:fld>
             <a:endParaRPr lang="zh-CN" altLang="en-US"/>
           </a:p>
@@ -1387,7 +1384,7 @@
           <a:p>
             <a:fld id="{67AFED13-18EC-4853-B935-6E23F2540B2D}" type="slidenum">
               <a:rPr lang="zh-CN" altLang="en-US" smtClean="0"/>
-              <a:t>42</a:t>
+              <a:t>43</a:t>
             </a:fld>
             <a:endParaRPr lang="zh-CN" altLang="en-US"/>
           </a:p>
@@ -1455,10 +1452,7 @@
           <a:bodyPr/>
           <a:lstStyle/>
           <a:p>
-            <a:r>
-              <a:rPr lang="zh-CN" altLang="en-US" dirty="0"/>
-              <a:t>网站的原理</a:t>
-            </a:r>
+            <a:endParaRPr lang="zh-CN" altLang="en-US" dirty="0"/>
           </a:p>
         </p:txBody>
       </p:sp>
@@ -1477,9 +1471,9 @@
           <a:bodyPr/>
           <a:lstStyle/>
           <a:p>
-            <a:fld id="{67AFED13-18EC-4853-B935-6E23F2540B2D}" type="slidenum">
+            <a:fld id="{0C1F1DD4-9E55-4662-8770-743E8CF9A43E}" type="slidenum">
               <a:rPr lang="zh-CN" altLang="en-US" smtClean="0"/>
-              <a:t>43</a:t>
+              <a:t>44</a:t>
             </a:fld>
             <a:endParaRPr lang="zh-CN" altLang="en-US"/>
           </a:p>
@@ -1488,236 +1482,7 @@
     </p:spTree>
     <p:extLst>
       <p:ext uri="{BB962C8B-B14F-4D97-AF65-F5344CB8AC3E}">
-        <p14:creationId xmlns:p14="http://schemas.microsoft.com/office/powerpoint/2010/main" val="4271001465"/>
-      </p:ext>
-    </p:extLst>
-  </p:cSld>
-  <p:clrMapOvr>
-    <a:masterClrMapping/>
-  </p:clrMapOvr>
-</p:notes>
-</file>
-
-<file path=ppt/notesSlides/notesSlide18.xml><?xml version="1.0" encoding="utf-8"?>
-<p:notes xmlns:a="http://schemas.openxmlformats.org/drawingml/2006/main" xmlns:r="http://schemas.openxmlformats.org/officeDocument/2006/relationships" xmlns:p="http://schemas.openxmlformats.org/presentationml/2006/main">
-  <p:cSld>
-    <p:spTree>
-      <p:nvGrpSpPr>
-        <p:cNvPr id="1" name=""/>
-        <p:cNvGrpSpPr/>
-        <p:nvPr/>
-      </p:nvGrpSpPr>
-      <p:grpSpPr>
-        <a:xfrm>
-          <a:off x="0" y="0"/>
-          <a:ext cx="0" cy="0"/>
-          <a:chOff x="0" y="0"/>
-          <a:chExt cx="0" cy="0"/>
-        </a:xfrm>
-      </p:grpSpPr>
-      <p:sp>
-        <p:nvSpPr>
-          <p:cNvPr id="2" name="幻灯片图像占位符 1"/>
-          <p:cNvSpPr>
-            <a:spLocks noGrp="1" noRot="1" noChangeAspect="1"/>
-          </p:cNvSpPr>
-          <p:nvPr>
-            <p:ph type="sldImg"/>
-          </p:nvPr>
-        </p:nvSpPr>
-        <p:spPr>
-          <a:xfrm>
-            <a:off x="381000" y="685800"/>
-            <a:ext cx="6096000" cy="3429000"/>
-          </a:xfrm>
-        </p:spPr>
-      </p:sp>
-      <p:sp>
-        <p:nvSpPr>
-          <p:cNvPr id="3" name="备注占位符 2"/>
-          <p:cNvSpPr>
-            <a:spLocks noGrp="1"/>
-          </p:cNvSpPr>
-          <p:nvPr>
-            <p:ph type="body" idx="1"/>
-          </p:nvPr>
-        </p:nvSpPr>
-        <p:spPr/>
-        <p:txBody>
-          <a:bodyPr/>
-          <a:lstStyle/>
-          <a:p>
-            <a:r>
-              <a:rPr lang="en-US" altLang="zh-CN" dirty="0"/>
-              <a:t>Name</a:t>
-            </a:r>
-            <a:r>
-              <a:rPr lang="zh-CN" altLang="en-US" dirty="0"/>
-              <a:t>是</a:t>
-            </a:r>
-            <a:r>
-              <a:rPr lang="en-US" altLang="zh-CN" dirty="0" err="1"/>
-              <a:t>contentprovider</a:t>
-            </a:r>
-            <a:r>
-              <a:rPr lang="zh-CN" altLang="en-US" dirty="0"/>
-              <a:t>的名字</a:t>
-            </a:r>
-            <a:endParaRPr lang="en-US" altLang="zh-CN" dirty="0"/>
-          </a:p>
-          <a:p>
-            <a:r>
-              <a:rPr lang="en-US" altLang="zh-CN" dirty="0"/>
-              <a:t>Authorities</a:t>
-            </a:r>
-            <a:r>
-              <a:rPr lang="zh-CN" altLang="en-US" dirty="0"/>
-              <a:t>是外部访问此</a:t>
-            </a:r>
-            <a:r>
-              <a:rPr lang="en-US" altLang="zh-CN" dirty="0" err="1"/>
-              <a:t>ContentProvider</a:t>
-            </a:r>
-            <a:r>
-              <a:rPr lang="zh-CN" altLang="en-US"/>
-              <a:t>时的唯一地址</a:t>
-            </a:r>
-            <a:endParaRPr lang="zh-CN" altLang="en-US" dirty="0"/>
-          </a:p>
-        </p:txBody>
-      </p:sp>
-      <p:sp>
-        <p:nvSpPr>
-          <p:cNvPr id="4" name="灯片编号占位符 3"/>
-          <p:cNvSpPr>
-            <a:spLocks noGrp="1"/>
-          </p:cNvSpPr>
-          <p:nvPr>
-            <p:ph type="sldNum" sz="quarter" idx="10"/>
-          </p:nvPr>
-        </p:nvSpPr>
-        <p:spPr/>
-        <p:txBody>
-          <a:bodyPr/>
-          <a:lstStyle/>
-          <a:p>
-            <a:fld id="{67AFED13-18EC-4853-B935-6E23F2540B2D}" type="slidenum">
-              <a:rPr lang="zh-CN" altLang="en-US" smtClean="0"/>
-              <a:t>44</a:t>
-            </a:fld>
-            <a:endParaRPr lang="zh-CN" altLang="en-US"/>
-          </a:p>
-        </p:txBody>
-      </p:sp>
-    </p:spTree>
-    <p:extLst>
-      <p:ext uri="{BB962C8B-B14F-4D97-AF65-F5344CB8AC3E}">
-        <p14:creationId xmlns:p14="http://schemas.microsoft.com/office/powerpoint/2010/main" val="1035780538"/>
-      </p:ext>
-    </p:extLst>
-  </p:cSld>
-  <p:clrMapOvr>
-    <a:masterClrMapping/>
-  </p:clrMapOvr>
-</p:notes>
-</file>
-
-<file path=ppt/notesSlides/notesSlide19.xml><?xml version="1.0" encoding="utf-8"?>
-<p:notes xmlns:a="http://schemas.openxmlformats.org/drawingml/2006/main" xmlns:r="http://schemas.openxmlformats.org/officeDocument/2006/relationships" xmlns:p="http://schemas.openxmlformats.org/presentationml/2006/main">
-  <p:cSld>
-    <p:spTree>
-      <p:nvGrpSpPr>
-        <p:cNvPr id="1" name=""/>
-        <p:cNvGrpSpPr/>
-        <p:nvPr/>
-      </p:nvGrpSpPr>
-      <p:grpSpPr>
-        <a:xfrm>
-          <a:off x="0" y="0"/>
-          <a:ext cx="0" cy="0"/>
-          <a:chOff x="0" y="0"/>
-          <a:chExt cx="0" cy="0"/>
-        </a:xfrm>
-      </p:grpSpPr>
-      <p:sp>
-        <p:nvSpPr>
-          <p:cNvPr id="2" name="幻灯片图像占位符 1"/>
-          <p:cNvSpPr>
-            <a:spLocks noGrp="1" noRot="1" noChangeAspect="1"/>
-          </p:cNvSpPr>
-          <p:nvPr>
-            <p:ph type="sldImg"/>
-          </p:nvPr>
-        </p:nvSpPr>
-        <p:spPr>
-          <a:xfrm>
-            <a:off x="381000" y="685800"/>
-            <a:ext cx="6096000" cy="3429000"/>
-          </a:xfrm>
-        </p:spPr>
-      </p:sp>
-      <p:sp>
-        <p:nvSpPr>
-          <p:cNvPr id="3" name="备注占位符 2"/>
-          <p:cNvSpPr>
-            <a:spLocks noGrp="1"/>
-          </p:cNvSpPr>
-          <p:nvPr>
-            <p:ph type="body" idx="1"/>
-          </p:nvPr>
-        </p:nvSpPr>
-        <p:spPr/>
-        <p:txBody>
-          <a:bodyPr/>
-          <a:lstStyle/>
-          <a:p>
-            <a:r>
-              <a:rPr lang="zh-CN" altLang="en-US" dirty="0"/>
-              <a:t>同理互联网</a:t>
-            </a:r>
-            <a:r>
-              <a:rPr lang="en-US" altLang="zh-CN" dirty="0"/>
-              <a:t>URL</a:t>
-            </a:r>
-          </a:p>
-          <a:p>
-            <a:r>
-              <a:rPr lang="en-US" altLang="zh-CN" dirty="0"/>
-              <a:t>http://www.crazyit.org/ethos.php</a:t>
-            </a:r>
-          </a:p>
-          <a:p>
-            <a:endParaRPr lang="zh-CN" altLang="en-US" dirty="0"/>
-          </a:p>
-        </p:txBody>
-      </p:sp>
-      <p:sp>
-        <p:nvSpPr>
-          <p:cNvPr id="4" name="灯片编号占位符 3"/>
-          <p:cNvSpPr>
-            <a:spLocks noGrp="1"/>
-          </p:cNvSpPr>
-          <p:nvPr>
-            <p:ph type="sldNum" sz="quarter" idx="10"/>
-          </p:nvPr>
-        </p:nvSpPr>
-        <p:spPr/>
-        <p:txBody>
-          <a:bodyPr/>
-          <a:lstStyle/>
-          <a:p>
-            <a:fld id="{67AFED13-18EC-4853-B935-6E23F2540B2D}" type="slidenum">
-              <a:rPr lang="zh-CN" altLang="en-US" smtClean="0"/>
-              <a:t>45</a:t>
-            </a:fld>
-            <a:endParaRPr lang="zh-CN" altLang="en-US"/>
-          </a:p>
-        </p:txBody>
-      </p:sp>
-    </p:spTree>
-    <p:extLst>
-      <p:ext uri="{BB962C8B-B14F-4D97-AF65-F5344CB8AC3E}">
-        <p14:creationId xmlns:p14="http://schemas.microsoft.com/office/powerpoint/2010/main" val="1602474861"/>
+        <p14:creationId xmlns:p14="http://schemas.microsoft.com/office/powerpoint/2010/main" val="1687797240"/>
       </p:ext>
     </p:extLst>
   </p:cSld>
@@ -1811,184 +1576,6 @@
     <p:extLst>
       <p:ext uri="{BB962C8B-B14F-4D97-AF65-F5344CB8AC3E}">
         <p14:creationId xmlns:p14="http://schemas.microsoft.com/office/powerpoint/2010/main" val="4225195182"/>
-      </p:ext>
-    </p:extLst>
-  </p:cSld>
-  <p:clrMapOvr>
-    <a:masterClrMapping/>
-  </p:clrMapOvr>
-</p:notes>
-</file>
-
-<file path=ppt/notesSlides/notesSlide20.xml><?xml version="1.0" encoding="utf-8"?>
-<p:notes xmlns:a="http://schemas.openxmlformats.org/drawingml/2006/main" xmlns:r="http://schemas.openxmlformats.org/officeDocument/2006/relationships" xmlns:p="http://schemas.openxmlformats.org/presentationml/2006/main">
-  <p:cSld>
-    <p:spTree>
-      <p:nvGrpSpPr>
-        <p:cNvPr id="1" name=""/>
-        <p:cNvGrpSpPr/>
-        <p:nvPr/>
-      </p:nvGrpSpPr>
-      <p:grpSpPr>
-        <a:xfrm>
-          <a:off x="0" y="0"/>
-          <a:ext cx="0" cy="0"/>
-          <a:chOff x="0" y="0"/>
-          <a:chExt cx="0" cy="0"/>
-        </a:xfrm>
-      </p:grpSpPr>
-      <p:sp>
-        <p:nvSpPr>
-          <p:cNvPr id="2" name="幻灯片图像占位符 1"/>
-          <p:cNvSpPr>
-            <a:spLocks noGrp="1" noRot="1" noChangeAspect="1"/>
-          </p:cNvSpPr>
-          <p:nvPr>
-            <p:ph type="sldImg"/>
-          </p:nvPr>
-        </p:nvSpPr>
-        <p:spPr>
-          <a:xfrm>
-            <a:off x="381000" y="685800"/>
-            <a:ext cx="6096000" cy="3429000"/>
-          </a:xfrm>
-        </p:spPr>
-      </p:sp>
-      <p:sp>
-        <p:nvSpPr>
-          <p:cNvPr id="3" name="备注占位符 2"/>
-          <p:cNvSpPr>
-            <a:spLocks noGrp="1"/>
-          </p:cNvSpPr>
-          <p:nvPr>
-            <p:ph type="body" idx="1"/>
-          </p:nvPr>
-        </p:nvSpPr>
-        <p:spPr/>
-        <p:txBody>
-          <a:bodyPr/>
-          <a:lstStyle/>
-          <a:p>
-            <a:endParaRPr lang="zh-CN" altLang="en-US" dirty="0"/>
-          </a:p>
-        </p:txBody>
-      </p:sp>
-      <p:sp>
-        <p:nvSpPr>
-          <p:cNvPr id="4" name="灯片编号占位符 3"/>
-          <p:cNvSpPr>
-            <a:spLocks noGrp="1"/>
-          </p:cNvSpPr>
-          <p:nvPr>
-            <p:ph type="sldNum" sz="quarter" idx="10"/>
-          </p:nvPr>
-        </p:nvSpPr>
-        <p:spPr/>
-        <p:txBody>
-          <a:bodyPr/>
-          <a:lstStyle/>
-          <a:p>
-            <a:fld id="{67AFED13-18EC-4853-B935-6E23F2540B2D}" type="slidenum">
-              <a:rPr lang="zh-CN" altLang="en-US" smtClean="0"/>
-              <a:t>46</a:t>
-            </a:fld>
-            <a:endParaRPr lang="zh-CN" altLang="en-US"/>
-          </a:p>
-        </p:txBody>
-      </p:sp>
-    </p:spTree>
-    <p:extLst>
-      <p:ext uri="{BB962C8B-B14F-4D97-AF65-F5344CB8AC3E}">
-        <p14:creationId xmlns:p14="http://schemas.microsoft.com/office/powerpoint/2010/main" val="3009865592"/>
-      </p:ext>
-    </p:extLst>
-  </p:cSld>
-  <p:clrMapOvr>
-    <a:masterClrMapping/>
-  </p:clrMapOvr>
-</p:notes>
-</file>
-
-<file path=ppt/notesSlides/notesSlide21.xml><?xml version="1.0" encoding="utf-8"?>
-<p:notes xmlns:a="http://schemas.openxmlformats.org/drawingml/2006/main" xmlns:r="http://schemas.openxmlformats.org/officeDocument/2006/relationships" xmlns:p="http://schemas.openxmlformats.org/presentationml/2006/main">
-  <p:cSld>
-    <p:spTree>
-      <p:nvGrpSpPr>
-        <p:cNvPr id="1" name=""/>
-        <p:cNvGrpSpPr/>
-        <p:nvPr/>
-      </p:nvGrpSpPr>
-      <p:grpSpPr>
-        <a:xfrm>
-          <a:off x="0" y="0"/>
-          <a:ext cx="0" cy="0"/>
-          <a:chOff x="0" y="0"/>
-          <a:chExt cx="0" cy="0"/>
-        </a:xfrm>
-      </p:grpSpPr>
-      <p:sp>
-        <p:nvSpPr>
-          <p:cNvPr id="2" name="幻灯片图像占位符 1"/>
-          <p:cNvSpPr>
-            <a:spLocks noGrp="1" noRot="1" noChangeAspect="1"/>
-          </p:cNvSpPr>
-          <p:nvPr>
-            <p:ph type="sldImg"/>
-          </p:nvPr>
-        </p:nvSpPr>
-        <p:spPr>
-          <a:xfrm>
-            <a:off x="381000" y="685800"/>
-            <a:ext cx="6096000" cy="3429000"/>
-          </a:xfrm>
-        </p:spPr>
-      </p:sp>
-      <p:sp>
-        <p:nvSpPr>
-          <p:cNvPr id="3" name="备注占位符 2"/>
-          <p:cNvSpPr>
-            <a:spLocks noGrp="1"/>
-          </p:cNvSpPr>
-          <p:nvPr>
-            <p:ph type="body" idx="1"/>
-          </p:nvPr>
-        </p:nvSpPr>
-        <p:spPr/>
-        <p:txBody>
-          <a:bodyPr/>
-          <a:lstStyle/>
-          <a:p>
-            <a:endParaRPr lang="zh-CN" altLang="en-US" dirty="0"/>
-          </a:p>
-        </p:txBody>
-      </p:sp>
-      <p:sp>
-        <p:nvSpPr>
-          <p:cNvPr id="4" name="灯片编号占位符 3"/>
-          <p:cNvSpPr>
-            <a:spLocks noGrp="1"/>
-          </p:cNvSpPr>
-          <p:nvPr>
-            <p:ph type="sldNum" sz="quarter" idx="10"/>
-          </p:nvPr>
-        </p:nvSpPr>
-        <p:spPr/>
-        <p:txBody>
-          <a:bodyPr/>
-          <a:lstStyle/>
-          <a:p>
-            <a:fld id="{0C1F1DD4-9E55-4662-8770-743E8CF9A43E}" type="slidenum">
-              <a:rPr lang="zh-CN" altLang="en-US" smtClean="0"/>
-              <a:t>47</a:t>
-            </a:fld>
-            <a:endParaRPr lang="zh-CN" altLang="en-US"/>
-          </a:p>
-        </p:txBody>
-      </p:sp>
-    </p:spTree>
-    <p:extLst>
-      <p:ext uri="{BB962C8B-B14F-4D97-AF65-F5344CB8AC3E}">
-        <p14:creationId xmlns:p14="http://schemas.microsoft.com/office/powerpoint/2010/main" val="1687797240"/>
       </p:ext>
     </p:extLst>
   </p:cSld>
@@ -3104,11 +2691,7 @@
             </a:r>
             <a:r>
               <a:rPr lang="zh-CN" altLang="en-US" dirty="0" smtClean="0"/>
-              <a:t>实现版本的更新和</a:t>
-            </a:r>
-            <a:r>
-              <a:rPr lang="zh-CN" altLang="en-US" dirty="0" smtClean="0"/>
-              <a:t>检查</a:t>
+              <a:t>实现版本的更新和检查</a:t>
             </a:r>
             <a:endParaRPr lang="en-US" altLang="zh-CN" dirty="0" smtClean="0"/>
           </a:p>
@@ -3289,7 +2872,7 @@
           <a:p>
             <a:fld id="{530820CF-B880-4189-942D-D702A7CBA730}" type="datetimeFigureOut">
               <a:rPr lang="zh-CN" altLang="en-US" smtClean="0"/>
-              <a:t>2019/4/10</a:t>
+              <a:t>2019/4/11</a:t>
             </a:fld>
             <a:endParaRPr lang="zh-CN" altLang="en-US"/>
           </a:p>
@@ -5981,7 +5564,7 @@
           <a:p>
             <a:fld id="{530820CF-B880-4189-942D-D702A7CBA730}" type="datetimeFigureOut">
               <a:rPr lang="zh-CN" altLang="en-US" smtClean="0"/>
-              <a:t>2019/4/10</a:t>
+              <a:t>2019/4/11</a:t>
             </a:fld>
             <a:endParaRPr lang="zh-CN" altLang="en-US"/>
           </a:p>
@@ -7905,7 +7488,7 @@
           <a:p>
             <a:fld id="{530820CF-B880-4189-942D-D702A7CBA730}" type="datetimeFigureOut">
               <a:rPr lang="zh-CN" altLang="en-US" smtClean="0"/>
-              <a:t>2019/4/10</a:t>
+              <a:t>2019/4/11</a:t>
             </a:fld>
             <a:endParaRPr lang="zh-CN" altLang="en-US"/>
           </a:p>
@@ -11896,10 +11479,6 @@
               </a:rPr>
               <a:t>综合应用</a:t>
             </a:r>
-            <a:endParaRPr lang="zh-CN" altLang="en-US" sz="3600" dirty="0">
-              <a:latin typeface="+mn-ea"/>
-              <a:ea typeface="+mn-ea"/>
-            </a:endParaRPr>
           </a:p>
         </p:txBody>
       </p:sp>
@@ -12161,7 +11740,7 @@
           <a:graphicData uri="http://schemas.openxmlformats.org/presentationml/2006/ole">
             <mc:AlternateContent xmlns:mc="http://schemas.openxmlformats.org/markup-compatibility/2006">
               <mc:Choice xmlns:v="urn:schemas-microsoft-com:vml" Requires="v">
-                <p:oleObj spid="_x0000_s2095" name="Visio" r:id="rId3" imgW="5572760" imgH="3490383" progId="Visio.Drawing.11">
+                <p:oleObj spid="_x0000_s2099" name="Visio" r:id="rId3" imgW="5572760" imgH="3490383" progId="Visio.Drawing.11">
                   <p:embed/>
                 </p:oleObj>
               </mc:Choice>
@@ -12286,10 +11865,6 @@
               </a:rPr>
               <a:t>的活动状态</a:t>
             </a:r>
-            <a:endParaRPr lang="zh-CN" altLang="en-US" sz="3600" dirty="0">
-              <a:latin typeface="+mn-ea"/>
-              <a:ea typeface="+mn-ea"/>
-            </a:endParaRPr>
           </a:p>
         </p:txBody>
       </p:sp>
@@ -12444,10 +12019,10 @@
                   </a:schemeClr>
                 </a:solidFill>
               </a:rPr>
-              <a:t>：</a:t>
-            </a:r>
-            <a:r>
-              <a:rPr lang="zh-CN" altLang="en-US" sz="2400" dirty="0">
+              <a:t>：当前</a:t>
+            </a:r>
+            <a:r>
+              <a:rPr lang="en-US" altLang="zh-CN" sz="2400" dirty="0">
                 <a:solidFill>
                   <a:schemeClr val="tx1">
                     <a:lumMod val="85000"/>
@@ -12455,10 +12030,10 @@
                   </a:schemeClr>
                 </a:solidFill>
               </a:rPr>
-              <a:t>当前</a:t>
-            </a:r>
-            <a:r>
-              <a:rPr lang="en-US" altLang="zh-CN" sz="2400" dirty="0">
+              <a:t>Activity</a:t>
+            </a:r>
+            <a:r>
+              <a:rPr lang="zh-CN" altLang="en-US" sz="2400" dirty="0">
                 <a:solidFill>
                   <a:schemeClr val="tx1">
                     <a:lumMod val="85000"/>
@@ -12466,10 +12041,10 @@
                   </a:schemeClr>
                 </a:solidFill>
               </a:rPr>
-              <a:t>Activity</a:t>
-            </a:r>
-            <a:r>
-              <a:rPr lang="zh-CN" altLang="en-US" sz="2400" dirty="0">
+              <a:t>在</a:t>
+            </a:r>
+            <a:r>
+              <a:rPr lang="en-US" altLang="zh-CN" sz="2400" dirty="0">
                 <a:solidFill>
                   <a:schemeClr val="tx1">
                     <a:lumMod val="85000"/>
@@ -12477,10 +12052,10 @@
                   </a:schemeClr>
                 </a:solidFill>
               </a:rPr>
-              <a:t>在</a:t>
-            </a:r>
-            <a:r>
-              <a:rPr lang="en-US" altLang="zh-CN" sz="2400" dirty="0">
+              <a:t>Activity</a:t>
+            </a:r>
+            <a:r>
+              <a:rPr lang="zh-CN" altLang="en-US" sz="2400" dirty="0">
                 <a:solidFill>
                   <a:schemeClr val="tx1">
                     <a:lumMod val="85000"/>
@@ -12488,62 +12063,7 @@
                   </a:schemeClr>
                 </a:solidFill>
               </a:rPr>
-              <a:t>Activity</a:t>
-            </a:r>
-            <a:r>
-              <a:rPr lang="zh-CN" altLang="en-US" sz="2400" dirty="0">
-                <a:solidFill>
-                  <a:schemeClr val="tx1">
-                    <a:lumMod val="85000"/>
-                    <a:lumOff val="15000"/>
-                  </a:schemeClr>
-                </a:solidFill>
-              </a:rPr>
-              <a:t>活动栈中</a:t>
-            </a:r>
-            <a:r>
-              <a:rPr lang="zh-CN" altLang="en-US" sz="2400" dirty="0">
-                <a:solidFill>
-                  <a:schemeClr val="tx1">
-                    <a:lumMod val="85000"/>
-                    <a:lumOff val="15000"/>
-                  </a:schemeClr>
-                </a:solidFill>
-              </a:rPr>
-              <a:t>处于最上层，完全能被用户看到</a:t>
-            </a:r>
-            <a:r>
-              <a:rPr lang="zh-CN" altLang="en-US" sz="2400" dirty="0">
-                <a:solidFill>
-                  <a:schemeClr val="tx1">
-                    <a:lumMod val="85000"/>
-                    <a:lumOff val="15000"/>
-                  </a:schemeClr>
-                </a:solidFill>
-              </a:rPr>
-              <a:t>，并能够</a:t>
-            </a:r>
-            <a:r>
-              <a:rPr lang="zh-CN" altLang="en-US" sz="2400" dirty="0">
-                <a:solidFill>
-                  <a:schemeClr val="tx1">
-                    <a:lumMod val="85000"/>
-                    <a:lumOff val="15000"/>
-                  </a:schemeClr>
-                </a:solidFill>
-              </a:rPr>
-              <a:t>与用户进行</a:t>
-            </a:r>
-            <a:r>
-              <a:rPr lang="zh-CN" altLang="en-US" sz="2400" dirty="0">
-                <a:solidFill>
-                  <a:schemeClr val="tx1">
-                    <a:lumMod val="85000"/>
-                    <a:lumOff val="15000"/>
-                  </a:schemeClr>
-                </a:solidFill>
-              </a:rPr>
-              <a:t>交互。</a:t>
+              <a:t>活动栈中处于最上层，完全能被用户看到，并能够与用户进行交互。</a:t>
             </a:r>
             <a:endParaRPr lang="en-US" altLang="zh-CN" sz="2400" dirty="0">
               <a:solidFill>
@@ -12737,10 +12257,6 @@
               </a:rPr>
               <a:t>的活动状态</a:t>
             </a:r>
-            <a:endParaRPr lang="zh-CN" altLang="en-US" sz="3600" dirty="0">
-              <a:latin typeface="+mn-ea"/>
-              <a:ea typeface="+mn-ea"/>
-            </a:endParaRPr>
           </a:p>
         </p:txBody>
       </p:sp>
@@ -12817,64 +12333,15 @@
                   </a:schemeClr>
                 </a:solidFill>
               </a:rPr>
-              <a:t>在界面上被部分遮挡</a:t>
+              <a:t>在界面上被部分遮挡，不再处于用户界面的最上层，</a:t>
             </a:r>
             <a:r>
               <a:rPr lang="zh-CN" altLang="en-US" sz="2400" dirty="0">
                 <a:solidFill>
-                  <a:schemeClr val="tx1">
-                    <a:lumMod val="85000"/>
-                    <a:lumOff val="15000"/>
-                  </a:schemeClr>
-                </a:solidFill>
-              </a:rPr>
-              <a:t>，不再</a:t>
-            </a:r>
-            <a:r>
-              <a:rPr lang="zh-CN" altLang="en-US" sz="2400" dirty="0">
-                <a:solidFill>
-                  <a:schemeClr val="tx1">
-                    <a:lumMod val="85000"/>
-                    <a:lumOff val="15000"/>
-                  </a:schemeClr>
-                </a:solidFill>
-              </a:rPr>
-              <a:t>处于用户界面的最上层</a:t>
-            </a:r>
-            <a:r>
-              <a:rPr lang="zh-CN" altLang="en-US" sz="2400" dirty="0">
-                <a:solidFill>
-                  <a:schemeClr val="tx1">
-                    <a:lumMod val="85000"/>
-                    <a:lumOff val="15000"/>
-                  </a:schemeClr>
-                </a:solidFill>
-              </a:rPr>
-              <a:t>，</a:t>
-            </a:r>
-            <a:r>
-              <a:rPr lang="zh-CN" altLang="en-US" sz="2400" dirty="0">
-                <a:solidFill>
                   <a:srgbClr val="FF0000"/>
                 </a:solidFill>
               </a:rPr>
-              <a:t>不</a:t>
-            </a:r>
-            <a:r>
-              <a:rPr lang="zh-CN" altLang="en-US" sz="2400" dirty="0">
-                <a:solidFill>
-                  <a:srgbClr val="FF0000"/>
-                </a:solidFill>
-              </a:rPr>
-              <a:t>能够与用户进行</a:t>
-            </a:r>
-            <a:r>
-              <a:rPr lang="zh-CN" altLang="en-US" sz="2400" dirty="0">
-                <a:solidFill>
-                  <a:srgbClr val="FF0000"/>
-                </a:solidFill>
-              </a:rPr>
-              <a:t>交互</a:t>
+              <a:t>不能够与用户进行交互</a:t>
             </a:r>
             <a:r>
               <a:rPr lang="zh-CN" altLang="en-US" sz="2400" dirty="0">
@@ -13729,10 +13196,6 @@
               </a:rPr>
               <a:t>的活动状态</a:t>
             </a:r>
-            <a:endParaRPr lang="zh-CN" altLang="en-US" sz="3600" dirty="0">
-              <a:latin typeface="+mn-ea"/>
-              <a:ea typeface="+mn-ea"/>
-            </a:endParaRPr>
           </a:p>
         </p:txBody>
       </p:sp>
@@ -13861,18 +13324,7 @@
                   </a:schemeClr>
                 </a:solidFill>
               </a:rPr>
-              <a:t>全部</a:t>
-            </a:r>
-            <a:r>
-              <a:rPr lang="zh-CN" altLang="en-US" sz="2400" dirty="0">
-                <a:solidFill>
-                  <a:schemeClr val="tx1">
-                    <a:lumMod val="85000"/>
-                    <a:lumOff val="15000"/>
-                  </a:schemeClr>
-                </a:solidFill>
-              </a:rPr>
-              <a:t>遮挡。</a:t>
+              <a:t>全部遮挡。</a:t>
             </a:r>
             <a:endParaRPr lang="en-US" altLang="zh-CN" sz="2400" dirty="0">
               <a:solidFill>
@@ -14198,10 +13650,6 @@
               </a:rPr>
               <a:t>的活动状态</a:t>
             </a:r>
-            <a:endParaRPr lang="zh-CN" altLang="en-US" sz="3600" dirty="0">
-              <a:latin typeface="+mn-ea"/>
-              <a:ea typeface="+mn-ea"/>
-            </a:endParaRPr>
           </a:p>
         </p:txBody>
       </p:sp>
@@ -14253,15 +13701,7 @@
                   <a:srgbClr val="C00000"/>
                 </a:solidFill>
               </a:rPr>
-              <a:t>活动</a:t>
-            </a:r>
-            <a:r>
-              <a:rPr lang="zh-CN" altLang="en-US" sz="2400" dirty="0">
-                <a:solidFill>
-                  <a:srgbClr val="C00000"/>
-                </a:solidFill>
-              </a:rPr>
-              <a:t>状态</a:t>
+              <a:t>活动状态</a:t>
             </a:r>
             <a:r>
               <a:rPr lang="zh-CN" altLang="en-US" sz="2400" dirty="0">
@@ -14272,10 +13712,10 @@
                   </a:schemeClr>
                 </a:solidFill>
               </a:rPr>
-              <a:t>：</a:t>
-            </a:r>
-            <a:r>
-              <a:rPr lang="zh-CN" altLang="en-US" sz="2400" dirty="0">
+              <a:t>：不在以上三种状态中的</a:t>
+            </a:r>
+            <a:r>
+              <a:rPr lang="en-US" altLang="zh-CN" sz="2400" dirty="0">
                 <a:solidFill>
                   <a:schemeClr val="tx1">
                     <a:lumMod val="85000"/>
@@ -14283,7 +13723,7 @@
                   </a:schemeClr>
                 </a:solidFill>
               </a:rPr>
-              <a:t>不在</a:t>
+              <a:t>Activity</a:t>
             </a:r>
             <a:r>
               <a:rPr lang="zh-CN" altLang="en-US" sz="2400" dirty="0">
@@ -14294,51 +13734,7 @@
                   </a:schemeClr>
                 </a:solidFill>
               </a:rPr>
-              <a:t>以上三种状态中的</a:t>
-            </a:r>
-            <a:r>
-              <a:rPr lang="en-US" altLang="zh-CN" sz="2400" dirty="0">
-                <a:solidFill>
-                  <a:schemeClr val="tx1">
-                    <a:lumMod val="85000"/>
-                    <a:lumOff val="15000"/>
-                  </a:schemeClr>
-                </a:solidFill>
-              </a:rPr>
-              <a:t>Activity</a:t>
-            </a:r>
-            <a:r>
-              <a:rPr lang="zh-CN" altLang="en-US" sz="2400" dirty="0">
-                <a:solidFill>
-                  <a:schemeClr val="tx1">
-                    <a:lumMod val="85000"/>
-                    <a:lumOff val="15000"/>
-                  </a:schemeClr>
-                </a:solidFill>
-              </a:rPr>
-              <a:t>，处于</a:t>
-            </a:r>
-            <a:r>
-              <a:rPr lang="zh-CN" altLang="en-US" sz="2400" dirty="0">
-                <a:solidFill>
-                  <a:schemeClr val="tx1">
-                    <a:lumMod val="85000"/>
-                    <a:lumOff val="15000"/>
-                  </a:schemeClr>
-                </a:solidFill>
-              </a:rPr>
-              <a:t>非活动</a:t>
-            </a:r>
-            <a:r>
-              <a:rPr lang="zh-CN" altLang="en-US" sz="2400" dirty="0">
-                <a:solidFill>
-                  <a:schemeClr val="tx1">
-                    <a:lumMod val="85000"/>
-                    <a:lumOff val="15000"/>
-                  </a:schemeClr>
-                </a:solidFill>
-              </a:rPr>
-              <a:t>状态。</a:t>
+              <a:t>，处于非活动状态。</a:t>
             </a:r>
             <a:endParaRPr lang="en-US" altLang="zh-CN" sz="2400" dirty="0">
               <a:solidFill>
@@ -14789,10 +14185,6 @@
               </a:rPr>
               <a:t>活动状态之间的切换</a:t>
             </a:r>
-            <a:endParaRPr lang="zh-CN" altLang="en-US" sz="3600" dirty="0">
-              <a:latin typeface="+mn-ea"/>
-              <a:ea typeface="+mn-ea"/>
-            </a:endParaRPr>
           </a:p>
         </p:txBody>
       </p:sp>
@@ -15164,10 +14556,6 @@
               </a:rPr>
               <a:t>活动状态之间的切换</a:t>
             </a:r>
-            <a:endParaRPr lang="zh-CN" altLang="en-US" sz="3600" dirty="0">
-              <a:latin typeface="+mn-ea"/>
-              <a:ea typeface="+mn-ea"/>
-            </a:endParaRPr>
           </a:p>
         </p:txBody>
       </p:sp>
@@ -17040,15 +16428,6 @@
                 </a:rPr>
                 <a:t>其它应用程序需要内存</a:t>
               </a:r>
-              <a:endParaRPr lang="zh-CN" altLang="en-US" sz="1200">
-                <a:solidFill>
-                  <a:schemeClr val="tx1">
-                    <a:lumMod val="85000"/>
-                    <a:lumOff val="15000"/>
-                  </a:schemeClr>
-                </a:solidFill>
-                <a:latin typeface="+mn-ea"/>
-              </a:endParaRPr>
             </a:p>
           </p:txBody>
         </p:sp>
@@ -17162,15 +16541,6 @@
                 </a:rPr>
                 <a:t>不再可见</a:t>
               </a:r>
-              <a:endParaRPr lang="zh-CN" altLang="en-US" sz="1200">
-                <a:solidFill>
-                  <a:schemeClr val="tx1">
-                    <a:lumMod val="85000"/>
-                    <a:lumOff val="15000"/>
-                  </a:schemeClr>
-                </a:solidFill>
-                <a:latin typeface="+mn-ea"/>
-              </a:endParaRPr>
             </a:p>
           </p:txBody>
         </p:sp>
@@ -17235,15 +16605,6 @@
                 </a:rPr>
                 <a:t>位于顶层</a:t>
               </a:r>
-              <a:endParaRPr lang="zh-CN" altLang="en-US" sz="1200">
-                <a:solidFill>
-                  <a:schemeClr val="tx1">
-                    <a:lumMod val="85000"/>
-                    <a:lumOff val="15000"/>
-                  </a:schemeClr>
-                </a:solidFill>
-                <a:latin typeface="+mn-ea"/>
-              </a:endParaRPr>
             </a:p>
           </p:txBody>
         </p:sp>
@@ -17296,15 +16657,6 @@
                 </a:rPr>
                 <a:t>回到顶层</a:t>
               </a:r>
-              <a:endParaRPr lang="zh-CN" altLang="en-US" sz="1200">
-                <a:solidFill>
-                  <a:schemeClr val="tx1">
-                    <a:lumMod val="85000"/>
-                    <a:lumOff val="15000"/>
-                  </a:schemeClr>
-                </a:solidFill>
-                <a:latin typeface="+mn-ea"/>
-              </a:endParaRPr>
             </a:p>
           </p:txBody>
         </p:sp>
@@ -17439,15 +16791,6 @@
                 </a:rPr>
                 <a:t>回到顶层</a:t>
               </a:r>
-              <a:endParaRPr lang="zh-CN" altLang="en-US" sz="1200">
-                <a:solidFill>
-                  <a:schemeClr val="tx1">
-                    <a:lumMod val="85000"/>
-                    <a:lumOff val="15000"/>
-                  </a:schemeClr>
-                </a:solidFill>
-                <a:latin typeface="+mn-ea"/>
-              </a:endParaRPr>
             </a:p>
           </p:txBody>
         </p:sp>
@@ -17805,14 +17148,7 @@
                 <a:latin typeface="+mn-ea"/>
                 <a:ea typeface="+mn-ea"/>
               </a:rPr>
-              <a:t>    例如</a:t>
-            </a:r>
-            <a:r>
-              <a:rPr lang="zh-CN" altLang="en-US" dirty="0" smtClean="0">
-                <a:latin typeface="+mn-ea"/>
-                <a:ea typeface="+mn-ea"/>
-              </a:rPr>
-              <a:t>：一个音乐播放器。用户可以再设备上一边播放音乐一边进行别的操作。</a:t>
+              <a:t>    例如：一个音乐播放器。用户可以再设备上一边播放音乐一边进行别的操作。</a:t>
             </a:r>
             <a:endParaRPr lang="zh-CN" altLang="en-US" dirty="0">
               <a:latin typeface="+mn-ea"/>
@@ -20057,199 +19393,364 @@
         </p:nvSpPr>
         <p:spPr>
           <a:xfrm>
-            <a:off x="467544" y="897564"/>
-            <a:ext cx="8229600" cy="3996444"/>
+            <a:off x="467544" y="771550"/>
+            <a:ext cx="8352928" cy="4104456"/>
           </a:xfrm>
         </p:spPr>
         <p:txBody>
           <a:bodyPr>
-            <a:noAutofit/>
+            <a:normAutofit fontScale="55000" lnSpcReduction="20000"/>
           </a:bodyPr>
           <a:lstStyle/>
+          <a:p>
+            <a:pPr marL="0" indent="0">
+              <a:lnSpc>
+                <a:spcPts val="3000"/>
+              </a:lnSpc>
+              <a:spcBef>
+                <a:spcPts val="0"/>
+              </a:spcBef>
+              <a:buNone/>
+            </a:pPr>
+            <a:r>
+              <a:rPr lang="en-US" altLang="zh-CN" sz="3600" b="1" dirty="0" smtClean="0">
+                <a:latin typeface="+mn-ea"/>
+                <a:ea typeface="+mn-ea"/>
+              </a:rPr>
+              <a:t>Android Service</a:t>
+            </a:r>
+            <a:r>
+              <a:rPr lang="zh-CN" altLang="en-US" sz="3600" b="1" dirty="0" smtClean="0">
+                <a:latin typeface="+mn-ea"/>
+                <a:ea typeface="+mn-ea"/>
+              </a:rPr>
+              <a:t>两种启动方式的区别</a:t>
+            </a:r>
+            <a:endParaRPr lang="en-US" altLang="zh-CN" sz="3600" b="1" dirty="0" smtClean="0">
+              <a:latin typeface="+mn-ea"/>
+              <a:ea typeface="+mn-ea"/>
+            </a:endParaRPr>
+          </a:p>
+          <a:p>
+            <a:pPr marL="0" indent="0">
+              <a:lnSpc>
+                <a:spcPts val="3000"/>
+              </a:lnSpc>
+              <a:spcBef>
+                <a:spcPts val="0"/>
+              </a:spcBef>
+              <a:buNone/>
+            </a:pPr>
+            <a:r>
+              <a:rPr lang="en-US" altLang="zh-CN" sz="3600" b="1" dirty="0">
+                <a:latin typeface="+mn-ea"/>
+                <a:ea typeface="+mn-ea"/>
+              </a:rPr>
+              <a:t>1</a:t>
+            </a:r>
+            <a:r>
+              <a:rPr lang="zh-CN" altLang="en-US" sz="3600" b="1" dirty="0">
+                <a:latin typeface="+mn-ea"/>
+                <a:ea typeface="+mn-ea"/>
+              </a:rPr>
+              <a:t>、采用</a:t>
+            </a:r>
+            <a:r>
+              <a:rPr lang="en-US" altLang="zh-CN" sz="3600" b="1" dirty="0">
+                <a:latin typeface="+mn-ea"/>
+                <a:ea typeface="+mn-ea"/>
+              </a:rPr>
+              <a:t>start</a:t>
+            </a:r>
+            <a:r>
+              <a:rPr lang="zh-CN" altLang="en-US" sz="3600" b="1" dirty="0">
+                <a:latin typeface="+mn-ea"/>
+                <a:ea typeface="+mn-ea"/>
+              </a:rPr>
+              <a:t>的方式开启</a:t>
+            </a:r>
+            <a:r>
+              <a:rPr lang="zh-CN" altLang="en-US" sz="3600" b="1" dirty="0">
+                <a:latin typeface="+mn-ea"/>
+                <a:ea typeface="+mn-ea"/>
+              </a:rPr>
+              <a:t>服务</a:t>
+            </a:r>
+            <a:endParaRPr lang="en-US" altLang="zh-CN" sz="3600" b="1" dirty="0">
+              <a:latin typeface="+mn-ea"/>
+              <a:ea typeface="+mn-ea"/>
+            </a:endParaRPr>
+          </a:p>
+          <a:p>
+            <a:pPr marL="0" indent="0">
+              <a:lnSpc>
+                <a:spcPts val="3000"/>
+              </a:lnSpc>
+              <a:spcBef>
+                <a:spcPts val="0"/>
+              </a:spcBef>
+              <a:buNone/>
+            </a:pPr>
+            <a:r>
+              <a:rPr lang="zh-CN" altLang="en-US" sz="3600" b="1" dirty="0">
+                <a:latin typeface="+mn-ea"/>
+                <a:ea typeface="+mn-ea"/>
+              </a:rPr>
+              <a:t>特点：</a:t>
+            </a:r>
+            <a:r>
+              <a:rPr lang="zh-CN" altLang="en-US" sz="3600" b="1" dirty="0">
+                <a:latin typeface="+mn-ea"/>
+                <a:ea typeface="+mn-ea"/>
+              </a:rPr>
+              <a:t>如果服务已经开启，不会重复的执行</a:t>
+            </a:r>
+            <a:r>
+              <a:rPr lang="en-US" altLang="zh-CN" sz="3600" b="1" dirty="0" err="1">
+                <a:latin typeface="+mn-ea"/>
+                <a:ea typeface="+mn-ea"/>
+              </a:rPr>
+              <a:t>onCreate</a:t>
+            </a:r>
+            <a:r>
+              <a:rPr lang="en-US" altLang="zh-CN" sz="3600" b="1" dirty="0">
+                <a:latin typeface="+mn-ea"/>
+                <a:ea typeface="+mn-ea"/>
+              </a:rPr>
+              <a:t>()</a:t>
+            </a:r>
+            <a:r>
+              <a:rPr lang="zh-CN" altLang="en-US" sz="3600" b="1" dirty="0">
+                <a:latin typeface="+mn-ea"/>
+                <a:ea typeface="+mn-ea"/>
+              </a:rPr>
+              <a:t>， 而是会</a:t>
+            </a:r>
+            <a:r>
+              <a:rPr lang="zh-CN" altLang="en-US" sz="3600" b="1" dirty="0">
+                <a:latin typeface="+mn-ea"/>
+                <a:ea typeface="+mn-ea"/>
+              </a:rPr>
+              <a:t>调用</a:t>
+            </a:r>
+            <a:r>
+              <a:rPr lang="en-US" altLang="zh-CN" sz="3600" b="1" dirty="0" err="1">
+                <a:latin typeface="+mn-ea"/>
+                <a:ea typeface="+mn-ea"/>
+              </a:rPr>
+              <a:t>onStartCommand</a:t>
+            </a:r>
+            <a:r>
+              <a:rPr lang="en-US" altLang="zh-CN" sz="3600" b="1" dirty="0">
+                <a:latin typeface="+mn-ea"/>
+                <a:ea typeface="+mn-ea"/>
+              </a:rPr>
+              <a:t>()</a:t>
+            </a:r>
+            <a:r>
+              <a:rPr lang="zh-CN" altLang="en-US" sz="3600" b="1" dirty="0">
+                <a:latin typeface="+mn-ea"/>
+                <a:ea typeface="+mn-ea"/>
+              </a:rPr>
+              <a:t>。服务</a:t>
+            </a:r>
+            <a:r>
+              <a:rPr lang="zh-CN" altLang="en-US" sz="3600" b="1" dirty="0">
+                <a:latin typeface="+mn-ea"/>
+                <a:ea typeface="+mn-ea"/>
+              </a:rPr>
+              <a:t>停止的时候调用 </a:t>
+            </a:r>
+            <a:r>
+              <a:rPr lang="en-US" altLang="zh-CN" sz="3600" b="1" dirty="0" err="1">
+                <a:latin typeface="+mn-ea"/>
+                <a:ea typeface="+mn-ea"/>
+              </a:rPr>
+              <a:t>onDestory</a:t>
+            </a:r>
+            <a:r>
+              <a:rPr lang="en-US" altLang="zh-CN" sz="3600" b="1" dirty="0">
+                <a:latin typeface="+mn-ea"/>
+                <a:ea typeface="+mn-ea"/>
+              </a:rPr>
+              <a:t>()</a:t>
+            </a:r>
+            <a:r>
+              <a:rPr lang="zh-CN" altLang="en-US" sz="3600" b="1" dirty="0">
+                <a:latin typeface="+mn-ea"/>
+                <a:ea typeface="+mn-ea"/>
+              </a:rPr>
+              <a:t>。服务只会被停止一</a:t>
+            </a:r>
+            <a:r>
+              <a:rPr lang="zh-CN" altLang="en-US" sz="3600" b="1" dirty="0">
+                <a:latin typeface="+mn-ea"/>
+                <a:ea typeface="+mn-ea"/>
+              </a:rPr>
+              <a:t>次。一旦服务开启跟调用者</a:t>
+            </a:r>
+            <a:r>
+              <a:rPr lang="en-US" altLang="zh-CN" sz="3600" b="1" dirty="0">
+                <a:latin typeface="+mn-ea"/>
+                <a:ea typeface="+mn-ea"/>
+              </a:rPr>
+              <a:t>(</a:t>
+            </a:r>
+            <a:r>
+              <a:rPr lang="zh-CN" altLang="en-US" sz="3600" b="1" dirty="0">
+                <a:latin typeface="+mn-ea"/>
+                <a:ea typeface="+mn-ea"/>
+              </a:rPr>
+              <a:t>开启者</a:t>
+            </a:r>
+            <a:r>
+              <a:rPr lang="en-US" altLang="zh-CN" sz="3600" b="1" dirty="0">
+                <a:latin typeface="+mn-ea"/>
+                <a:ea typeface="+mn-ea"/>
+              </a:rPr>
+              <a:t>)</a:t>
+            </a:r>
+            <a:r>
+              <a:rPr lang="zh-CN" altLang="en-US" sz="3600" b="1" dirty="0">
+                <a:latin typeface="+mn-ea"/>
+                <a:ea typeface="+mn-ea"/>
+              </a:rPr>
+              <a:t>就没有</a:t>
+            </a:r>
+            <a:r>
+              <a:rPr lang="zh-CN" altLang="en-US" sz="3600" b="1" dirty="0">
+                <a:latin typeface="+mn-ea"/>
+                <a:ea typeface="+mn-ea"/>
+              </a:rPr>
+              <a:t>任何关系了</a:t>
+            </a:r>
+            <a:r>
+              <a:rPr lang="zh-CN" altLang="en-US" sz="3600" b="1" dirty="0" smtClean="0">
+                <a:latin typeface="+mn-ea"/>
+                <a:ea typeface="+mn-ea"/>
+              </a:rPr>
+              <a:t>。开启</a:t>
+            </a:r>
+            <a:r>
+              <a:rPr lang="zh-CN" altLang="en-US" sz="3600" b="1" dirty="0">
+                <a:latin typeface="+mn-ea"/>
+                <a:ea typeface="+mn-ea"/>
+              </a:rPr>
+              <a:t>者退出了，开启者挂了，服务还在后台长期的运行。</a:t>
+            </a:r>
+            <a:br>
+              <a:rPr lang="zh-CN" altLang="en-US" sz="3600" b="1" dirty="0">
+                <a:latin typeface="+mn-ea"/>
+                <a:ea typeface="+mn-ea"/>
+              </a:rPr>
+            </a:br>
+            <a:r>
+              <a:rPr lang="zh-CN" altLang="en-US" sz="3600" b="1" dirty="0">
+                <a:latin typeface="+mn-ea"/>
+                <a:ea typeface="+mn-ea"/>
+              </a:rPr>
+              <a:t>开启者不能调用服务里面的</a:t>
+            </a:r>
+            <a:r>
+              <a:rPr lang="zh-CN" altLang="en-US" sz="3600" b="1" dirty="0">
+                <a:latin typeface="+mn-ea"/>
+                <a:ea typeface="+mn-ea"/>
+              </a:rPr>
+              <a:t>方法。</a:t>
+            </a:r>
+            <a:endParaRPr lang="en-US" altLang="zh-CN" sz="3600" b="1" dirty="0">
+              <a:latin typeface="+mn-ea"/>
+              <a:ea typeface="+mn-ea"/>
+            </a:endParaRPr>
+          </a:p>
+          <a:p>
+            <a:pPr marL="0" indent="0">
+              <a:lnSpc>
+                <a:spcPts val="3000"/>
+              </a:lnSpc>
+              <a:buNone/>
+            </a:pPr>
+            <a:r>
+              <a:rPr lang="en-US" altLang="zh-CN" sz="3600" b="1" dirty="0">
+                <a:latin typeface="+mn-ea"/>
+                <a:ea typeface="+mn-ea"/>
+              </a:rPr>
+              <a:t>2</a:t>
+            </a:r>
+            <a:r>
+              <a:rPr lang="zh-CN" altLang="en-US" sz="3600" b="1" dirty="0">
+                <a:latin typeface="+mn-ea"/>
+                <a:ea typeface="+mn-ea"/>
+              </a:rPr>
+              <a:t>、采用</a:t>
+            </a:r>
+            <a:r>
+              <a:rPr lang="en-US" altLang="zh-CN" sz="3600" b="1" dirty="0">
+                <a:latin typeface="+mn-ea"/>
+                <a:ea typeface="+mn-ea"/>
+              </a:rPr>
+              <a:t>bind</a:t>
+            </a:r>
+            <a:r>
+              <a:rPr lang="zh-CN" altLang="en-US" sz="3600" b="1" dirty="0">
+                <a:latin typeface="+mn-ea"/>
+                <a:ea typeface="+mn-ea"/>
+              </a:rPr>
+              <a:t>的方式开启服务</a:t>
+            </a:r>
+            <a:endParaRPr lang="en-US" altLang="zh-CN" sz="3600" b="1" dirty="0">
+              <a:latin typeface="+mn-ea"/>
+              <a:ea typeface="+mn-ea"/>
+            </a:endParaRPr>
+          </a:p>
+          <a:p>
+            <a:pPr marL="0" indent="0">
+              <a:lnSpc>
+                <a:spcPts val="3000"/>
+              </a:lnSpc>
+              <a:buNone/>
+            </a:pPr>
+            <a:r>
+              <a:rPr lang="en-US" altLang="zh-CN" sz="3600" b="1" dirty="0">
+                <a:latin typeface="+mn-ea"/>
+                <a:ea typeface="+mn-ea"/>
+              </a:rPr>
+              <a:t>    bind</a:t>
+            </a:r>
+            <a:r>
+              <a:rPr lang="zh-CN" altLang="en-US" sz="3600" b="1" dirty="0">
+                <a:latin typeface="+mn-ea"/>
+                <a:ea typeface="+mn-ea"/>
+              </a:rPr>
+              <a:t>的方式开启服务，绑定服务，调用者挂了，服务也会跟着挂掉。绑定者可以调用服务里面的方法。</a:t>
+            </a:r>
+          </a:p>
+          <a:p>
+            <a:pPr marL="0" indent="0">
+              <a:lnSpc>
+                <a:spcPct val="160000"/>
+              </a:lnSpc>
+              <a:spcBef>
+                <a:spcPts val="0"/>
+              </a:spcBef>
+              <a:buNone/>
+            </a:pPr>
+            <a:endParaRPr lang="zh-CN" altLang="en-US" sz="2800" b="1" dirty="0">
+              <a:latin typeface="+mn-ea"/>
+              <a:ea typeface="+mn-ea"/>
+            </a:endParaRPr>
+          </a:p>
           <a:p>
             <a:pPr marL="0" indent="0">
               <a:buNone/>
             </a:pPr>
-            <a:r>
-              <a:rPr lang="en-US" altLang="zh-CN" sz="2400" dirty="0" smtClean="0"/>
-              <a:t>1</a:t>
-            </a:r>
-            <a:r>
-              <a:rPr lang="zh-CN" altLang="en-US" sz="2400" dirty="0" smtClean="0"/>
-              <a:t>、直接创建</a:t>
-            </a:r>
-            <a:r>
-              <a:rPr lang="en-US" altLang="zh-CN" sz="2400" dirty="0" smtClean="0"/>
-              <a:t>Service</a:t>
-            </a:r>
-            <a:r>
-              <a:rPr lang="zh-CN" altLang="en-US" sz="2400" dirty="0" smtClean="0"/>
-              <a:t>，继承</a:t>
-            </a:r>
-            <a:r>
-              <a:rPr lang="en-US" altLang="zh-CN" sz="2400" dirty="0" smtClean="0"/>
-              <a:t>Service</a:t>
-            </a:r>
-            <a:r>
-              <a:rPr lang="zh-CN" altLang="en-US" sz="2400" dirty="0" smtClean="0"/>
-              <a:t>，创建成功后，会在</a:t>
-            </a:r>
-            <a:r>
-              <a:rPr lang="en-US" altLang="zh-CN" sz="2400" dirty="0" smtClean="0"/>
-              <a:t>AndroidManifest.xml</a:t>
-            </a:r>
-            <a:r>
-              <a:rPr lang="zh-CN" altLang="en-US" sz="2400" dirty="0" smtClean="0"/>
-              <a:t>进行注册</a:t>
-            </a:r>
-            <a:endParaRPr lang="en-US" altLang="zh-CN" sz="2400" dirty="0" smtClean="0"/>
+            <a:endParaRPr lang="en-US" altLang="zh-CN" sz="2800" dirty="0" smtClean="0"/>
           </a:p>
           <a:p>
             <a:pPr marL="0" indent="0">
               <a:buNone/>
             </a:pPr>
-            <a:r>
-              <a:rPr lang="en-US" altLang="zh-CN" sz="2400" dirty="0" smtClean="0"/>
-              <a:t>2</a:t>
-            </a:r>
-            <a:r>
-              <a:rPr lang="zh-CN" altLang="en-US" sz="2400" dirty="0" smtClean="0"/>
-              <a:t>、实现以下函数</a:t>
-            </a:r>
-            <a:endParaRPr lang="en-US" altLang="zh-CN" sz="2400" dirty="0" smtClean="0"/>
-          </a:p>
-          <a:p>
-            <a:pPr marL="457200" lvl="1" indent="0">
-              <a:buNone/>
-            </a:pPr>
-            <a:r>
-              <a:rPr lang="en-US" altLang="zh-CN" sz="2400" dirty="0"/>
-              <a:t>void </a:t>
-            </a:r>
-            <a:r>
-              <a:rPr lang="en-US" altLang="zh-CN" sz="2400" dirty="0" err="1"/>
-              <a:t>onCreate</a:t>
-            </a:r>
-            <a:r>
-              <a:rPr lang="en-US" altLang="zh-CN" sz="2400" dirty="0"/>
-              <a:t>():</a:t>
-            </a:r>
-            <a:r>
-              <a:rPr lang="zh-CN" altLang="en-US" sz="2400" dirty="0"/>
-              <a:t>第一次创建后回调</a:t>
-            </a:r>
-            <a:endParaRPr lang="en-US" altLang="zh-CN" sz="2400" dirty="0"/>
-          </a:p>
-          <a:p>
-            <a:pPr marL="457200" lvl="1" indent="0">
-              <a:buNone/>
-            </a:pPr>
-            <a:r>
-              <a:rPr lang="en-US" altLang="zh-CN" sz="2400" dirty="0"/>
-              <a:t>void </a:t>
-            </a:r>
-            <a:r>
-              <a:rPr lang="en-US" altLang="zh-CN" sz="2400" dirty="0" err="1"/>
-              <a:t>onDestroy</a:t>
-            </a:r>
-            <a:r>
-              <a:rPr lang="en-US" altLang="zh-CN" sz="2400" dirty="0"/>
-              <a:t>():</a:t>
-            </a:r>
-            <a:r>
-              <a:rPr lang="zh-CN" altLang="en-US" sz="2400" dirty="0"/>
-              <a:t>关闭前回调</a:t>
-            </a:r>
-            <a:endParaRPr lang="en-US" altLang="zh-CN" sz="2400" dirty="0"/>
-          </a:p>
-          <a:p>
-            <a:pPr marL="457200" lvl="1" indent="0">
-              <a:buNone/>
-            </a:pPr>
-            <a:r>
-              <a:rPr lang="en-US" altLang="zh-CN" sz="2400" dirty="0"/>
-              <a:t>void </a:t>
-            </a:r>
-            <a:r>
-              <a:rPr lang="en-US" altLang="zh-CN" sz="2400" dirty="0" err="1"/>
-              <a:t>onStartCommand</a:t>
-            </a:r>
-            <a:r>
-              <a:rPr lang="en-US" altLang="zh-CN" sz="2400" dirty="0"/>
-              <a:t>(</a:t>
-            </a:r>
-            <a:r>
-              <a:rPr lang="en-US" altLang="zh-CN" sz="2400" dirty="0" err="1"/>
-              <a:t>intent,flags,startID</a:t>
-            </a:r>
-            <a:r>
-              <a:rPr lang="en-US" altLang="zh-CN" sz="2400" dirty="0" smtClean="0"/>
-              <a:t>):</a:t>
-            </a:r>
-            <a:r>
-              <a:rPr lang="zh-CN" altLang="en-US" sz="2400" dirty="0" smtClean="0"/>
-              <a:t>实现核心业务</a:t>
-            </a:r>
-            <a:endParaRPr lang="en-US" altLang="zh-CN" sz="2400" dirty="0" smtClean="0"/>
-          </a:p>
-          <a:p>
-            <a:pPr marL="0" lvl="1" indent="0">
-              <a:buNone/>
-            </a:pPr>
-            <a:r>
-              <a:rPr lang="en-US" altLang="zh-CN" sz="2400" dirty="0"/>
-              <a:t>3</a:t>
-            </a:r>
-            <a:r>
-              <a:rPr lang="zh-CN" altLang="en-US" sz="2400" dirty="0"/>
-              <a:t>、创建</a:t>
-            </a:r>
-            <a:r>
-              <a:rPr lang="en-US" altLang="zh-CN" sz="2400" dirty="0"/>
-              <a:t>Activity</a:t>
-            </a:r>
-            <a:r>
-              <a:rPr lang="zh-CN" altLang="en-US" sz="2400" dirty="0"/>
-              <a:t>调用启动</a:t>
-            </a:r>
-            <a:r>
-              <a:rPr lang="en-US" altLang="zh-CN" sz="2400" dirty="0"/>
-              <a:t>/</a:t>
-            </a:r>
-            <a:r>
-              <a:rPr lang="zh-CN" altLang="en-US" sz="2400" dirty="0"/>
-              <a:t>关闭</a:t>
-            </a:r>
-            <a:r>
-              <a:rPr lang="en-US" altLang="zh-CN" sz="2400" dirty="0" smtClean="0"/>
-              <a:t>Service</a:t>
-            </a:r>
-          </a:p>
-          <a:p>
-            <a:pPr marL="400050" lvl="2" indent="0">
-              <a:buNone/>
-            </a:pPr>
-            <a:r>
-              <a:rPr lang="en-US" altLang="zh-CN" dirty="0" err="1"/>
-              <a:t>startService</a:t>
-            </a:r>
-            <a:r>
-              <a:rPr lang="en-US" altLang="zh-CN" dirty="0"/>
-              <a:t>(intent);</a:t>
-            </a:r>
-          </a:p>
-          <a:p>
-            <a:pPr marL="400050" lvl="2" indent="0">
-              <a:buNone/>
-            </a:pPr>
-            <a:r>
-              <a:rPr lang="en-US" altLang="zh-CN" dirty="0" err="1"/>
-              <a:t>stopService</a:t>
-            </a:r>
-            <a:r>
-              <a:rPr lang="en-US" altLang="zh-CN" dirty="0"/>
-              <a:t>(intent);</a:t>
-            </a:r>
+            <a:endParaRPr lang="zh-CN" altLang="en-US" dirty="0"/>
           </a:p>
         </p:txBody>
       </p:sp>
@@ -20266,19 +19767,19 @@
         <p:spPr/>
         <p:txBody>
           <a:bodyPr>
-            <a:normAutofit fontScale="90000"/>
+            <a:noAutofit/>
           </a:bodyPr>
           <a:lstStyle/>
           <a:p>
             <a:r>
-              <a:rPr lang="en-US" altLang="zh-CN" dirty="0">
+              <a:rPr lang="en-US" altLang="zh-CN" sz="3600" dirty="0">
                 <a:latin typeface="+mn-ea"/>
                 <a:ea typeface="+mn-ea"/>
               </a:rPr>
               <a:t>Service</a:t>
             </a:r>
             <a:r>
-              <a:rPr lang="zh-CN" altLang="en-US" dirty="0">
+              <a:rPr lang="zh-CN" altLang="en-US" sz="3600" dirty="0">
                 <a:latin typeface="+mn-ea"/>
                 <a:ea typeface="+mn-ea"/>
               </a:rPr>
@@ -20290,20 +19791,13 @@
     </p:spTree>
     <p:extLst>
       <p:ext uri="{BB962C8B-B14F-4D97-AF65-F5344CB8AC3E}">
-        <p14:creationId xmlns:p14="http://schemas.microsoft.com/office/powerpoint/2010/main" val="1466042866"/>
+        <p14:creationId xmlns:p14="http://schemas.microsoft.com/office/powerpoint/2010/main" val="3224005074"/>
       </p:ext>
     </p:extLst>
   </p:cSld>
   <p:clrMapOvr>
     <a:masterClrMapping/>
   </p:clrMapOvr>
-  <p:timing>
-    <p:tnLst>
-      <p:par>
-        <p:cTn id="1" dur="indefinite" restart="never" nodeType="tmRoot"/>
-      </p:par>
-    </p:tnLst>
-  </p:timing>
 </p:sld>
 </file>
 
@@ -20326,6 +19820,334 @@
       </p:grpSpPr>
       <p:sp>
         <p:nvSpPr>
+          <p:cNvPr id="2" name="内容占位符 1"/>
+          <p:cNvSpPr>
+            <a:spLocks noGrp="1"/>
+          </p:cNvSpPr>
+          <p:nvPr>
+            <p:ph idx="1"/>
+          </p:nvPr>
+        </p:nvSpPr>
+        <p:spPr>
+          <a:xfrm>
+            <a:off x="467544" y="897564"/>
+            <a:ext cx="8229600" cy="3996444"/>
+          </a:xfrm>
+        </p:spPr>
+        <p:txBody>
+          <a:bodyPr>
+            <a:noAutofit/>
+          </a:bodyPr>
+          <a:lstStyle/>
+          <a:p>
+            <a:pPr marL="0" indent="0">
+              <a:buNone/>
+            </a:pPr>
+            <a:r>
+              <a:rPr lang="en-US" altLang="zh-CN" sz="2400" dirty="0" smtClean="0">
+                <a:latin typeface="+mn-ea"/>
+                <a:ea typeface="+mn-ea"/>
+              </a:rPr>
+              <a:t>1</a:t>
+            </a:r>
+            <a:r>
+              <a:rPr lang="zh-CN" altLang="en-US" sz="2400" dirty="0" smtClean="0">
+                <a:latin typeface="+mn-ea"/>
+                <a:ea typeface="+mn-ea"/>
+              </a:rPr>
+              <a:t>、直接创建</a:t>
+            </a:r>
+            <a:r>
+              <a:rPr lang="en-US" altLang="zh-CN" sz="2400" dirty="0" smtClean="0">
+                <a:latin typeface="+mn-ea"/>
+                <a:ea typeface="+mn-ea"/>
+              </a:rPr>
+              <a:t>Service</a:t>
+            </a:r>
+            <a:r>
+              <a:rPr lang="zh-CN" altLang="en-US" sz="2400" dirty="0" smtClean="0">
+                <a:latin typeface="+mn-ea"/>
+                <a:ea typeface="+mn-ea"/>
+              </a:rPr>
+              <a:t>，继承</a:t>
+            </a:r>
+            <a:r>
+              <a:rPr lang="en-US" altLang="zh-CN" sz="2400" dirty="0" smtClean="0">
+                <a:latin typeface="+mn-ea"/>
+                <a:ea typeface="+mn-ea"/>
+              </a:rPr>
+              <a:t>Service</a:t>
+            </a:r>
+            <a:r>
+              <a:rPr lang="zh-CN" altLang="en-US" sz="2400" dirty="0" smtClean="0">
+                <a:latin typeface="+mn-ea"/>
+                <a:ea typeface="+mn-ea"/>
+              </a:rPr>
+              <a:t>，创建成功后，会在</a:t>
+            </a:r>
+            <a:r>
+              <a:rPr lang="en-US" altLang="zh-CN" sz="2400" dirty="0" smtClean="0">
+                <a:latin typeface="+mn-ea"/>
+                <a:ea typeface="+mn-ea"/>
+              </a:rPr>
+              <a:t>AndroidManifest.xml</a:t>
+            </a:r>
+            <a:r>
+              <a:rPr lang="zh-CN" altLang="en-US" sz="2400" dirty="0" smtClean="0">
+                <a:latin typeface="+mn-ea"/>
+                <a:ea typeface="+mn-ea"/>
+              </a:rPr>
+              <a:t>进行注册</a:t>
+            </a:r>
+            <a:endParaRPr lang="en-US" altLang="zh-CN" sz="2400" dirty="0" smtClean="0">
+              <a:latin typeface="+mn-ea"/>
+              <a:ea typeface="+mn-ea"/>
+            </a:endParaRPr>
+          </a:p>
+          <a:p>
+            <a:pPr marL="0" indent="0">
+              <a:buNone/>
+            </a:pPr>
+            <a:r>
+              <a:rPr lang="en-US" altLang="zh-CN" sz="2400" dirty="0" smtClean="0">
+                <a:latin typeface="+mn-ea"/>
+                <a:ea typeface="+mn-ea"/>
+              </a:rPr>
+              <a:t>2</a:t>
+            </a:r>
+            <a:r>
+              <a:rPr lang="zh-CN" altLang="en-US" sz="2400" dirty="0" smtClean="0">
+                <a:latin typeface="+mn-ea"/>
+                <a:ea typeface="+mn-ea"/>
+              </a:rPr>
+              <a:t>、实现以下函数</a:t>
+            </a:r>
+            <a:endParaRPr lang="en-US" altLang="zh-CN" sz="2400" dirty="0" smtClean="0">
+              <a:latin typeface="+mn-ea"/>
+              <a:ea typeface="+mn-ea"/>
+            </a:endParaRPr>
+          </a:p>
+          <a:p>
+            <a:pPr marL="457200" lvl="1" indent="0">
+              <a:buNone/>
+            </a:pPr>
+            <a:r>
+              <a:rPr lang="en-US" altLang="zh-CN" sz="2400" dirty="0">
+                <a:latin typeface="+mn-ea"/>
+                <a:ea typeface="+mn-ea"/>
+              </a:rPr>
+              <a:t>void </a:t>
+            </a:r>
+            <a:r>
+              <a:rPr lang="en-US" altLang="zh-CN" sz="2400" dirty="0" err="1">
+                <a:latin typeface="+mn-ea"/>
+                <a:ea typeface="+mn-ea"/>
+              </a:rPr>
+              <a:t>onCreate</a:t>
+            </a:r>
+            <a:r>
+              <a:rPr lang="en-US" altLang="zh-CN" sz="2400" dirty="0">
+                <a:latin typeface="+mn-ea"/>
+                <a:ea typeface="+mn-ea"/>
+              </a:rPr>
+              <a:t>():</a:t>
+            </a:r>
+            <a:r>
+              <a:rPr lang="zh-CN" altLang="en-US" sz="2400" dirty="0">
+                <a:latin typeface="+mn-ea"/>
+                <a:ea typeface="+mn-ea"/>
+              </a:rPr>
+              <a:t>第一次创建后回调</a:t>
+            </a:r>
+            <a:endParaRPr lang="en-US" altLang="zh-CN" sz="2400" dirty="0">
+              <a:latin typeface="+mn-ea"/>
+              <a:ea typeface="+mn-ea"/>
+            </a:endParaRPr>
+          </a:p>
+          <a:p>
+            <a:pPr marL="457200" lvl="1" indent="0">
+              <a:buNone/>
+            </a:pPr>
+            <a:r>
+              <a:rPr lang="en-US" altLang="zh-CN" sz="2400" dirty="0">
+                <a:latin typeface="+mn-ea"/>
+                <a:ea typeface="+mn-ea"/>
+              </a:rPr>
+              <a:t>void </a:t>
+            </a:r>
+            <a:r>
+              <a:rPr lang="en-US" altLang="zh-CN" sz="2400" dirty="0" err="1">
+                <a:latin typeface="+mn-ea"/>
+                <a:ea typeface="+mn-ea"/>
+              </a:rPr>
+              <a:t>onDestroy</a:t>
+            </a:r>
+            <a:r>
+              <a:rPr lang="en-US" altLang="zh-CN" sz="2400" dirty="0">
+                <a:latin typeface="+mn-ea"/>
+                <a:ea typeface="+mn-ea"/>
+              </a:rPr>
+              <a:t>():</a:t>
+            </a:r>
+            <a:r>
+              <a:rPr lang="zh-CN" altLang="en-US" sz="2400" dirty="0">
+                <a:latin typeface="+mn-ea"/>
+                <a:ea typeface="+mn-ea"/>
+              </a:rPr>
+              <a:t>关闭前回调</a:t>
+            </a:r>
+            <a:endParaRPr lang="en-US" altLang="zh-CN" sz="2400" dirty="0">
+              <a:latin typeface="+mn-ea"/>
+              <a:ea typeface="+mn-ea"/>
+            </a:endParaRPr>
+          </a:p>
+          <a:p>
+            <a:pPr marL="457200" lvl="1" indent="0">
+              <a:buNone/>
+            </a:pPr>
+            <a:r>
+              <a:rPr lang="en-US" altLang="zh-CN" sz="2400" dirty="0">
+                <a:latin typeface="+mn-ea"/>
+                <a:ea typeface="+mn-ea"/>
+              </a:rPr>
+              <a:t>void </a:t>
+            </a:r>
+            <a:r>
+              <a:rPr lang="en-US" altLang="zh-CN" sz="2400" dirty="0" err="1">
+                <a:latin typeface="+mn-ea"/>
+                <a:ea typeface="+mn-ea"/>
+              </a:rPr>
+              <a:t>onStartCommand</a:t>
+            </a:r>
+            <a:r>
+              <a:rPr lang="en-US" altLang="zh-CN" sz="2400" dirty="0">
+                <a:latin typeface="+mn-ea"/>
+                <a:ea typeface="+mn-ea"/>
+              </a:rPr>
+              <a:t>(</a:t>
+            </a:r>
+            <a:r>
+              <a:rPr lang="en-US" altLang="zh-CN" sz="2400" dirty="0" err="1">
+                <a:latin typeface="+mn-ea"/>
+                <a:ea typeface="+mn-ea"/>
+              </a:rPr>
+              <a:t>intent,flags,startID</a:t>
+            </a:r>
+            <a:r>
+              <a:rPr lang="en-US" altLang="zh-CN" sz="2400" dirty="0" smtClean="0">
+                <a:latin typeface="+mn-ea"/>
+                <a:ea typeface="+mn-ea"/>
+              </a:rPr>
+              <a:t>):</a:t>
+            </a:r>
+            <a:r>
+              <a:rPr lang="zh-CN" altLang="en-US" sz="2400" dirty="0" smtClean="0">
+                <a:latin typeface="+mn-ea"/>
+                <a:ea typeface="+mn-ea"/>
+              </a:rPr>
+              <a:t>实现核心业务</a:t>
+            </a:r>
+            <a:endParaRPr lang="en-US" altLang="zh-CN" sz="2400" dirty="0" smtClean="0">
+              <a:latin typeface="+mn-ea"/>
+              <a:ea typeface="+mn-ea"/>
+            </a:endParaRPr>
+          </a:p>
+          <a:p>
+            <a:pPr marL="0" lvl="1" indent="0">
+              <a:buNone/>
+            </a:pPr>
+            <a:r>
+              <a:rPr lang="en-US" altLang="zh-CN" sz="2400" dirty="0">
+                <a:latin typeface="+mn-ea"/>
+                <a:ea typeface="+mn-ea"/>
+              </a:rPr>
+              <a:t>3</a:t>
+            </a:r>
+            <a:r>
+              <a:rPr lang="zh-CN" altLang="en-US" sz="2400" dirty="0">
+                <a:latin typeface="+mn-ea"/>
+                <a:ea typeface="+mn-ea"/>
+              </a:rPr>
+              <a:t>、创建</a:t>
+            </a:r>
+            <a:r>
+              <a:rPr lang="en-US" altLang="zh-CN" sz="2400" dirty="0">
+                <a:latin typeface="+mn-ea"/>
+                <a:ea typeface="+mn-ea"/>
+              </a:rPr>
+              <a:t>Activity</a:t>
+            </a:r>
+            <a:r>
+              <a:rPr lang="zh-CN" altLang="en-US" sz="2400" dirty="0">
+                <a:latin typeface="+mn-ea"/>
+                <a:ea typeface="+mn-ea"/>
+              </a:rPr>
+              <a:t>调用启动</a:t>
+            </a:r>
+            <a:r>
+              <a:rPr lang="en-US" altLang="zh-CN" sz="2400" dirty="0">
+                <a:latin typeface="+mn-ea"/>
+                <a:ea typeface="+mn-ea"/>
+              </a:rPr>
+              <a:t>/</a:t>
+            </a:r>
+            <a:r>
+              <a:rPr lang="zh-CN" altLang="en-US" sz="2400" dirty="0">
+                <a:latin typeface="+mn-ea"/>
+                <a:ea typeface="+mn-ea"/>
+              </a:rPr>
+              <a:t>关闭</a:t>
+            </a:r>
+            <a:r>
+              <a:rPr lang="en-US" altLang="zh-CN" sz="2400" dirty="0" smtClean="0">
+                <a:latin typeface="+mn-ea"/>
+                <a:ea typeface="+mn-ea"/>
+              </a:rPr>
+              <a:t>Service</a:t>
+            </a:r>
+          </a:p>
+          <a:p>
+            <a:pPr marL="400050" lvl="2" indent="0">
+              <a:buNone/>
+            </a:pPr>
+            <a:r>
+              <a:rPr lang="en-US" altLang="zh-CN" dirty="0" err="1">
+                <a:latin typeface="+mn-ea"/>
+                <a:ea typeface="+mn-ea"/>
+              </a:rPr>
+              <a:t>startService</a:t>
+            </a:r>
+            <a:r>
+              <a:rPr lang="en-US" altLang="zh-CN" dirty="0">
+                <a:latin typeface="+mn-ea"/>
+                <a:ea typeface="+mn-ea"/>
+              </a:rPr>
+              <a:t>(intent);</a:t>
+            </a:r>
+          </a:p>
+          <a:p>
+            <a:pPr marL="400050" lvl="2" indent="0">
+              <a:buNone/>
+            </a:pPr>
+            <a:r>
+              <a:rPr lang="en-US" altLang="zh-CN" dirty="0" err="1">
+                <a:latin typeface="+mn-ea"/>
+                <a:ea typeface="+mn-ea"/>
+              </a:rPr>
+              <a:t>stopService</a:t>
+            </a:r>
+            <a:r>
+              <a:rPr lang="en-US" altLang="zh-CN" dirty="0">
+                <a:latin typeface="+mn-ea"/>
+                <a:ea typeface="+mn-ea"/>
+              </a:rPr>
+              <a:t>(intent);</a:t>
+            </a:r>
+          </a:p>
+        </p:txBody>
+      </p:sp>
+      <p:sp>
+        <p:nvSpPr>
           <p:cNvPr id="3" name="标题 2"/>
           <p:cNvSpPr>
             <a:spLocks noGrp="1"/>
@@ -20353,79 +20175,15 @@
                 <a:latin typeface="+mn-ea"/>
                 <a:ea typeface="+mn-ea"/>
               </a:rPr>
-              <a:t>实例</a:t>
+              <a:t>使用</a:t>
             </a:r>
           </a:p>
         </p:txBody>
       </p:sp>
-      <p:pic>
-        <p:nvPicPr>
-          <p:cNvPr id="2050" name="Picture 2"/>
-          <p:cNvPicPr>
-            <a:picLocks noChangeAspect="1" noChangeArrowheads="1"/>
-          </p:cNvPicPr>
-          <p:nvPr/>
-        </p:nvPicPr>
-        <p:blipFill>
-          <a:blip r:embed="rId3">
-            <a:extLst>
-              <a:ext uri="{28A0092B-C50C-407E-A947-70E740481C1C}">
-                <a14:useLocalDpi xmlns:a14="http://schemas.microsoft.com/office/drawing/2010/main" val="0"/>
-              </a:ext>
-            </a:extLst>
-          </a:blip>
-          <a:srcRect/>
-          <a:stretch>
-            <a:fillRect/>
-          </a:stretch>
-        </p:blipFill>
-        <p:spPr bwMode="auto">
-          <a:xfrm>
-            <a:off x="250314" y="951570"/>
-            <a:ext cx="6543157" cy="2646294"/>
-          </a:xfrm>
-          <a:prstGeom prst="rect">
-            <a:avLst/>
-          </a:prstGeom>
-          <a:noFill/>
-          <a:ln>
-            <a:noFill/>
-          </a:ln>
-          <a:effectLst/>
-          <a:extLst>
-            <a:ext uri="{909E8E84-426E-40DD-AFC4-6F175D3DCCD1}">
-              <a14:hiddenFill xmlns:a14="http://schemas.microsoft.com/office/drawing/2010/main">
-                <a:solidFill>
-                  <a:schemeClr val="accent1"/>
-                </a:solidFill>
-              </a14:hiddenFill>
-            </a:ext>
-            <a:ext uri="{91240B29-F687-4F45-9708-019B960494DF}">
-              <a14:hiddenLine xmlns:a14="http://schemas.microsoft.com/office/drawing/2010/main" w="9525">
-                <a:solidFill>
-                  <a:schemeClr val="tx1"/>
-                </a:solidFill>
-                <a:miter lim="800000"/>
-                <a:headEnd/>
-                <a:tailEnd/>
-              </a14:hiddenLine>
-            </a:ext>
-            <a:ext uri="{AF507438-7753-43E0-B8FC-AC1667EBCBE1}">
-              <a14:hiddenEffects xmlns:a14="http://schemas.microsoft.com/office/drawing/2010/main">
-                <a:effectLst>
-                  <a:outerShdw dist="35921" dir="2700000" algn="ctr" rotWithShape="0">
-                    <a:schemeClr val="bg2"/>
-                  </a:outerShdw>
-                </a:effectLst>
-              </a14:hiddenEffects>
-            </a:ext>
-          </a:extLst>
-        </p:spPr>
-      </p:pic>
     </p:spTree>
     <p:extLst>
       <p:ext uri="{BB962C8B-B14F-4D97-AF65-F5344CB8AC3E}">
-        <p14:creationId xmlns:p14="http://schemas.microsoft.com/office/powerpoint/2010/main" val="527317594"/>
+        <p14:creationId xmlns:p14="http://schemas.microsoft.com/office/powerpoint/2010/main" val="1466042866"/>
       </p:ext>
     </p:extLst>
   </p:cSld>
@@ -21188,25 +20946,6 @@
       </p:grpSpPr>
       <p:sp>
         <p:nvSpPr>
-          <p:cNvPr id="2" name="内容占位符 1"/>
-          <p:cNvSpPr>
-            <a:spLocks noGrp="1"/>
-          </p:cNvSpPr>
-          <p:nvPr>
-            <p:ph idx="1"/>
-          </p:nvPr>
-        </p:nvSpPr>
-        <p:spPr/>
-        <p:txBody>
-          <a:bodyPr/>
-          <a:lstStyle/>
-          <a:p>
-            <a:endParaRPr lang="zh-CN" altLang="en-US"/>
-          </a:p>
-        </p:txBody>
-      </p:sp>
-      <p:sp>
-        <p:nvSpPr>
           <p:cNvPr id="3" name="标题 2"/>
           <p:cNvSpPr>
             <a:spLocks noGrp="1"/>
@@ -21248,7 +20987,7 @@
           <p:nvPr/>
         </p:nvPicPr>
         <p:blipFill>
-          <a:blip r:embed="rId2">
+          <a:blip r:embed="rId3">
             <a:extLst>
               <a:ext uri="{28A0092B-C50C-407E-A947-70E740481C1C}">
                 <a14:useLocalDpi xmlns:a14="http://schemas.microsoft.com/office/drawing/2010/main" val="0"/>
@@ -21262,8 +21001,8 @@
         </p:blipFill>
         <p:spPr bwMode="auto">
           <a:xfrm>
-            <a:off x="251520" y="1167594"/>
-            <a:ext cx="8388424" cy="3207544"/>
+            <a:off x="250314" y="951570"/>
+            <a:ext cx="6543157" cy="2646294"/>
           </a:xfrm>
           <a:prstGeom prst="rect">
             <a:avLst/>
@@ -21306,7 +21045,7 @@
     </p:spTree>
     <p:extLst>
       <p:ext uri="{BB962C8B-B14F-4D97-AF65-F5344CB8AC3E}">
-        <p14:creationId xmlns:p14="http://schemas.microsoft.com/office/powerpoint/2010/main" val="424518233"/>
+        <p14:creationId xmlns:p14="http://schemas.microsoft.com/office/powerpoint/2010/main" val="527317594"/>
       </p:ext>
     </p:extLst>
   </p:cSld>
@@ -21350,234 +21089,12 @@
             <p:ph idx="1"/>
           </p:nvPr>
         </p:nvSpPr>
-        <p:spPr>
-          <a:xfrm>
-            <a:off x="467544" y="915566"/>
-            <a:ext cx="8229600" cy="3394472"/>
-          </a:xfrm>
-        </p:spPr>
+        <p:spPr/>
         <p:txBody>
-          <a:bodyPr>
-            <a:noAutofit/>
-          </a:bodyPr>
+          <a:bodyPr/>
           <a:lstStyle/>
           <a:p>
-            <a:pPr marL="514350" indent="-514350">
-              <a:buFont typeface="+mj-lt"/>
-              <a:buAutoNum type="arabicPeriod"/>
-            </a:pPr>
-            <a:r>
-              <a:rPr lang="zh-CN" altLang="zh-CN" sz="2400" dirty="0">
-                <a:latin typeface="+mn-ea"/>
-                <a:ea typeface="+mn-ea"/>
-              </a:rPr>
-              <a:t>服务只被创建一次，可以通过外部调用</a:t>
-            </a:r>
-            <a:r>
-              <a:rPr lang="en-US" altLang="zh-CN" sz="2400" dirty="0" err="1">
-                <a:latin typeface="+mn-ea"/>
-                <a:ea typeface="+mn-ea"/>
-              </a:rPr>
-              <a:t>stopService</a:t>
-            </a:r>
-            <a:r>
-              <a:rPr lang="en-US" altLang="zh-CN" sz="2400" dirty="0">
-                <a:latin typeface="+mn-ea"/>
-                <a:ea typeface="+mn-ea"/>
-              </a:rPr>
-              <a:t>(intent)</a:t>
-            </a:r>
-            <a:r>
-              <a:rPr lang="zh-CN" altLang="zh-CN" sz="2400" dirty="0">
-                <a:latin typeface="+mn-ea"/>
-                <a:ea typeface="+mn-ea"/>
-              </a:rPr>
-              <a:t>或</a:t>
-            </a:r>
-            <a:r>
-              <a:rPr lang="en-US" altLang="zh-CN" sz="2400" dirty="0" err="1">
-                <a:latin typeface="+mn-ea"/>
-                <a:ea typeface="+mn-ea"/>
-              </a:rPr>
-              <a:t>stopSelf</a:t>
-            </a:r>
-            <a:r>
-              <a:rPr lang="en-US" altLang="zh-CN" sz="2400" dirty="0" smtClean="0">
-                <a:latin typeface="+mn-ea"/>
-                <a:ea typeface="+mn-ea"/>
-              </a:rPr>
-              <a:t>()</a:t>
-            </a:r>
-          </a:p>
-          <a:p>
-            <a:pPr marL="514350" indent="-514350">
-              <a:buFont typeface="+mj-lt"/>
-              <a:buAutoNum type="arabicPeriod"/>
-            </a:pPr>
-            <a:r>
-              <a:rPr lang="zh-CN" altLang="zh-CN" sz="2400" dirty="0" smtClean="0">
-                <a:latin typeface="+mn-ea"/>
-                <a:ea typeface="+mn-ea"/>
-              </a:rPr>
-              <a:t>当</a:t>
-            </a:r>
-            <a:r>
-              <a:rPr lang="zh-CN" altLang="zh-CN" sz="2400" dirty="0">
-                <a:latin typeface="+mn-ea"/>
-                <a:ea typeface="+mn-ea"/>
-              </a:rPr>
-              <a:t>执行一个已启动的服务，或直接调用</a:t>
-            </a:r>
-            <a:r>
-              <a:rPr lang="en-US" altLang="zh-CN" sz="2400" dirty="0" err="1">
-                <a:latin typeface="+mn-ea"/>
-                <a:ea typeface="+mn-ea"/>
-              </a:rPr>
-              <a:t>onStartCommand</a:t>
-            </a:r>
-            <a:r>
-              <a:rPr lang="zh-CN" altLang="zh-CN" sz="2400" dirty="0">
-                <a:latin typeface="+mn-ea"/>
-                <a:ea typeface="+mn-ea"/>
-              </a:rPr>
-              <a:t>方法来执行</a:t>
-            </a:r>
-            <a:r>
-              <a:rPr lang="zh-CN" altLang="zh-CN" sz="2400" dirty="0" smtClean="0">
-                <a:latin typeface="+mn-ea"/>
-                <a:ea typeface="+mn-ea"/>
-              </a:rPr>
-              <a:t>业务</a:t>
-            </a:r>
-            <a:endParaRPr lang="en-US" altLang="zh-CN" sz="2400" dirty="0" smtClean="0">
-              <a:latin typeface="+mn-ea"/>
-              <a:ea typeface="+mn-ea"/>
-            </a:endParaRPr>
-          </a:p>
-          <a:p>
-            <a:pPr marL="514350" indent="-514350">
-              <a:buFont typeface="+mj-lt"/>
-              <a:buAutoNum type="arabicPeriod"/>
-            </a:pPr>
-            <a:r>
-              <a:rPr lang="zh-CN" altLang="zh-CN" sz="2400" dirty="0" smtClean="0">
-                <a:latin typeface="+mn-ea"/>
-                <a:ea typeface="+mn-ea"/>
-              </a:rPr>
-              <a:t>默认</a:t>
-            </a:r>
-            <a:r>
-              <a:rPr lang="zh-CN" altLang="zh-CN" sz="2400" dirty="0">
-                <a:latin typeface="+mn-ea"/>
-                <a:ea typeface="+mn-ea"/>
-              </a:rPr>
-              <a:t>情况下服务与主线程在同一个进程中的同一</a:t>
-            </a:r>
-            <a:r>
-              <a:rPr lang="zh-CN" altLang="zh-CN" sz="2400" dirty="0" smtClean="0">
-                <a:latin typeface="+mn-ea"/>
-                <a:ea typeface="+mn-ea"/>
-              </a:rPr>
-              <a:t>个</a:t>
-            </a:r>
-            <a:r>
-              <a:rPr lang="zh-CN" altLang="en-US" sz="2400" dirty="0">
-                <a:latin typeface="+mn-ea"/>
-                <a:ea typeface="+mn-ea"/>
-              </a:rPr>
-              <a:t>线程</a:t>
-            </a:r>
-            <a:r>
-              <a:rPr lang="zh-CN" altLang="zh-CN" sz="2400" dirty="0" smtClean="0">
-                <a:latin typeface="+mn-ea"/>
-                <a:ea typeface="+mn-ea"/>
-              </a:rPr>
-              <a:t>中</a:t>
-            </a:r>
-            <a:r>
-              <a:rPr lang="zh-CN" altLang="zh-CN" sz="2400" dirty="0">
-                <a:latin typeface="+mn-ea"/>
-                <a:ea typeface="+mn-ea"/>
-              </a:rPr>
-              <a:t>执行，如果服务执行一个比较耗时的操作，我们必须使用</a:t>
-            </a:r>
-            <a:r>
-              <a:rPr lang="zh-CN" altLang="zh-CN" sz="2400" dirty="0" smtClean="0">
-                <a:latin typeface="+mn-ea"/>
-                <a:ea typeface="+mn-ea"/>
-              </a:rPr>
-              <a:t>子</a:t>
-            </a:r>
-            <a:r>
-              <a:rPr lang="zh-CN" altLang="en-US" sz="2400" dirty="0" smtClean="0">
-                <a:latin typeface="+mn-ea"/>
-                <a:ea typeface="+mn-ea"/>
-              </a:rPr>
-              <a:t>线</a:t>
-            </a:r>
-            <a:r>
-              <a:rPr lang="zh-CN" altLang="zh-CN" sz="2400" dirty="0" smtClean="0">
-                <a:latin typeface="+mn-ea"/>
-                <a:ea typeface="+mn-ea"/>
-              </a:rPr>
-              <a:t>程</a:t>
-            </a:r>
-            <a:r>
-              <a:rPr lang="zh-CN" altLang="zh-CN" sz="2400" dirty="0">
-                <a:latin typeface="+mn-ea"/>
-                <a:ea typeface="+mn-ea"/>
-              </a:rPr>
-              <a:t>来完成工作，避免阻塞主</a:t>
-            </a:r>
-            <a:r>
-              <a:rPr lang="zh-CN" altLang="zh-CN" sz="2400" dirty="0" smtClean="0">
-                <a:latin typeface="+mn-ea"/>
-                <a:ea typeface="+mn-ea"/>
-              </a:rPr>
-              <a:t>线程</a:t>
-            </a:r>
-            <a:endParaRPr lang="en-US" altLang="zh-CN" sz="2400" dirty="0" smtClean="0">
-              <a:latin typeface="+mn-ea"/>
-              <a:ea typeface="+mn-ea"/>
-            </a:endParaRPr>
-          </a:p>
-          <a:p>
-            <a:pPr marL="514350" indent="-514350">
-              <a:buFont typeface="+mj-lt"/>
-              <a:buAutoNum type="arabicPeriod"/>
-            </a:pPr>
-            <a:r>
-              <a:rPr lang="zh-CN" altLang="zh-CN" sz="2400" dirty="0" smtClean="0">
-                <a:latin typeface="+mn-ea"/>
-                <a:ea typeface="+mn-ea"/>
-              </a:rPr>
-              <a:t>使用</a:t>
-            </a:r>
-            <a:r>
-              <a:rPr lang="en-US" altLang="zh-CN" sz="2400" dirty="0" err="1">
-                <a:latin typeface="+mn-ea"/>
-                <a:ea typeface="+mn-ea"/>
-              </a:rPr>
-              <a:t>startService</a:t>
-            </a:r>
-            <a:r>
-              <a:rPr lang="en-US" altLang="zh-CN" sz="2400" dirty="0">
-                <a:latin typeface="+mn-ea"/>
-                <a:ea typeface="+mn-ea"/>
-              </a:rPr>
-              <a:t>(intent);</a:t>
-            </a:r>
-            <a:r>
-              <a:rPr lang="zh-CN" altLang="zh-CN" sz="2400" dirty="0">
-                <a:latin typeface="+mn-ea"/>
-                <a:ea typeface="+mn-ea"/>
-              </a:rPr>
-              <a:t>启动的服务，在没有关闭之前会一直在后台运行</a:t>
-            </a:r>
-            <a:endParaRPr lang="zh-CN" altLang="en-US" sz="2400" dirty="0">
-              <a:latin typeface="+mn-ea"/>
-              <a:ea typeface="+mn-ea"/>
-            </a:endParaRPr>
+            <a:endParaRPr lang="zh-CN" altLang="en-US"/>
           </a:p>
         </p:txBody>
       </p:sp>
@@ -21594,35 +21111,95 @@
         <p:spPr/>
         <p:txBody>
           <a:bodyPr>
-            <a:noAutofit/>
+            <a:normAutofit fontScale="90000"/>
           </a:bodyPr>
           <a:lstStyle/>
           <a:p>
             <a:r>
-              <a:rPr lang="en-US" altLang="zh-CN" sz="3600" dirty="0">
+              <a:rPr lang="en-US" altLang="zh-CN" dirty="0">
                 <a:latin typeface="+mn-ea"/>
                 <a:ea typeface="+mn-ea"/>
               </a:rPr>
               <a:t>Service</a:t>
             </a:r>
             <a:r>
-              <a:rPr lang="zh-CN" altLang="en-US" sz="3600" dirty="0">
-                <a:latin typeface="+mn-ea"/>
-                <a:ea typeface="+mn-ea"/>
-              </a:rPr>
-              <a:t>总结</a:t>
-            </a:r>
-            <a:endParaRPr lang="zh-CN" altLang="en-US" sz="3600" dirty="0">
-              <a:latin typeface="+mn-ea"/>
-              <a:ea typeface="+mn-ea"/>
-            </a:endParaRPr>
+              <a:rPr lang="zh-CN" altLang="en-US" dirty="0">
+                <a:latin typeface="+mn-ea"/>
+                <a:ea typeface="+mn-ea"/>
+              </a:rPr>
+              <a:t>实例</a:t>
+            </a:r>
           </a:p>
         </p:txBody>
       </p:sp>
+      <p:pic>
+        <p:nvPicPr>
+          <p:cNvPr id="2050" name="Picture 2"/>
+          <p:cNvPicPr>
+            <a:picLocks noChangeAspect="1" noChangeArrowheads="1"/>
+          </p:cNvPicPr>
+          <p:nvPr/>
+        </p:nvPicPr>
+        <p:blipFill>
+          <a:blip r:embed="rId2">
+            <a:extLst>
+              <a:ext uri="{28A0092B-C50C-407E-A947-70E740481C1C}">
+                <a14:useLocalDpi xmlns:a14="http://schemas.microsoft.com/office/drawing/2010/main" val="0"/>
+              </a:ext>
+            </a:extLst>
+          </a:blip>
+          <a:srcRect/>
+          <a:stretch>
+            <a:fillRect/>
+          </a:stretch>
+        </p:blipFill>
+        <p:spPr bwMode="auto">
+          <a:xfrm>
+            <a:off x="251520" y="1167594"/>
+            <a:ext cx="8388424" cy="3207544"/>
+          </a:xfrm>
+          <a:prstGeom prst="rect">
+            <a:avLst/>
+          </a:prstGeom>
+          <a:noFill/>
+          <a:ln>
+            <a:noFill/>
+          </a:ln>
+          <a:effectLst/>
+          <a:extLst>
+            <a:ext uri="{909E8E84-426E-40DD-AFC4-6F175D3DCCD1}">
+              <a14:hiddenFill xmlns:a14="http://schemas.microsoft.com/office/drawing/2010/main">
+                <a:solidFill>
+                  <a:schemeClr val="accent1"/>
+                </a:solidFill>
+              </a14:hiddenFill>
+            </a:ext>
+            <a:ext uri="{91240B29-F687-4F45-9708-019B960494DF}">
+              <a14:hiddenLine xmlns:a14="http://schemas.microsoft.com/office/drawing/2010/main" w="9525">
+                <a:solidFill>
+                  <a:schemeClr val="tx1"/>
+                </a:solidFill>
+                <a:miter lim="800000"/>
+                <a:headEnd/>
+                <a:tailEnd/>
+              </a14:hiddenLine>
+            </a:ext>
+            <a:ext uri="{AF507438-7753-43E0-B8FC-AC1667EBCBE1}">
+              <a14:hiddenEffects xmlns:a14="http://schemas.microsoft.com/office/drawing/2010/main">
+                <a:effectLst>
+                  <a:outerShdw dist="35921" dir="2700000" algn="ctr" rotWithShape="0">
+                    <a:schemeClr val="bg2"/>
+                  </a:outerShdw>
+                </a:effectLst>
+              </a14:hiddenEffects>
+            </a:ext>
+          </a:extLst>
+        </p:spPr>
+      </p:pic>
     </p:spTree>
     <p:extLst>
       <p:ext uri="{BB962C8B-B14F-4D97-AF65-F5344CB8AC3E}">
-        <p14:creationId xmlns:p14="http://schemas.microsoft.com/office/powerpoint/2010/main" val="2483901846"/>
+        <p14:creationId xmlns:p14="http://schemas.microsoft.com/office/powerpoint/2010/main" val="424518233"/>
       </p:ext>
     </p:extLst>
   </p:cSld>
@@ -21658,6 +21235,318 @@
       </p:grpSpPr>
       <p:sp>
         <p:nvSpPr>
+          <p:cNvPr id="2" name="内容占位符 1"/>
+          <p:cNvSpPr>
+            <a:spLocks noGrp="1"/>
+          </p:cNvSpPr>
+          <p:nvPr>
+            <p:ph idx="1"/>
+          </p:nvPr>
+        </p:nvSpPr>
+        <p:spPr>
+          <a:xfrm>
+            <a:off x="467544" y="915566"/>
+            <a:ext cx="8229600" cy="3394472"/>
+          </a:xfrm>
+        </p:spPr>
+        <p:txBody>
+          <a:bodyPr>
+            <a:noAutofit/>
+          </a:bodyPr>
+          <a:lstStyle/>
+          <a:p>
+            <a:pPr marL="514350" indent="-514350">
+              <a:buFont typeface="+mj-lt"/>
+              <a:buAutoNum type="arabicPeriod"/>
+            </a:pPr>
+            <a:r>
+              <a:rPr lang="zh-CN" altLang="zh-CN" sz="2400" dirty="0">
+                <a:latin typeface="+mn-ea"/>
+                <a:ea typeface="+mn-ea"/>
+              </a:rPr>
+              <a:t>服务只被创建一次，可以通过外部调用</a:t>
+            </a:r>
+            <a:r>
+              <a:rPr lang="en-US" altLang="zh-CN" sz="2400" dirty="0" err="1">
+                <a:latin typeface="+mn-ea"/>
+                <a:ea typeface="+mn-ea"/>
+              </a:rPr>
+              <a:t>stopService</a:t>
+            </a:r>
+            <a:r>
+              <a:rPr lang="en-US" altLang="zh-CN" sz="2400" dirty="0">
+                <a:latin typeface="+mn-ea"/>
+                <a:ea typeface="+mn-ea"/>
+              </a:rPr>
+              <a:t>(intent)</a:t>
+            </a:r>
+            <a:r>
+              <a:rPr lang="zh-CN" altLang="zh-CN" sz="2400" dirty="0">
+                <a:latin typeface="+mn-ea"/>
+                <a:ea typeface="+mn-ea"/>
+              </a:rPr>
+              <a:t>或</a:t>
+            </a:r>
+            <a:r>
+              <a:rPr lang="en-US" altLang="zh-CN" sz="2400" dirty="0" err="1">
+                <a:latin typeface="+mn-ea"/>
+                <a:ea typeface="+mn-ea"/>
+              </a:rPr>
+              <a:t>stopSelf</a:t>
+            </a:r>
+            <a:r>
+              <a:rPr lang="en-US" altLang="zh-CN" sz="2400" dirty="0" smtClean="0">
+                <a:latin typeface="+mn-ea"/>
+                <a:ea typeface="+mn-ea"/>
+              </a:rPr>
+              <a:t>()</a:t>
+            </a:r>
+          </a:p>
+          <a:p>
+            <a:pPr marL="514350" indent="-514350">
+              <a:buFont typeface="+mj-lt"/>
+              <a:buAutoNum type="arabicPeriod"/>
+            </a:pPr>
+            <a:r>
+              <a:rPr lang="zh-CN" altLang="zh-CN" sz="2400" dirty="0" smtClean="0">
+                <a:latin typeface="+mn-ea"/>
+                <a:ea typeface="+mn-ea"/>
+              </a:rPr>
+              <a:t>当</a:t>
+            </a:r>
+            <a:r>
+              <a:rPr lang="zh-CN" altLang="zh-CN" sz="2400" dirty="0">
+                <a:latin typeface="+mn-ea"/>
+                <a:ea typeface="+mn-ea"/>
+              </a:rPr>
+              <a:t>执行一个已启动的服务，或直接调用</a:t>
+            </a:r>
+            <a:r>
+              <a:rPr lang="en-US" altLang="zh-CN" sz="2400" dirty="0" err="1">
+                <a:latin typeface="+mn-ea"/>
+                <a:ea typeface="+mn-ea"/>
+              </a:rPr>
+              <a:t>onStartCommand</a:t>
+            </a:r>
+            <a:r>
+              <a:rPr lang="zh-CN" altLang="zh-CN" sz="2400" dirty="0">
+                <a:latin typeface="+mn-ea"/>
+                <a:ea typeface="+mn-ea"/>
+              </a:rPr>
+              <a:t>方法来执行</a:t>
+            </a:r>
+            <a:r>
+              <a:rPr lang="zh-CN" altLang="zh-CN" sz="2400" dirty="0" smtClean="0">
+                <a:latin typeface="+mn-ea"/>
+                <a:ea typeface="+mn-ea"/>
+              </a:rPr>
+              <a:t>业务</a:t>
+            </a:r>
+            <a:endParaRPr lang="en-US" altLang="zh-CN" sz="2400" dirty="0" smtClean="0">
+              <a:latin typeface="+mn-ea"/>
+              <a:ea typeface="+mn-ea"/>
+            </a:endParaRPr>
+          </a:p>
+          <a:p>
+            <a:pPr marL="514350" indent="-514350">
+              <a:buFont typeface="+mj-lt"/>
+              <a:buAutoNum type="arabicPeriod"/>
+            </a:pPr>
+            <a:r>
+              <a:rPr lang="zh-CN" altLang="zh-CN" sz="2400" dirty="0" smtClean="0">
+                <a:latin typeface="+mn-ea"/>
+                <a:ea typeface="+mn-ea"/>
+              </a:rPr>
+              <a:t>默认</a:t>
+            </a:r>
+            <a:r>
+              <a:rPr lang="zh-CN" altLang="zh-CN" sz="2400" dirty="0">
+                <a:latin typeface="+mn-ea"/>
+                <a:ea typeface="+mn-ea"/>
+              </a:rPr>
+              <a:t>情况下服务与主线程在同一个进程中的同一</a:t>
+            </a:r>
+            <a:r>
+              <a:rPr lang="zh-CN" altLang="zh-CN" sz="2400" dirty="0" smtClean="0">
+                <a:latin typeface="+mn-ea"/>
+                <a:ea typeface="+mn-ea"/>
+              </a:rPr>
+              <a:t>个</a:t>
+            </a:r>
+            <a:r>
+              <a:rPr lang="zh-CN" altLang="en-US" sz="2400" dirty="0">
+                <a:latin typeface="+mn-ea"/>
+                <a:ea typeface="+mn-ea"/>
+              </a:rPr>
+              <a:t>线程</a:t>
+            </a:r>
+            <a:r>
+              <a:rPr lang="zh-CN" altLang="zh-CN" sz="2400" dirty="0" smtClean="0">
+                <a:latin typeface="+mn-ea"/>
+                <a:ea typeface="+mn-ea"/>
+              </a:rPr>
+              <a:t>中</a:t>
+            </a:r>
+            <a:r>
+              <a:rPr lang="zh-CN" altLang="zh-CN" sz="2400" dirty="0">
+                <a:latin typeface="+mn-ea"/>
+                <a:ea typeface="+mn-ea"/>
+              </a:rPr>
+              <a:t>执行，如果服务执行一个比较耗时的操作，我们必须使用</a:t>
+            </a:r>
+            <a:r>
+              <a:rPr lang="zh-CN" altLang="zh-CN" sz="2400" dirty="0" smtClean="0">
+                <a:latin typeface="+mn-ea"/>
+                <a:ea typeface="+mn-ea"/>
+              </a:rPr>
+              <a:t>子</a:t>
+            </a:r>
+            <a:r>
+              <a:rPr lang="zh-CN" altLang="en-US" sz="2400" dirty="0" smtClean="0">
+                <a:latin typeface="+mn-ea"/>
+                <a:ea typeface="+mn-ea"/>
+              </a:rPr>
+              <a:t>线</a:t>
+            </a:r>
+            <a:r>
+              <a:rPr lang="zh-CN" altLang="zh-CN" sz="2400" dirty="0" smtClean="0">
+                <a:latin typeface="+mn-ea"/>
+                <a:ea typeface="+mn-ea"/>
+              </a:rPr>
+              <a:t>程</a:t>
+            </a:r>
+            <a:r>
+              <a:rPr lang="zh-CN" altLang="zh-CN" sz="2400" dirty="0">
+                <a:latin typeface="+mn-ea"/>
+                <a:ea typeface="+mn-ea"/>
+              </a:rPr>
+              <a:t>来完成工作，避免阻塞主</a:t>
+            </a:r>
+            <a:r>
+              <a:rPr lang="zh-CN" altLang="zh-CN" sz="2400" dirty="0" smtClean="0">
+                <a:latin typeface="+mn-ea"/>
+                <a:ea typeface="+mn-ea"/>
+              </a:rPr>
+              <a:t>线程</a:t>
+            </a:r>
+            <a:endParaRPr lang="en-US" altLang="zh-CN" sz="2400" dirty="0" smtClean="0">
+              <a:latin typeface="+mn-ea"/>
+              <a:ea typeface="+mn-ea"/>
+            </a:endParaRPr>
+          </a:p>
+          <a:p>
+            <a:pPr marL="514350" indent="-514350">
+              <a:buFont typeface="+mj-lt"/>
+              <a:buAutoNum type="arabicPeriod"/>
+            </a:pPr>
+            <a:r>
+              <a:rPr lang="zh-CN" altLang="zh-CN" sz="2400" dirty="0" smtClean="0">
+                <a:latin typeface="+mn-ea"/>
+                <a:ea typeface="+mn-ea"/>
+              </a:rPr>
+              <a:t>使用</a:t>
+            </a:r>
+            <a:r>
+              <a:rPr lang="en-US" altLang="zh-CN" sz="2400" dirty="0" err="1">
+                <a:latin typeface="+mn-ea"/>
+                <a:ea typeface="+mn-ea"/>
+              </a:rPr>
+              <a:t>startService</a:t>
+            </a:r>
+            <a:r>
+              <a:rPr lang="en-US" altLang="zh-CN" sz="2400" dirty="0">
+                <a:latin typeface="+mn-ea"/>
+                <a:ea typeface="+mn-ea"/>
+              </a:rPr>
+              <a:t>(intent);</a:t>
+            </a:r>
+            <a:r>
+              <a:rPr lang="zh-CN" altLang="zh-CN" sz="2400" dirty="0">
+                <a:latin typeface="+mn-ea"/>
+                <a:ea typeface="+mn-ea"/>
+              </a:rPr>
+              <a:t>启动的服务，在没有关闭之前会一直在后台运行</a:t>
+            </a:r>
+            <a:endParaRPr lang="zh-CN" altLang="en-US" sz="2400" dirty="0">
+              <a:latin typeface="+mn-ea"/>
+              <a:ea typeface="+mn-ea"/>
+            </a:endParaRPr>
+          </a:p>
+        </p:txBody>
+      </p:sp>
+      <p:sp>
+        <p:nvSpPr>
+          <p:cNvPr id="3" name="标题 2"/>
+          <p:cNvSpPr>
+            <a:spLocks noGrp="1"/>
+          </p:cNvSpPr>
+          <p:nvPr>
+            <p:ph type="title"/>
+          </p:nvPr>
+        </p:nvSpPr>
+        <p:spPr/>
+        <p:txBody>
+          <a:bodyPr>
+            <a:noAutofit/>
+          </a:bodyPr>
+          <a:lstStyle/>
+          <a:p>
+            <a:r>
+              <a:rPr lang="en-US" altLang="zh-CN" sz="3600" dirty="0">
+                <a:latin typeface="+mn-ea"/>
+                <a:ea typeface="+mn-ea"/>
+              </a:rPr>
+              <a:t>Service</a:t>
+            </a:r>
+            <a:r>
+              <a:rPr lang="zh-CN" altLang="en-US" sz="3600" dirty="0">
+                <a:latin typeface="+mn-ea"/>
+                <a:ea typeface="+mn-ea"/>
+              </a:rPr>
+              <a:t>总结</a:t>
+            </a:r>
+          </a:p>
+        </p:txBody>
+      </p:sp>
+    </p:spTree>
+    <p:extLst>
+      <p:ext uri="{BB962C8B-B14F-4D97-AF65-F5344CB8AC3E}">
+        <p14:creationId xmlns:p14="http://schemas.microsoft.com/office/powerpoint/2010/main" val="2483901846"/>
+      </p:ext>
+    </p:extLst>
+  </p:cSld>
+  <p:clrMapOvr>
+    <a:masterClrMapping/>
+  </p:clrMapOvr>
+  <p:timing>
+    <p:tnLst>
+      <p:par>
+        <p:cTn id="1" dur="indefinite" restart="never" nodeType="tmRoot"/>
+      </p:par>
+    </p:tnLst>
+  </p:timing>
+</p:sld>
+</file>
+
+<file path=ppt/slides/slide33.xml><?xml version="1.0" encoding="utf-8"?>
+<p:sld xmlns:a="http://schemas.openxmlformats.org/drawingml/2006/main" xmlns:r="http://schemas.openxmlformats.org/officeDocument/2006/relationships" xmlns:p="http://schemas.openxmlformats.org/presentationml/2006/main">
+  <p:cSld>
+    <p:spTree>
+      <p:nvGrpSpPr>
+        <p:cNvPr id="1" name=""/>
+        <p:cNvGrpSpPr/>
+        <p:nvPr/>
+      </p:nvGrpSpPr>
+      <p:grpSpPr>
+        <a:xfrm>
+          <a:off x="0" y="0"/>
+          <a:ext cx="0" cy="0"/>
+          <a:chOff x="0" y="0"/>
+          <a:chExt cx="0" cy="0"/>
+        </a:xfrm>
+      </p:grpSpPr>
+      <p:sp>
+        <p:nvSpPr>
           <p:cNvPr id="3" name="内容占位符 2"/>
           <p:cNvSpPr>
             <a:spLocks noGrp="1"/>
@@ -21870,7 +21759,7 @@
 </p:sld>
 </file>
 
-<file path=ppt/slides/slide33.xml><?xml version="1.0" encoding="utf-8"?>
+<file path=ppt/slides/slide34.xml><?xml version="1.0" encoding="utf-8"?>
 <p:sld xmlns:a="http://schemas.openxmlformats.org/drawingml/2006/main" xmlns:r="http://schemas.openxmlformats.org/officeDocument/2006/relationships" xmlns:p="http://schemas.openxmlformats.org/presentationml/2006/main">
   <p:cSld>
     <p:spTree>
@@ -22042,7 +21931,7 @@
 </p:sld>
 </file>
 
-<file path=ppt/slides/slide34.xml><?xml version="1.0" encoding="utf-8"?>
+<file path=ppt/slides/slide35.xml><?xml version="1.0" encoding="utf-8"?>
 <p:sld xmlns:a="http://schemas.openxmlformats.org/drawingml/2006/main" xmlns:r="http://schemas.openxmlformats.org/officeDocument/2006/relationships" xmlns:p="http://schemas.openxmlformats.org/presentationml/2006/main">
   <p:cSld>
     <p:spTree>
@@ -22447,7 +22336,7 @@
 </p:sld>
 </file>
 
-<file path=ppt/slides/slide35.xml><?xml version="1.0" encoding="utf-8"?>
+<file path=ppt/slides/slide36.xml><?xml version="1.0" encoding="utf-8"?>
 <p:sld xmlns:a="http://schemas.openxmlformats.org/drawingml/2006/main" xmlns:r="http://schemas.openxmlformats.org/officeDocument/2006/relationships" xmlns:p="http://schemas.openxmlformats.org/presentationml/2006/main">
   <p:cSld>
     <p:spTree>
@@ -22709,7 +22598,7 @@
 </p:sld>
 </file>
 
-<file path=ppt/slides/slide36.xml><?xml version="1.0" encoding="utf-8"?>
+<file path=ppt/slides/slide37.xml><?xml version="1.0" encoding="utf-8"?>
 <p:sld xmlns:a="http://schemas.openxmlformats.org/drawingml/2006/main" xmlns:r="http://schemas.openxmlformats.org/officeDocument/2006/relationships" xmlns:p="http://schemas.openxmlformats.org/presentationml/2006/main">
   <p:cSld>
     <p:spTree>
@@ -23005,7 +22894,7 @@
 </p:sld>
 </file>
 
-<file path=ppt/slides/slide37.xml><?xml version="1.0" encoding="utf-8"?>
+<file path=ppt/slides/slide38.xml><?xml version="1.0" encoding="utf-8"?>
 <p:sld xmlns:a="http://schemas.openxmlformats.org/drawingml/2006/main" xmlns:r="http://schemas.openxmlformats.org/officeDocument/2006/relationships" xmlns:p="http://schemas.openxmlformats.org/presentationml/2006/main">
   <p:cSld>
     <p:spTree>
@@ -23305,7 +23194,7 @@
 </p:sld>
 </file>
 
-<file path=ppt/slides/slide38.xml><?xml version="1.0" encoding="utf-8"?>
+<file path=ppt/slides/slide39.xml><?xml version="1.0" encoding="utf-8"?>
 <p:sld xmlns:a="http://schemas.openxmlformats.org/drawingml/2006/main" xmlns:r="http://schemas.openxmlformats.org/officeDocument/2006/relationships" xmlns:p="http://schemas.openxmlformats.org/presentationml/2006/main">
   <p:cSld>
     <p:spTree>
@@ -23568,260 +23457,6 @@
 </p:sld>
 </file>
 
-<file path=ppt/slides/slide39.xml><?xml version="1.0" encoding="utf-8"?>
-<p:sld xmlns:a="http://schemas.openxmlformats.org/drawingml/2006/main" xmlns:r="http://schemas.openxmlformats.org/officeDocument/2006/relationships" xmlns:p="http://schemas.openxmlformats.org/presentationml/2006/main">
-  <p:cSld>
-    <p:spTree>
-      <p:nvGrpSpPr>
-        <p:cNvPr id="1" name=""/>
-        <p:cNvGrpSpPr/>
-        <p:nvPr/>
-      </p:nvGrpSpPr>
-      <p:grpSpPr>
-        <a:xfrm>
-          <a:off x="0" y="0"/>
-          <a:ext cx="0" cy="0"/>
-          <a:chOff x="0" y="0"/>
-          <a:chExt cx="0" cy="0"/>
-        </a:xfrm>
-      </p:grpSpPr>
-      <p:sp>
-        <p:nvSpPr>
-          <p:cNvPr id="2" name="内容占位符 1"/>
-          <p:cNvSpPr>
-            <a:spLocks noGrp="1"/>
-          </p:cNvSpPr>
-          <p:nvPr>
-            <p:ph idx="1"/>
-          </p:nvPr>
-        </p:nvSpPr>
-        <p:spPr>
-          <a:xfrm>
-            <a:off x="251520" y="987574"/>
-            <a:ext cx="8229600" cy="3394472"/>
-          </a:xfrm>
-        </p:spPr>
-        <p:txBody>
-          <a:bodyPr>
-            <a:normAutofit fontScale="85000" lnSpcReduction="20000"/>
-          </a:bodyPr>
-          <a:lstStyle/>
-          <a:p>
-            <a:pPr>
-              <a:lnSpc>
-                <a:spcPct val="150000"/>
-              </a:lnSpc>
-            </a:pPr>
-            <a:r>
-              <a:rPr lang="en-US" altLang="zh-CN" dirty="0">
-                <a:latin typeface="+mn-ea"/>
-                <a:ea typeface="+mn-ea"/>
-              </a:rPr>
-              <a:t>BroadcastReceiver</a:t>
-            </a:r>
-            <a:r>
-              <a:rPr lang="zh-CN" altLang="en-US" dirty="0">
-                <a:latin typeface="+mn-ea"/>
-                <a:ea typeface="+mn-ea"/>
-              </a:rPr>
-              <a:t>生命周期只有十秒左右，如果在</a:t>
-            </a:r>
-            <a:r>
-              <a:rPr lang="en-US" altLang="zh-CN" dirty="0" err="1">
-                <a:latin typeface="+mn-ea"/>
-                <a:ea typeface="+mn-ea"/>
-              </a:rPr>
-              <a:t>onReceive</a:t>
-            </a:r>
-            <a:r>
-              <a:rPr lang="zh-CN" altLang="en-US" dirty="0">
-                <a:latin typeface="+mn-ea"/>
-                <a:ea typeface="+mn-ea"/>
-              </a:rPr>
-              <a:t>内做超过</a:t>
-            </a:r>
-            <a:r>
-              <a:rPr lang="en-US" altLang="zh-CN" dirty="0">
-                <a:latin typeface="+mn-ea"/>
-                <a:ea typeface="+mn-ea"/>
-              </a:rPr>
-              <a:t>10</a:t>
-            </a:r>
-            <a:r>
-              <a:rPr lang="zh-CN" altLang="en-US" dirty="0">
-                <a:latin typeface="+mn-ea"/>
-                <a:ea typeface="+mn-ea"/>
-              </a:rPr>
-              <a:t>秒内的事情，就会报</a:t>
-            </a:r>
-            <a:r>
-              <a:rPr lang="en-US" altLang="zh-CN" dirty="0" err="1">
-                <a:latin typeface="+mn-ea"/>
-                <a:ea typeface="+mn-ea"/>
-              </a:rPr>
-              <a:t>ANR</a:t>
-            </a:r>
-            <a:r>
-              <a:rPr lang="zh-CN" altLang="en-US" dirty="0">
-                <a:latin typeface="+mn-ea"/>
-                <a:ea typeface="+mn-ea"/>
-              </a:rPr>
-              <a:t>（无响应）的错误信息</a:t>
-            </a:r>
-            <a:r>
-              <a:rPr lang="zh-CN" altLang="en-US" dirty="0" smtClean="0">
-                <a:latin typeface="+mn-ea"/>
-                <a:ea typeface="+mn-ea"/>
-              </a:rPr>
-              <a:t>。</a:t>
-            </a:r>
-            <a:endParaRPr lang="en-US" altLang="zh-CN" dirty="0" smtClean="0">
-              <a:latin typeface="+mn-ea"/>
-              <a:ea typeface="+mn-ea"/>
-            </a:endParaRPr>
-          </a:p>
-          <a:p>
-            <a:pPr marL="342900" lvl="1" indent="-342900">
-              <a:lnSpc>
-                <a:spcPct val="150000"/>
-              </a:lnSpc>
-              <a:buFont typeface="Arial" pitchFamily="34" charset="0"/>
-              <a:buChar char="•"/>
-            </a:pPr>
-            <a:r>
-              <a:rPr lang="en-US" altLang="zh-CN" sz="3200" dirty="0" err="1">
-                <a:latin typeface="+mn-ea"/>
-                <a:ea typeface="+mn-ea"/>
-              </a:rPr>
-              <a:t>onReceive</a:t>
-            </a:r>
-            <a:r>
-              <a:rPr lang="zh-CN" altLang="en-US" sz="3200" dirty="0">
-                <a:latin typeface="+mn-ea"/>
-                <a:ea typeface="+mn-ea"/>
-              </a:rPr>
-              <a:t>方法中</a:t>
-            </a:r>
-            <a:r>
-              <a:rPr lang="zh-CN" altLang="en-US" sz="3200" dirty="0">
-                <a:solidFill>
-                  <a:srgbClr val="FF0000"/>
-                </a:solidFill>
-                <a:latin typeface="+mn-ea"/>
-                <a:ea typeface="+mn-ea"/>
-              </a:rPr>
-              <a:t>不能加入比较耗时</a:t>
-            </a:r>
-            <a:r>
-              <a:rPr lang="zh-CN" altLang="en-US" sz="3200" dirty="0">
-                <a:latin typeface="+mn-ea"/>
-                <a:ea typeface="+mn-ea"/>
-              </a:rPr>
-              <a:t>的操作，否则系统会认为程序无响应，如果一定要执行耗时的操作的话，一般通过</a:t>
-            </a:r>
-            <a:r>
-              <a:rPr lang="en-US" altLang="zh-CN" sz="3200" dirty="0">
-                <a:latin typeface="+mn-ea"/>
-                <a:ea typeface="+mn-ea"/>
-              </a:rPr>
-              <a:t>Intent</a:t>
-            </a:r>
-            <a:r>
-              <a:rPr lang="zh-CN" altLang="en-US" sz="3200" dirty="0">
-                <a:latin typeface="+mn-ea"/>
-                <a:ea typeface="+mn-ea"/>
-              </a:rPr>
-              <a:t>启动一个</a:t>
-            </a:r>
-            <a:r>
-              <a:rPr lang="en-US" altLang="zh-CN" sz="3200" dirty="0">
-                <a:latin typeface="+mn-ea"/>
-                <a:ea typeface="+mn-ea"/>
-              </a:rPr>
-              <a:t>Service</a:t>
-            </a:r>
-            <a:r>
-              <a:rPr lang="zh-CN" altLang="en-US" sz="3200" dirty="0">
-                <a:latin typeface="+mn-ea"/>
-                <a:ea typeface="+mn-ea"/>
-              </a:rPr>
-              <a:t>来完成</a:t>
-            </a:r>
-            <a:r>
-              <a:rPr lang="zh-CN" altLang="en-US" dirty="0"/>
-              <a:t>。</a:t>
-            </a:r>
-          </a:p>
-          <a:p>
-            <a:pPr>
-              <a:lnSpc>
-                <a:spcPct val="150000"/>
-              </a:lnSpc>
-            </a:pPr>
-            <a:endParaRPr lang="zh-CN" altLang="en-US" dirty="0">
-              <a:latin typeface="+mn-ea"/>
-              <a:ea typeface="+mn-ea"/>
-            </a:endParaRPr>
-          </a:p>
-          <a:p>
-            <a:endParaRPr lang="zh-CN" altLang="en-US" dirty="0"/>
-          </a:p>
-        </p:txBody>
-      </p:sp>
-      <p:sp>
-        <p:nvSpPr>
-          <p:cNvPr id="3" name="标题 2"/>
-          <p:cNvSpPr>
-            <a:spLocks noGrp="1"/>
-          </p:cNvSpPr>
-          <p:nvPr>
-            <p:ph type="title"/>
-          </p:nvPr>
-        </p:nvSpPr>
-        <p:spPr/>
-        <p:txBody>
-          <a:bodyPr>
-            <a:normAutofit fontScale="90000"/>
-          </a:bodyPr>
-          <a:lstStyle/>
-          <a:p>
-            <a:r>
-              <a:rPr lang="en-US" altLang="zh-CN" dirty="0">
-                <a:latin typeface="+mn-ea"/>
-                <a:ea typeface="+mn-ea"/>
-              </a:rPr>
-              <a:t>BroadcastReceiver</a:t>
-            </a:r>
-            <a:r>
-              <a:rPr lang="zh-CN" altLang="en-US" dirty="0">
-                <a:latin typeface="+mn-ea"/>
-                <a:ea typeface="+mn-ea"/>
-              </a:rPr>
-              <a:t>生命周期</a:t>
-            </a:r>
-          </a:p>
-        </p:txBody>
-      </p:sp>
-    </p:spTree>
-    <p:extLst>
-      <p:ext uri="{BB962C8B-B14F-4D97-AF65-F5344CB8AC3E}">
-        <p14:creationId xmlns:p14="http://schemas.microsoft.com/office/powerpoint/2010/main" val="21522509"/>
-      </p:ext>
-    </p:extLst>
-  </p:cSld>
-  <p:clrMapOvr>
-    <a:masterClrMapping/>
-  </p:clrMapOvr>
-  <p:timing>
-    <p:tnLst>
-      <p:par>
-        <p:cTn id="1" dur="indefinite" restart="never" nodeType="tmRoot"/>
-      </p:par>
-    </p:tnLst>
-  </p:timing>
-</p:sld>
-</file>
-
 <file path=ppt/slides/slide4.xml><?xml version="1.0" encoding="utf-8"?>
 <p:sld xmlns:a="http://schemas.openxmlformats.org/drawingml/2006/main" xmlns:r="http://schemas.openxmlformats.org/officeDocument/2006/relationships" xmlns:p="http://schemas.openxmlformats.org/presentationml/2006/main">
   <p:cSld>
@@ -24169,6 +23804,260 @@
       </p:grpSpPr>
       <p:sp>
         <p:nvSpPr>
+          <p:cNvPr id="2" name="内容占位符 1"/>
+          <p:cNvSpPr>
+            <a:spLocks noGrp="1"/>
+          </p:cNvSpPr>
+          <p:nvPr>
+            <p:ph idx="1"/>
+          </p:nvPr>
+        </p:nvSpPr>
+        <p:spPr>
+          <a:xfrm>
+            <a:off x="251520" y="987574"/>
+            <a:ext cx="8229600" cy="3394472"/>
+          </a:xfrm>
+        </p:spPr>
+        <p:txBody>
+          <a:bodyPr>
+            <a:normAutofit fontScale="85000" lnSpcReduction="20000"/>
+          </a:bodyPr>
+          <a:lstStyle/>
+          <a:p>
+            <a:pPr>
+              <a:lnSpc>
+                <a:spcPct val="150000"/>
+              </a:lnSpc>
+            </a:pPr>
+            <a:r>
+              <a:rPr lang="en-US" altLang="zh-CN" dirty="0">
+                <a:latin typeface="+mn-ea"/>
+                <a:ea typeface="+mn-ea"/>
+              </a:rPr>
+              <a:t>BroadcastReceiver</a:t>
+            </a:r>
+            <a:r>
+              <a:rPr lang="zh-CN" altLang="en-US" dirty="0">
+                <a:latin typeface="+mn-ea"/>
+                <a:ea typeface="+mn-ea"/>
+              </a:rPr>
+              <a:t>生命周期只有十秒左右，如果在</a:t>
+            </a:r>
+            <a:r>
+              <a:rPr lang="en-US" altLang="zh-CN" dirty="0" err="1">
+                <a:latin typeface="+mn-ea"/>
+                <a:ea typeface="+mn-ea"/>
+              </a:rPr>
+              <a:t>onReceive</a:t>
+            </a:r>
+            <a:r>
+              <a:rPr lang="zh-CN" altLang="en-US" dirty="0">
+                <a:latin typeface="+mn-ea"/>
+                <a:ea typeface="+mn-ea"/>
+              </a:rPr>
+              <a:t>内做超过</a:t>
+            </a:r>
+            <a:r>
+              <a:rPr lang="en-US" altLang="zh-CN" dirty="0">
+                <a:latin typeface="+mn-ea"/>
+                <a:ea typeface="+mn-ea"/>
+              </a:rPr>
+              <a:t>10</a:t>
+            </a:r>
+            <a:r>
+              <a:rPr lang="zh-CN" altLang="en-US" dirty="0">
+                <a:latin typeface="+mn-ea"/>
+                <a:ea typeface="+mn-ea"/>
+              </a:rPr>
+              <a:t>秒内的事情，就会报</a:t>
+            </a:r>
+            <a:r>
+              <a:rPr lang="en-US" altLang="zh-CN" dirty="0" err="1">
+                <a:latin typeface="+mn-ea"/>
+                <a:ea typeface="+mn-ea"/>
+              </a:rPr>
+              <a:t>ANR</a:t>
+            </a:r>
+            <a:r>
+              <a:rPr lang="zh-CN" altLang="en-US" dirty="0">
+                <a:latin typeface="+mn-ea"/>
+                <a:ea typeface="+mn-ea"/>
+              </a:rPr>
+              <a:t>（无响应）的错误信息</a:t>
+            </a:r>
+            <a:r>
+              <a:rPr lang="zh-CN" altLang="en-US" dirty="0" smtClean="0">
+                <a:latin typeface="+mn-ea"/>
+                <a:ea typeface="+mn-ea"/>
+              </a:rPr>
+              <a:t>。</a:t>
+            </a:r>
+            <a:endParaRPr lang="en-US" altLang="zh-CN" dirty="0" smtClean="0">
+              <a:latin typeface="+mn-ea"/>
+              <a:ea typeface="+mn-ea"/>
+            </a:endParaRPr>
+          </a:p>
+          <a:p>
+            <a:pPr marL="342900" lvl="1" indent="-342900">
+              <a:lnSpc>
+                <a:spcPct val="150000"/>
+              </a:lnSpc>
+              <a:buFont typeface="Arial" pitchFamily="34" charset="0"/>
+              <a:buChar char="•"/>
+            </a:pPr>
+            <a:r>
+              <a:rPr lang="en-US" altLang="zh-CN" sz="3200" dirty="0" err="1">
+                <a:latin typeface="+mn-ea"/>
+                <a:ea typeface="+mn-ea"/>
+              </a:rPr>
+              <a:t>onReceive</a:t>
+            </a:r>
+            <a:r>
+              <a:rPr lang="zh-CN" altLang="en-US" sz="3200" dirty="0">
+                <a:latin typeface="+mn-ea"/>
+                <a:ea typeface="+mn-ea"/>
+              </a:rPr>
+              <a:t>方法中</a:t>
+            </a:r>
+            <a:r>
+              <a:rPr lang="zh-CN" altLang="en-US" sz="3200" dirty="0">
+                <a:solidFill>
+                  <a:srgbClr val="FF0000"/>
+                </a:solidFill>
+                <a:latin typeface="+mn-ea"/>
+                <a:ea typeface="+mn-ea"/>
+              </a:rPr>
+              <a:t>不能加入比较耗时</a:t>
+            </a:r>
+            <a:r>
+              <a:rPr lang="zh-CN" altLang="en-US" sz="3200" dirty="0">
+                <a:latin typeface="+mn-ea"/>
+                <a:ea typeface="+mn-ea"/>
+              </a:rPr>
+              <a:t>的操作，否则系统会认为程序无响应，如果一定要执行耗时的操作的话，一般通过</a:t>
+            </a:r>
+            <a:r>
+              <a:rPr lang="en-US" altLang="zh-CN" sz="3200" dirty="0">
+                <a:latin typeface="+mn-ea"/>
+                <a:ea typeface="+mn-ea"/>
+              </a:rPr>
+              <a:t>Intent</a:t>
+            </a:r>
+            <a:r>
+              <a:rPr lang="zh-CN" altLang="en-US" sz="3200" dirty="0">
+                <a:latin typeface="+mn-ea"/>
+                <a:ea typeface="+mn-ea"/>
+              </a:rPr>
+              <a:t>启动一个</a:t>
+            </a:r>
+            <a:r>
+              <a:rPr lang="en-US" altLang="zh-CN" sz="3200" dirty="0">
+                <a:latin typeface="+mn-ea"/>
+                <a:ea typeface="+mn-ea"/>
+              </a:rPr>
+              <a:t>Service</a:t>
+            </a:r>
+            <a:r>
+              <a:rPr lang="zh-CN" altLang="en-US" sz="3200" dirty="0">
+                <a:latin typeface="+mn-ea"/>
+                <a:ea typeface="+mn-ea"/>
+              </a:rPr>
+              <a:t>来完成</a:t>
+            </a:r>
+            <a:r>
+              <a:rPr lang="zh-CN" altLang="en-US" dirty="0"/>
+              <a:t>。</a:t>
+            </a:r>
+          </a:p>
+          <a:p>
+            <a:pPr>
+              <a:lnSpc>
+                <a:spcPct val="150000"/>
+              </a:lnSpc>
+            </a:pPr>
+            <a:endParaRPr lang="zh-CN" altLang="en-US" dirty="0">
+              <a:latin typeface="+mn-ea"/>
+              <a:ea typeface="+mn-ea"/>
+            </a:endParaRPr>
+          </a:p>
+          <a:p>
+            <a:endParaRPr lang="zh-CN" altLang="en-US" dirty="0"/>
+          </a:p>
+        </p:txBody>
+      </p:sp>
+      <p:sp>
+        <p:nvSpPr>
+          <p:cNvPr id="3" name="标题 2"/>
+          <p:cNvSpPr>
+            <a:spLocks noGrp="1"/>
+          </p:cNvSpPr>
+          <p:nvPr>
+            <p:ph type="title"/>
+          </p:nvPr>
+        </p:nvSpPr>
+        <p:spPr/>
+        <p:txBody>
+          <a:bodyPr>
+            <a:normAutofit fontScale="90000"/>
+          </a:bodyPr>
+          <a:lstStyle/>
+          <a:p>
+            <a:r>
+              <a:rPr lang="en-US" altLang="zh-CN" dirty="0">
+                <a:latin typeface="+mn-ea"/>
+                <a:ea typeface="+mn-ea"/>
+              </a:rPr>
+              <a:t>BroadcastReceiver</a:t>
+            </a:r>
+            <a:r>
+              <a:rPr lang="zh-CN" altLang="en-US" dirty="0">
+                <a:latin typeface="+mn-ea"/>
+                <a:ea typeface="+mn-ea"/>
+              </a:rPr>
+              <a:t>生命周期</a:t>
+            </a:r>
+          </a:p>
+        </p:txBody>
+      </p:sp>
+    </p:spTree>
+    <p:extLst>
+      <p:ext uri="{BB962C8B-B14F-4D97-AF65-F5344CB8AC3E}">
+        <p14:creationId xmlns:p14="http://schemas.microsoft.com/office/powerpoint/2010/main" val="21522509"/>
+      </p:ext>
+    </p:extLst>
+  </p:cSld>
+  <p:clrMapOvr>
+    <a:masterClrMapping/>
+  </p:clrMapOvr>
+  <p:timing>
+    <p:tnLst>
+      <p:par>
+        <p:cTn id="1" dur="indefinite" restart="never" nodeType="tmRoot"/>
+      </p:par>
+    </p:tnLst>
+  </p:timing>
+</p:sld>
+</file>
+
+<file path=ppt/slides/slide41.xml><?xml version="1.0" encoding="utf-8"?>
+<p:sld xmlns:a="http://schemas.openxmlformats.org/drawingml/2006/main" xmlns:r="http://schemas.openxmlformats.org/officeDocument/2006/relationships" xmlns:p="http://schemas.openxmlformats.org/presentationml/2006/main">
+  <p:cSld>
+    <p:spTree>
+      <p:nvGrpSpPr>
+        <p:cNvPr id="1" name=""/>
+        <p:cNvGrpSpPr/>
+        <p:nvPr/>
+      </p:nvGrpSpPr>
+      <p:grpSpPr>
+        <a:xfrm>
+          <a:off x="0" y="0"/>
+          <a:ext cx="0" cy="0"/>
+          <a:chOff x="0" y="0"/>
+          <a:chExt cx="0" cy="0"/>
+        </a:xfrm>
+      </p:grpSpPr>
+      <p:sp>
+        <p:nvSpPr>
           <p:cNvPr id="3" name="内容占位符 2"/>
           <p:cNvSpPr>
             <a:spLocks noGrp="1"/>
@@ -24375,7 +24264,7 @@
 </p:sld>
 </file>
 
-<file path=ppt/slides/slide41.xml><?xml version="1.0" encoding="utf-8"?>
+<file path=ppt/slides/slide42.xml><?xml version="1.0" encoding="utf-8"?>
 <p:sld xmlns:a="http://schemas.openxmlformats.org/drawingml/2006/main" xmlns:r="http://schemas.openxmlformats.org/officeDocument/2006/relationships" xmlns:p="http://schemas.openxmlformats.org/presentationml/2006/main">
   <p:cSld>
     <p:spTree>
@@ -24744,7 +24633,7 @@
 </p:sld>
 </file>
 
-<file path=ppt/slides/slide42.xml><?xml version="1.0" encoding="utf-8"?>
+<file path=ppt/slides/slide43.xml><?xml version="1.0" encoding="utf-8"?>
 <p:sld xmlns:a="http://schemas.openxmlformats.org/drawingml/2006/main" xmlns:r="http://schemas.openxmlformats.org/officeDocument/2006/relationships" xmlns:p="http://schemas.openxmlformats.org/presentationml/2006/main">
   <p:cSld>
     <p:spTree>
@@ -24926,12 +24815,18 @@
             </a:r>
             <a:r>
               <a:rPr lang="en-US" altLang="zh-CN" sz="2400" dirty="0" err="1" smtClean="0">
+                <a:solidFill>
+                  <a:srgbClr val="FF0000"/>
+                </a:solidFill>
                 <a:latin typeface="+mn-ea"/>
                 <a:ea typeface="+mn-ea"/>
               </a:rPr>
               <a:t>ContentProvider</a:t>
             </a:r>
             <a:endParaRPr lang="en-US" altLang="zh-CN" sz="2400" dirty="0" smtClean="0">
+              <a:solidFill>
+                <a:srgbClr val="FF0000"/>
+              </a:solidFill>
               <a:latin typeface="+mn-ea"/>
               <a:ea typeface="+mn-ea"/>
             </a:endParaRPr>
@@ -24958,6 +24853,9 @@
             </a:r>
             <a:r>
               <a:rPr lang="en-US" altLang="zh-CN" sz="2400" dirty="0" err="1" smtClean="0">
+                <a:solidFill>
+                  <a:srgbClr val="FF0000"/>
+                </a:solidFill>
                 <a:latin typeface="+mn-ea"/>
                 <a:ea typeface="+mn-ea"/>
               </a:rPr>
@@ -25086,1965 +24984,7 @@
 </p:sld>
 </file>
 
-<file path=ppt/slides/slide43.xml><?xml version="1.0" encoding="utf-8"?>
-<p:sld xmlns:a="http://schemas.openxmlformats.org/drawingml/2006/main" xmlns:r="http://schemas.openxmlformats.org/officeDocument/2006/relationships" xmlns:p="http://schemas.openxmlformats.org/presentationml/2006/main">
-  <p:cSld>
-    <p:spTree>
-      <p:nvGrpSpPr>
-        <p:cNvPr id="1" name=""/>
-        <p:cNvGrpSpPr/>
-        <p:nvPr/>
-      </p:nvGrpSpPr>
-      <p:grpSpPr>
-        <a:xfrm>
-          <a:off x="0" y="0"/>
-          <a:ext cx="0" cy="0"/>
-          <a:chOff x="0" y="0"/>
-          <a:chExt cx="0" cy="0"/>
-        </a:xfrm>
-      </p:grpSpPr>
-      <p:sp>
-        <p:nvSpPr>
-          <p:cNvPr id="4" name="内容占位符 3"/>
-          <p:cNvSpPr>
-            <a:spLocks noGrp="1"/>
-          </p:cNvSpPr>
-          <p:nvPr>
-            <p:ph idx="4294967295"/>
-          </p:nvPr>
-        </p:nvSpPr>
-        <p:spPr>
-          <a:xfrm>
-            <a:off x="629562" y="1200150"/>
-            <a:ext cx="8057238" cy="3639852"/>
-          </a:xfrm>
-        </p:spPr>
-        <p:txBody>
-          <a:bodyPr>
-            <a:normAutofit/>
-          </a:bodyPr>
-          <a:lstStyle/>
-          <a:p>
-            <a:r>
-              <a:rPr lang="en-US" altLang="zh-CN" sz="2800" dirty="0" err="1">
-                <a:solidFill>
-                  <a:schemeClr val="tx1">
-                    <a:lumMod val="85000"/>
-                    <a:lumOff val="15000"/>
-                  </a:schemeClr>
-                </a:solidFill>
-                <a:latin typeface="宋体" panose="02010600030101010101" pitchFamily="2" charset="-122"/>
-                <a:ea typeface="宋体" panose="02010600030101010101" pitchFamily="2" charset="-122"/>
-              </a:rPr>
-              <a:t>ContentProvider</a:t>
-            </a:r>
-            <a:r>
-              <a:rPr lang="zh-CN" altLang="en-US" sz="2800" dirty="0">
-                <a:solidFill>
-                  <a:schemeClr val="tx1">
-                    <a:lumMod val="85000"/>
-                    <a:lumOff val="15000"/>
-                  </a:schemeClr>
-                </a:solidFill>
-                <a:latin typeface="宋体" panose="02010600030101010101" pitchFamily="2" charset="-122"/>
-                <a:ea typeface="宋体" panose="02010600030101010101" pitchFamily="2" charset="-122"/>
-              </a:rPr>
-              <a:t>是应用间共享数据的标准，它以</a:t>
-            </a:r>
-            <a:r>
-              <a:rPr lang="en-US" altLang="zh-CN" sz="2800" dirty="0">
-                <a:solidFill>
-                  <a:schemeClr val="tx1">
-                    <a:lumMod val="85000"/>
-                    <a:lumOff val="15000"/>
-                  </a:schemeClr>
-                </a:solidFill>
-                <a:latin typeface="宋体" panose="02010600030101010101" pitchFamily="2" charset="-122"/>
-                <a:ea typeface="宋体" panose="02010600030101010101" pitchFamily="2" charset="-122"/>
-              </a:rPr>
-              <a:t>Uri</a:t>
-            </a:r>
-            <a:r>
-              <a:rPr lang="zh-CN" altLang="en-US" sz="2800" dirty="0">
-                <a:solidFill>
-                  <a:schemeClr val="tx1">
-                    <a:lumMod val="85000"/>
-                    <a:lumOff val="15000"/>
-                  </a:schemeClr>
-                </a:solidFill>
-                <a:latin typeface="宋体" panose="02010600030101010101" pitchFamily="2" charset="-122"/>
-                <a:ea typeface="宋体" panose="02010600030101010101" pitchFamily="2" charset="-122"/>
-              </a:rPr>
-              <a:t>的形式对外提供数据，其他应用程序使用</a:t>
-            </a:r>
-            <a:r>
-              <a:rPr lang="en-US" altLang="zh-CN" sz="2800" dirty="0" err="1">
-                <a:solidFill>
-                  <a:schemeClr val="tx1">
-                    <a:lumMod val="85000"/>
-                    <a:lumOff val="15000"/>
-                  </a:schemeClr>
-                </a:solidFill>
-                <a:latin typeface="宋体" panose="02010600030101010101" pitchFamily="2" charset="-122"/>
-                <a:ea typeface="宋体" panose="02010600030101010101" pitchFamily="2" charset="-122"/>
-              </a:rPr>
-              <a:t>ContentResolver</a:t>
-            </a:r>
-            <a:r>
-              <a:rPr lang="zh-CN" altLang="en-US" sz="2800" dirty="0">
-                <a:solidFill>
-                  <a:schemeClr val="tx1">
-                    <a:lumMod val="85000"/>
-                    <a:lumOff val="15000"/>
-                  </a:schemeClr>
-                </a:solidFill>
-                <a:latin typeface="宋体" panose="02010600030101010101" pitchFamily="2" charset="-122"/>
-                <a:ea typeface="宋体" panose="02010600030101010101" pitchFamily="2" charset="-122"/>
-              </a:rPr>
-              <a:t>根据</a:t>
-            </a:r>
-            <a:r>
-              <a:rPr lang="en-US" altLang="zh-CN" sz="2800" dirty="0">
-                <a:solidFill>
-                  <a:schemeClr val="tx1">
-                    <a:lumMod val="85000"/>
-                    <a:lumOff val="15000"/>
-                  </a:schemeClr>
-                </a:solidFill>
-                <a:latin typeface="宋体" panose="02010600030101010101" pitchFamily="2" charset="-122"/>
-                <a:ea typeface="宋体" panose="02010600030101010101" pitchFamily="2" charset="-122"/>
-              </a:rPr>
-              <a:t>Uri</a:t>
-            </a:r>
-            <a:r>
-              <a:rPr lang="zh-CN" altLang="en-US" sz="2800" dirty="0">
-                <a:solidFill>
-                  <a:schemeClr val="tx1">
-                    <a:lumMod val="85000"/>
-                    <a:lumOff val="15000"/>
-                  </a:schemeClr>
-                </a:solidFill>
-                <a:latin typeface="宋体" panose="02010600030101010101" pitchFamily="2" charset="-122"/>
-                <a:ea typeface="宋体" panose="02010600030101010101" pitchFamily="2" charset="-122"/>
-              </a:rPr>
-              <a:t>去访问指定数据。</a:t>
-            </a:r>
-            <a:endParaRPr lang="en-US" altLang="zh-CN" sz="2800" dirty="0">
-              <a:solidFill>
-                <a:schemeClr val="tx1">
-                  <a:lumMod val="85000"/>
-                  <a:lumOff val="15000"/>
-                </a:schemeClr>
-              </a:solidFill>
-              <a:latin typeface="宋体" panose="02010600030101010101" pitchFamily="2" charset="-122"/>
-              <a:ea typeface="宋体" panose="02010600030101010101" pitchFamily="2" charset="-122"/>
-            </a:endParaRPr>
-          </a:p>
-          <a:p>
-            <a:r>
-              <a:rPr lang="en-US" altLang="zh-CN" sz="2800" dirty="0" err="1">
-                <a:solidFill>
-                  <a:schemeClr val="tx1">
-                    <a:lumMod val="85000"/>
-                    <a:lumOff val="15000"/>
-                  </a:schemeClr>
-                </a:solidFill>
-                <a:latin typeface="宋体" panose="02010600030101010101" pitchFamily="2" charset="-122"/>
-                <a:ea typeface="宋体" panose="02010600030101010101" pitchFamily="2" charset="-122"/>
-              </a:rPr>
-              <a:t>ContentProvider</a:t>
-            </a:r>
-            <a:r>
-              <a:rPr lang="zh-CN" altLang="en-US" sz="2800" dirty="0">
-                <a:solidFill>
-                  <a:schemeClr val="tx1">
-                    <a:lumMod val="85000"/>
-                    <a:lumOff val="15000"/>
-                  </a:schemeClr>
-                </a:solidFill>
-                <a:latin typeface="宋体" panose="02010600030101010101" pitchFamily="2" charset="-122"/>
-                <a:ea typeface="宋体" panose="02010600030101010101" pitchFamily="2" charset="-122"/>
-              </a:rPr>
-              <a:t>是单例模式的，多个</a:t>
-            </a:r>
-            <a:r>
-              <a:rPr lang="en-US" altLang="zh-CN" sz="2800" dirty="0" err="1">
-                <a:solidFill>
-                  <a:schemeClr val="tx1">
-                    <a:lumMod val="85000"/>
-                    <a:lumOff val="15000"/>
-                  </a:schemeClr>
-                </a:solidFill>
-                <a:latin typeface="宋体" panose="02010600030101010101" pitchFamily="2" charset="-122"/>
-                <a:ea typeface="宋体" panose="02010600030101010101" pitchFamily="2" charset="-122"/>
-              </a:rPr>
-              <a:t>ContentResolver</a:t>
-            </a:r>
-            <a:r>
-              <a:rPr lang="zh-CN" altLang="en-US" sz="2800" dirty="0">
-                <a:solidFill>
-                  <a:schemeClr val="tx1">
-                    <a:lumMod val="85000"/>
-                    <a:lumOff val="15000"/>
-                  </a:schemeClr>
-                </a:solidFill>
-                <a:latin typeface="宋体" panose="02010600030101010101" pitchFamily="2" charset="-122"/>
-                <a:ea typeface="宋体" panose="02010600030101010101" pitchFamily="2" charset="-122"/>
-              </a:rPr>
-              <a:t>请求数据时，是委托给同一个</a:t>
-            </a:r>
-            <a:r>
-              <a:rPr lang="en-US" altLang="zh-CN" sz="2800" dirty="0" smtClean="0">
-                <a:solidFill>
-                  <a:schemeClr val="tx1">
-                    <a:lumMod val="85000"/>
-                    <a:lumOff val="15000"/>
-                  </a:schemeClr>
-                </a:solidFill>
-                <a:latin typeface="宋体" panose="02010600030101010101" pitchFamily="2" charset="-122"/>
-                <a:ea typeface="宋体" panose="02010600030101010101" pitchFamily="2" charset="-122"/>
-              </a:rPr>
-              <a:t>CP</a:t>
-            </a:r>
-            <a:r>
-              <a:rPr lang="zh-CN" altLang="en-US" sz="2800" dirty="0" smtClean="0">
-                <a:solidFill>
-                  <a:schemeClr val="tx1">
-                    <a:lumMod val="85000"/>
-                    <a:lumOff val="15000"/>
-                  </a:schemeClr>
-                </a:solidFill>
-                <a:latin typeface="宋体" panose="02010600030101010101" pitchFamily="2" charset="-122"/>
-                <a:ea typeface="宋体" panose="02010600030101010101" pitchFamily="2" charset="-122"/>
-              </a:rPr>
-              <a:t>对象来</a:t>
-            </a:r>
-            <a:r>
-              <a:rPr lang="zh-CN" altLang="en-US" sz="2800" dirty="0">
-                <a:solidFill>
-                  <a:schemeClr val="tx1">
-                    <a:lumMod val="85000"/>
-                    <a:lumOff val="15000"/>
-                  </a:schemeClr>
-                </a:solidFill>
-                <a:latin typeface="宋体" panose="02010600030101010101" pitchFamily="2" charset="-122"/>
-                <a:ea typeface="宋体" panose="02010600030101010101" pitchFamily="2" charset="-122"/>
-              </a:rPr>
-              <a:t>操作的。</a:t>
-            </a:r>
-            <a:endParaRPr lang="en-US" altLang="zh-CN" sz="2800" dirty="0">
-              <a:solidFill>
-                <a:schemeClr val="tx1">
-                  <a:lumMod val="85000"/>
-                  <a:lumOff val="15000"/>
-                </a:schemeClr>
-              </a:solidFill>
-              <a:latin typeface="宋体" panose="02010600030101010101" pitchFamily="2" charset="-122"/>
-              <a:ea typeface="宋体" panose="02010600030101010101" pitchFamily="2" charset="-122"/>
-            </a:endParaRPr>
-          </a:p>
-        </p:txBody>
-      </p:sp>
-      <p:sp>
-        <p:nvSpPr>
-          <p:cNvPr id="2" name="标题 1"/>
-          <p:cNvSpPr>
-            <a:spLocks noGrp="1"/>
-          </p:cNvSpPr>
-          <p:nvPr>
-            <p:ph type="title"/>
-          </p:nvPr>
-        </p:nvSpPr>
-        <p:spPr/>
-        <p:txBody>
-          <a:bodyPr>
-            <a:noAutofit/>
-          </a:bodyPr>
-          <a:lstStyle/>
-          <a:p>
-            <a:r>
-              <a:rPr lang="zh-CN" altLang="en-US" sz="3600" dirty="0">
-                <a:latin typeface="+mn-ea"/>
-                <a:ea typeface="+mn-ea"/>
-              </a:rPr>
-              <a:t>数据共享标准</a:t>
-            </a:r>
-          </a:p>
-        </p:txBody>
-      </p:sp>
-    </p:spTree>
-    <p:extLst>
-      <p:ext uri="{BB962C8B-B14F-4D97-AF65-F5344CB8AC3E}">
-        <p14:creationId xmlns:p14="http://schemas.microsoft.com/office/powerpoint/2010/main" val="885002228"/>
-      </p:ext>
-    </p:extLst>
-  </p:cSld>
-  <p:clrMapOvr>
-    <a:masterClrMapping/>
-  </p:clrMapOvr>
-  <p:timing>
-    <p:tnLst>
-      <p:par>
-        <p:cTn id="1" dur="indefinite" restart="never" nodeType="tmRoot"/>
-      </p:par>
-    </p:tnLst>
-  </p:timing>
-</p:sld>
-</file>
-
 <file path=ppt/slides/slide44.xml><?xml version="1.0" encoding="utf-8"?>
-<p:sld xmlns:a="http://schemas.openxmlformats.org/drawingml/2006/main" xmlns:r="http://schemas.openxmlformats.org/officeDocument/2006/relationships" xmlns:p="http://schemas.openxmlformats.org/presentationml/2006/main">
-  <p:cSld>
-    <p:spTree>
-      <p:nvGrpSpPr>
-        <p:cNvPr id="1" name=""/>
-        <p:cNvGrpSpPr/>
-        <p:nvPr/>
-      </p:nvGrpSpPr>
-      <p:grpSpPr>
-        <a:xfrm>
-          <a:off x="0" y="0"/>
-          <a:ext cx="0" cy="0"/>
-          <a:chOff x="0" y="0"/>
-          <a:chExt cx="0" cy="0"/>
-        </a:xfrm>
-      </p:grpSpPr>
-      <p:sp>
-        <p:nvSpPr>
-          <p:cNvPr id="4" name="内容占位符 3"/>
-          <p:cNvSpPr>
-            <a:spLocks noGrp="1"/>
-          </p:cNvSpPr>
-          <p:nvPr>
-            <p:ph idx="4294967295"/>
-          </p:nvPr>
-        </p:nvSpPr>
-        <p:spPr>
-          <a:xfrm>
-            <a:off x="629562" y="1167594"/>
-            <a:ext cx="8036417" cy="1404156"/>
-          </a:xfrm>
-        </p:spPr>
-        <p:txBody>
-          <a:bodyPr>
-            <a:normAutofit fontScale="92500" lnSpcReduction="20000"/>
-          </a:bodyPr>
-          <a:lstStyle/>
-          <a:p>
-            <a:r>
-              <a:rPr lang="zh-CN" altLang="en-US" dirty="0" smtClean="0">
-                <a:solidFill>
-                  <a:schemeClr val="tx1">
-                    <a:lumMod val="85000"/>
-                    <a:lumOff val="15000"/>
-                  </a:schemeClr>
-                </a:solidFill>
-              </a:rPr>
-              <a:t>系统内置的</a:t>
-            </a:r>
-            <a:r>
-              <a:rPr lang="en-US" altLang="zh-CN" dirty="0" smtClean="0">
-                <a:solidFill>
-                  <a:schemeClr val="tx1">
-                    <a:lumMod val="85000"/>
-                    <a:lumOff val="15000"/>
-                  </a:schemeClr>
-                </a:solidFill>
-              </a:rPr>
-              <a:t>ContentProvider</a:t>
-            </a:r>
-            <a:r>
-              <a:rPr lang="zh-CN" altLang="en-US" dirty="0" smtClean="0">
-                <a:solidFill>
-                  <a:schemeClr val="tx1">
-                    <a:lumMod val="85000"/>
-                    <a:lumOff val="15000"/>
-                  </a:schemeClr>
-                </a:solidFill>
-              </a:rPr>
-              <a:t>，如</a:t>
-            </a:r>
-            <a:r>
-              <a:rPr lang="zh-CN" altLang="en-US" smtClean="0">
-                <a:solidFill>
-                  <a:schemeClr val="tx1">
-                    <a:lumMod val="85000"/>
-                    <a:lumOff val="15000"/>
-                  </a:schemeClr>
-                </a:solidFill>
-              </a:rPr>
-              <a:t>联系人信息</a:t>
-            </a:r>
-            <a:r>
-              <a:rPr lang="zh-CN" altLang="en-US">
-                <a:solidFill>
-                  <a:schemeClr val="tx1">
-                    <a:lumMod val="85000"/>
-                    <a:lumOff val="15000"/>
-                  </a:schemeClr>
-                </a:solidFill>
-              </a:rPr>
-              <a:t>。</a:t>
-            </a:r>
-            <a:endParaRPr lang="en-US" altLang="zh-CN" dirty="0" smtClean="0">
-              <a:solidFill>
-                <a:schemeClr val="tx1">
-                  <a:lumMod val="85000"/>
-                  <a:lumOff val="15000"/>
-                </a:schemeClr>
-              </a:solidFill>
-            </a:endParaRPr>
-          </a:p>
-          <a:p>
-            <a:r>
-              <a:rPr lang="zh-CN" altLang="en-US" smtClean="0">
-                <a:solidFill>
-                  <a:schemeClr val="tx1">
-                    <a:lumMod val="85000"/>
-                    <a:lumOff val="15000"/>
-                  </a:schemeClr>
-                </a:solidFill>
-              </a:rPr>
-              <a:t>自定义</a:t>
-            </a:r>
-            <a:r>
-              <a:rPr lang="en-US" altLang="zh-CN" smtClean="0">
-                <a:solidFill>
-                  <a:schemeClr val="tx1">
-                    <a:lumMod val="85000"/>
-                    <a:lumOff val="15000"/>
-                  </a:schemeClr>
-                </a:solidFill>
-              </a:rPr>
-              <a:t>ContentProvider</a:t>
-            </a:r>
-            <a:r>
-              <a:rPr lang="zh-CN" altLang="en-US" smtClean="0">
-                <a:solidFill>
-                  <a:schemeClr val="tx1">
-                    <a:lumMod val="85000"/>
-                    <a:lumOff val="15000"/>
-                  </a:schemeClr>
-                </a:solidFill>
-              </a:rPr>
-              <a:t>。</a:t>
-            </a:r>
-            <a:endParaRPr lang="en-US" altLang="zh-CN" dirty="0">
-              <a:solidFill>
-                <a:schemeClr val="tx1">
-                  <a:lumMod val="85000"/>
-                  <a:lumOff val="15000"/>
-                </a:schemeClr>
-              </a:solidFill>
-            </a:endParaRPr>
-          </a:p>
-          <a:p>
-            <a:pPr lvl="1"/>
-            <a:r>
-              <a:rPr lang="zh-CN" altLang="en-US" dirty="0">
-                <a:solidFill>
-                  <a:schemeClr val="tx1">
-                    <a:lumMod val="85000"/>
-                    <a:lumOff val="15000"/>
-                  </a:schemeClr>
-                </a:solidFill>
-              </a:rPr>
-              <a:t>定义自己的类继承</a:t>
-            </a:r>
-            <a:r>
-              <a:rPr lang="en-US" altLang="zh-CN" err="1">
-                <a:solidFill>
-                  <a:schemeClr val="tx1">
-                    <a:lumMod val="85000"/>
-                    <a:lumOff val="15000"/>
-                  </a:schemeClr>
-                </a:solidFill>
-              </a:rPr>
-              <a:t>ContentProvider</a:t>
-            </a:r>
-            <a:r>
-              <a:rPr lang="zh-CN" altLang="en-US" smtClean="0">
-                <a:solidFill>
-                  <a:schemeClr val="tx1">
-                    <a:lumMod val="85000"/>
-                    <a:lumOff val="15000"/>
-                  </a:schemeClr>
-                </a:solidFill>
-              </a:rPr>
-              <a:t>类。</a:t>
-            </a:r>
-            <a:endParaRPr lang="en-US" altLang="zh-CN" dirty="0">
-              <a:solidFill>
-                <a:schemeClr val="tx1">
-                  <a:lumMod val="85000"/>
-                  <a:lumOff val="15000"/>
-                </a:schemeClr>
-              </a:solidFill>
-            </a:endParaRPr>
-          </a:p>
-        </p:txBody>
-      </p:sp>
-      <p:sp>
-        <p:nvSpPr>
-          <p:cNvPr id="5" name="矩形 4"/>
-          <p:cNvSpPr/>
-          <p:nvPr/>
-        </p:nvSpPr>
-        <p:spPr>
-          <a:xfrm>
-            <a:off x="629562" y="2409732"/>
-            <a:ext cx="8035541" cy="1728192"/>
-          </a:xfrm>
-          <a:prstGeom prst="rect">
-            <a:avLst/>
-          </a:prstGeom>
-          <a:solidFill>
-            <a:schemeClr val="accent5">
-              <a:lumMod val="20000"/>
-              <a:lumOff val="80000"/>
-            </a:schemeClr>
-          </a:solidFill>
-          <a:ln w="38100">
-            <a:solidFill>
-              <a:schemeClr val="tx1">
-                <a:lumMod val="65000"/>
-                <a:lumOff val="35000"/>
-              </a:schemeClr>
-            </a:solidFill>
-          </a:ln>
-          <a:effectLst>
-            <a:outerShdw blurRad="50800" dist="38100" dir="2700000" algn="tl" rotWithShape="0">
-              <a:prstClr val="black">
-                <a:alpha val="40000"/>
-              </a:prstClr>
-            </a:outerShdw>
-          </a:effectLst>
-        </p:spPr>
-        <p:style>
-          <a:lnRef idx="2">
-            <a:schemeClr val="accent1">
-              <a:shade val="50000"/>
-            </a:schemeClr>
-          </a:lnRef>
-          <a:fillRef idx="1">
-            <a:schemeClr val="accent1"/>
-          </a:fillRef>
-          <a:effectRef idx="0">
-            <a:schemeClr val="accent1"/>
-          </a:effectRef>
-          <a:fontRef idx="minor">
-            <a:schemeClr val="lt1"/>
-          </a:fontRef>
-        </p:style>
-        <p:txBody>
-          <a:bodyPr lIns="68580" tIns="34290" rIns="68580" bIns="34290" rtlCol="0" anchor="ctr"/>
-          <a:lstStyle/>
-          <a:p>
-            <a:pPr eaLnBrk="0">
-              <a:defRPr/>
-            </a:pPr>
-            <a:r>
-              <a:rPr lang="en-US" altLang="zh-CN" b="1" dirty="0" err="1">
-                <a:solidFill>
-                  <a:schemeClr val="tx1">
-                    <a:lumMod val="85000"/>
-                    <a:lumOff val="15000"/>
-                  </a:schemeClr>
-                </a:solidFill>
-                <a:latin typeface="Consolas" panose="020B0609020204030204" pitchFamily="49" charset="0"/>
-                <a:ea typeface="微软雅黑" panose="020B0503020204020204" pitchFamily="34" charset="-122"/>
-              </a:rPr>
-              <a:t>boolean</a:t>
-            </a:r>
-            <a:r>
-              <a:rPr lang="en-US" altLang="zh-CN" b="1" dirty="0">
-                <a:solidFill>
-                  <a:schemeClr val="tx1">
-                    <a:lumMod val="85000"/>
-                    <a:lumOff val="15000"/>
-                  </a:schemeClr>
-                </a:solidFill>
-                <a:latin typeface="Consolas" panose="020B0609020204030204" pitchFamily="49" charset="0"/>
-                <a:ea typeface="微软雅黑" panose="020B0503020204020204" pitchFamily="34" charset="-122"/>
-              </a:rPr>
-              <a:t> </a:t>
-            </a:r>
-            <a:r>
-              <a:rPr lang="en-US" altLang="zh-CN" b="1" dirty="0" err="1">
-                <a:solidFill>
-                  <a:schemeClr val="tx1">
-                    <a:lumMod val="85000"/>
-                    <a:lumOff val="15000"/>
-                  </a:schemeClr>
-                </a:solidFill>
-                <a:latin typeface="Consolas" panose="020B0609020204030204" pitchFamily="49" charset="0"/>
-                <a:ea typeface="微软雅黑" panose="020B0503020204020204" pitchFamily="34" charset="-122"/>
-              </a:rPr>
-              <a:t>onCreate</a:t>
-            </a:r>
-            <a:r>
-              <a:rPr lang="en-US" altLang="zh-CN" b="1" dirty="0">
-                <a:solidFill>
-                  <a:schemeClr val="tx1">
-                    <a:lumMod val="85000"/>
-                    <a:lumOff val="15000"/>
-                  </a:schemeClr>
-                </a:solidFill>
-                <a:latin typeface="Consolas" panose="020B0609020204030204" pitchFamily="49" charset="0"/>
-                <a:ea typeface="微软雅黑" panose="020B0503020204020204" pitchFamily="34" charset="-122"/>
-              </a:rPr>
-              <a:t>()</a:t>
-            </a:r>
-          </a:p>
-          <a:p>
-            <a:pPr eaLnBrk="0">
-              <a:defRPr/>
-            </a:pPr>
-            <a:r>
-              <a:rPr lang="en-US" altLang="zh-CN" b="1" dirty="0">
-                <a:solidFill>
-                  <a:schemeClr val="tx1">
-                    <a:lumMod val="85000"/>
-                    <a:lumOff val="15000"/>
-                  </a:schemeClr>
-                </a:solidFill>
-                <a:latin typeface="Consolas" panose="020B0609020204030204" pitchFamily="49" charset="0"/>
-                <a:ea typeface="微软雅黑" panose="020B0503020204020204" pitchFamily="34" charset="-122"/>
-              </a:rPr>
-              <a:t>Uri insert(</a:t>
-            </a:r>
-            <a:r>
-              <a:rPr lang="en-US" altLang="zh-CN" b="1" dirty="0" err="1">
-                <a:solidFill>
-                  <a:schemeClr val="tx1">
-                    <a:lumMod val="85000"/>
-                    <a:lumOff val="15000"/>
-                  </a:schemeClr>
-                </a:solidFill>
-                <a:latin typeface="Consolas" panose="020B0609020204030204" pitchFamily="49" charset="0"/>
-                <a:ea typeface="微软雅黑" panose="020B0503020204020204" pitchFamily="34" charset="-122"/>
-              </a:rPr>
-              <a:t>uri</a:t>
-            </a:r>
-            <a:r>
-              <a:rPr lang="en-US" altLang="zh-CN" b="1" dirty="0">
-                <a:solidFill>
-                  <a:schemeClr val="tx1">
-                    <a:lumMod val="85000"/>
-                    <a:lumOff val="15000"/>
-                  </a:schemeClr>
-                </a:solidFill>
-                <a:latin typeface="Consolas" panose="020B0609020204030204" pitchFamily="49" charset="0"/>
-                <a:ea typeface="微软雅黑" panose="020B0503020204020204" pitchFamily="34" charset="-122"/>
-              </a:rPr>
-              <a:t>, values)</a:t>
-            </a:r>
-          </a:p>
-          <a:p>
-            <a:pPr eaLnBrk="0">
-              <a:defRPr/>
-            </a:pPr>
-            <a:r>
-              <a:rPr lang="en-US" altLang="zh-CN" b="1" dirty="0" err="1">
-                <a:solidFill>
-                  <a:schemeClr val="tx1">
-                    <a:lumMod val="85000"/>
-                    <a:lumOff val="15000"/>
-                  </a:schemeClr>
-                </a:solidFill>
-                <a:latin typeface="Consolas" panose="020B0609020204030204" pitchFamily="49" charset="0"/>
-                <a:ea typeface="微软雅黑" panose="020B0503020204020204" pitchFamily="34" charset="-122"/>
-              </a:rPr>
-              <a:t>int</a:t>
-            </a:r>
-            <a:r>
-              <a:rPr lang="en-US" altLang="zh-CN" b="1" dirty="0">
-                <a:solidFill>
-                  <a:schemeClr val="tx1">
-                    <a:lumMod val="85000"/>
-                    <a:lumOff val="15000"/>
-                  </a:schemeClr>
-                </a:solidFill>
-                <a:latin typeface="Consolas" panose="020B0609020204030204" pitchFamily="49" charset="0"/>
-                <a:ea typeface="微软雅黑" panose="020B0503020204020204" pitchFamily="34" charset="-122"/>
-              </a:rPr>
-              <a:t> delete(</a:t>
-            </a:r>
-            <a:r>
-              <a:rPr lang="en-US" altLang="zh-CN" b="1" dirty="0" err="1">
-                <a:solidFill>
-                  <a:schemeClr val="tx1">
-                    <a:lumMod val="85000"/>
-                    <a:lumOff val="15000"/>
-                  </a:schemeClr>
-                </a:solidFill>
-                <a:latin typeface="Consolas" panose="020B0609020204030204" pitchFamily="49" charset="0"/>
-                <a:ea typeface="微软雅黑" panose="020B0503020204020204" pitchFamily="34" charset="-122"/>
-              </a:rPr>
-              <a:t>uri</a:t>
-            </a:r>
-            <a:r>
-              <a:rPr lang="en-US" altLang="zh-CN" b="1" dirty="0">
-                <a:solidFill>
-                  <a:schemeClr val="tx1">
-                    <a:lumMod val="85000"/>
-                    <a:lumOff val="15000"/>
-                  </a:schemeClr>
-                </a:solidFill>
-                <a:latin typeface="Consolas" panose="020B0609020204030204" pitchFamily="49" charset="0"/>
-                <a:ea typeface="微软雅黑" panose="020B0503020204020204" pitchFamily="34" charset="-122"/>
-              </a:rPr>
-              <a:t>, selection, </a:t>
-            </a:r>
-            <a:r>
-              <a:rPr lang="en-US" altLang="zh-CN" b="1" dirty="0" err="1">
-                <a:solidFill>
-                  <a:schemeClr val="tx1">
-                    <a:lumMod val="85000"/>
-                    <a:lumOff val="15000"/>
-                  </a:schemeClr>
-                </a:solidFill>
-                <a:latin typeface="Consolas" panose="020B0609020204030204" pitchFamily="49" charset="0"/>
-                <a:ea typeface="微软雅黑" panose="020B0503020204020204" pitchFamily="34" charset="-122"/>
-              </a:rPr>
-              <a:t>selectionargs</a:t>
-            </a:r>
-            <a:r>
-              <a:rPr lang="en-US" altLang="zh-CN" b="1" dirty="0">
-                <a:solidFill>
-                  <a:schemeClr val="tx1">
-                    <a:lumMod val="85000"/>
-                    <a:lumOff val="15000"/>
-                  </a:schemeClr>
-                </a:solidFill>
-                <a:latin typeface="Consolas" panose="020B0609020204030204" pitchFamily="49" charset="0"/>
-                <a:ea typeface="微软雅黑" panose="020B0503020204020204" pitchFamily="34" charset="-122"/>
-              </a:rPr>
-              <a:t>)</a:t>
-            </a:r>
-          </a:p>
-          <a:p>
-            <a:pPr eaLnBrk="0">
-              <a:defRPr/>
-            </a:pPr>
-            <a:r>
-              <a:rPr lang="en-US" altLang="zh-CN" b="1" dirty="0" err="1">
-                <a:solidFill>
-                  <a:schemeClr val="tx1">
-                    <a:lumMod val="85000"/>
-                    <a:lumOff val="15000"/>
-                  </a:schemeClr>
-                </a:solidFill>
-                <a:latin typeface="Consolas" panose="020B0609020204030204" pitchFamily="49" charset="0"/>
-                <a:ea typeface="微软雅黑" panose="020B0503020204020204" pitchFamily="34" charset="-122"/>
-              </a:rPr>
-              <a:t>int</a:t>
-            </a:r>
-            <a:r>
-              <a:rPr lang="en-US" altLang="zh-CN" b="1" dirty="0">
-                <a:solidFill>
-                  <a:schemeClr val="tx1">
-                    <a:lumMod val="85000"/>
-                    <a:lumOff val="15000"/>
-                  </a:schemeClr>
-                </a:solidFill>
-                <a:latin typeface="Consolas" panose="020B0609020204030204" pitchFamily="49" charset="0"/>
-                <a:ea typeface="微软雅黑" panose="020B0503020204020204" pitchFamily="34" charset="-122"/>
-              </a:rPr>
-              <a:t> update(</a:t>
-            </a:r>
-            <a:r>
-              <a:rPr lang="en-US" altLang="zh-CN" b="1" dirty="0" err="1">
-                <a:solidFill>
-                  <a:schemeClr val="tx1">
-                    <a:lumMod val="85000"/>
-                    <a:lumOff val="15000"/>
-                  </a:schemeClr>
-                </a:solidFill>
-                <a:latin typeface="Consolas" panose="020B0609020204030204" pitchFamily="49" charset="0"/>
-                <a:ea typeface="微软雅黑" panose="020B0503020204020204" pitchFamily="34" charset="-122"/>
-              </a:rPr>
-              <a:t>uri</a:t>
-            </a:r>
-            <a:r>
-              <a:rPr lang="en-US" altLang="zh-CN" b="1" dirty="0">
-                <a:solidFill>
-                  <a:schemeClr val="tx1">
-                    <a:lumMod val="85000"/>
-                    <a:lumOff val="15000"/>
-                  </a:schemeClr>
-                </a:solidFill>
-                <a:latin typeface="Consolas" panose="020B0609020204030204" pitchFamily="49" charset="0"/>
-                <a:ea typeface="微软雅黑" panose="020B0503020204020204" pitchFamily="34" charset="-122"/>
-              </a:rPr>
-              <a:t>, values, selection, </a:t>
-            </a:r>
-            <a:r>
-              <a:rPr lang="en-US" altLang="zh-CN" b="1" dirty="0" err="1">
-                <a:solidFill>
-                  <a:schemeClr val="tx1">
-                    <a:lumMod val="85000"/>
-                    <a:lumOff val="15000"/>
-                  </a:schemeClr>
-                </a:solidFill>
-                <a:latin typeface="Consolas" panose="020B0609020204030204" pitchFamily="49" charset="0"/>
-                <a:ea typeface="微软雅黑" panose="020B0503020204020204" pitchFamily="34" charset="-122"/>
-              </a:rPr>
-              <a:t>selectionargs</a:t>
-            </a:r>
-            <a:r>
-              <a:rPr lang="en-US" altLang="zh-CN" b="1" dirty="0">
-                <a:solidFill>
-                  <a:schemeClr val="tx1">
-                    <a:lumMod val="85000"/>
-                    <a:lumOff val="15000"/>
-                  </a:schemeClr>
-                </a:solidFill>
-                <a:latin typeface="Consolas" panose="020B0609020204030204" pitchFamily="49" charset="0"/>
-                <a:ea typeface="微软雅黑" panose="020B0503020204020204" pitchFamily="34" charset="-122"/>
-              </a:rPr>
-              <a:t>)</a:t>
-            </a:r>
-          </a:p>
-          <a:p>
-            <a:pPr eaLnBrk="0">
-              <a:defRPr/>
-            </a:pPr>
-            <a:r>
-              <a:rPr lang="en-US" altLang="zh-CN" b="1" dirty="0">
-                <a:solidFill>
-                  <a:schemeClr val="tx1">
-                    <a:lumMod val="85000"/>
-                    <a:lumOff val="15000"/>
-                  </a:schemeClr>
-                </a:solidFill>
-                <a:latin typeface="Consolas" panose="020B0609020204030204" pitchFamily="49" charset="0"/>
-                <a:ea typeface="微软雅黑" panose="020B0503020204020204" pitchFamily="34" charset="-122"/>
-              </a:rPr>
-              <a:t>Cursor </a:t>
-            </a:r>
-            <a:r>
-              <a:rPr lang="en-US" altLang="zh-CN" b="1" dirty="0">
-                <a:solidFill>
-                  <a:schemeClr val="tx1">
-                    <a:lumMod val="85000"/>
-                    <a:lumOff val="15000"/>
-                  </a:schemeClr>
-                </a:solidFill>
-                <a:latin typeface="Consolas" panose="020B0609020204030204" pitchFamily="49" charset="0"/>
-                <a:ea typeface="微软雅黑" panose="020B0503020204020204" pitchFamily="34" charset="-122"/>
-              </a:rPr>
-              <a:t>query(</a:t>
-            </a:r>
-            <a:r>
-              <a:rPr lang="en-US" altLang="zh-CN" b="1" dirty="0" err="1">
-                <a:solidFill>
-                  <a:schemeClr val="tx1">
-                    <a:lumMod val="85000"/>
-                    <a:lumOff val="15000"/>
-                  </a:schemeClr>
-                </a:solidFill>
-                <a:latin typeface="Consolas" panose="020B0609020204030204" pitchFamily="49" charset="0"/>
-                <a:ea typeface="微软雅黑" panose="020B0503020204020204" pitchFamily="34" charset="-122"/>
-              </a:rPr>
-              <a:t>uri,projection,selection,selectionargs,sortorder</a:t>
-            </a:r>
-            <a:r>
-              <a:rPr lang="en-US" altLang="zh-CN" b="1" dirty="0">
-                <a:solidFill>
-                  <a:schemeClr val="tx1">
-                    <a:lumMod val="85000"/>
-                    <a:lumOff val="15000"/>
-                  </a:schemeClr>
-                </a:solidFill>
-                <a:latin typeface="Consolas" panose="020B0609020204030204" pitchFamily="49" charset="0"/>
-                <a:ea typeface="微软雅黑" panose="020B0503020204020204" pitchFamily="34" charset="-122"/>
-              </a:rPr>
-              <a:t>)</a:t>
-            </a:r>
-            <a:endParaRPr lang="en-US" altLang="zh-CN" b="1" dirty="0">
-              <a:solidFill>
-                <a:schemeClr val="tx1">
-                  <a:lumMod val="85000"/>
-                  <a:lumOff val="15000"/>
-                </a:schemeClr>
-              </a:solidFill>
-              <a:latin typeface="Consolas" panose="020B0609020204030204" pitchFamily="49" charset="0"/>
-              <a:ea typeface="微软雅黑" panose="020B0503020204020204" pitchFamily="34" charset="-122"/>
-            </a:endParaRPr>
-          </a:p>
-          <a:p>
-            <a:pPr eaLnBrk="0">
-              <a:defRPr/>
-            </a:pPr>
-            <a:r>
-              <a:rPr lang="en-US" altLang="zh-CN" b="1" dirty="0">
-                <a:solidFill>
-                  <a:schemeClr val="tx1">
-                    <a:lumMod val="85000"/>
-                    <a:lumOff val="15000"/>
-                  </a:schemeClr>
-                </a:solidFill>
-                <a:latin typeface="Consolas" panose="020B0609020204030204" pitchFamily="49" charset="0"/>
-                <a:ea typeface="微软雅黑" panose="020B0503020204020204" pitchFamily="34" charset="-122"/>
-              </a:rPr>
-              <a:t>String </a:t>
-            </a:r>
-            <a:r>
-              <a:rPr lang="en-US" altLang="zh-CN" b="1" dirty="0" err="1">
-                <a:solidFill>
-                  <a:schemeClr val="tx1">
-                    <a:lumMod val="85000"/>
-                    <a:lumOff val="15000"/>
-                  </a:schemeClr>
-                </a:solidFill>
-                <a:latin typeface="Consolas" panose="020B0609020204030204" pitchFamily="49" charset="0"/>
-                <a:ea typeface="微软雅黑" panose="020B0503020204020204" pitchFamily="34" charset="-122"/>
-              </a:rPr>
-              <a:t>getType</a:t>
-            </a:r>
-            <a:r>
-              <a:rPr lang="en-US" altLang="zh-CN" b="1" dirty="0">
-                <a:solidFill>
-                  <a:schemeClr val="tx1">
-                    <a:lumMod val="85000"/>
-                    <a:lumOff val="15000"/>
-                  </a:schemeClr>
-                </a:solidFill>
-                <a:latin typeface="Consolas" panose="020B0609020204030204" pitchFamily="49" charset="0"/>
-                <a:ea typeface="微软雅黑" panose="020B0503020204020204" pitchFamily="34" charset="-122"/>
-              </a:rPr>
-              <a:t>(</a:t>
-            </a:r>
-            <a:r>
-              <a:rPr lang="en-US" altLang="zh-CN" b="1" dirty="0" err="1">
-                <a:solidFill>
-                  <a:schemeClr val="tx1">
-                    <a:lumMod val="85000"/>
-                    <a:lumOff val="15000"/>
-                  </a:schemeClr>
-                </a:solidFill>
-                <a:latin typeface="Consolas" panose="020B0609020204030204" pitchFamily="49" charset="0"/>
-                <a:ea typeface="微软雅黑" panose="020B0503020204020204" pitchFamily="34" charset="-122"/>
-              </a:rPr>
-              <a:t>uri</a:t>
-            </a:r>
-            <a:r>
-              <a:rPr lang="en-US" altLang="zh-CN" b="1" dirty="0">
-                <a:solidFill>
-                  <a:schemeClr val="tx1">
-                    <a:lumMod val="85000"/>
-                    <a:lumOff val="15000"/>
-                  </a:schemeClr>
-                </a:solidFill>
-                <a:latin typeface="Consolas" panose="020B0609020204030204" pitchFamily="49" charset="0"/>
-                <a:ea typeface="微软雅黑" panose="020B0503020204020204" pitchFamily="34" charset="-122"/>
-              </a:rPr>
-              <a:t>)</a:t>
-            </a:r>
-          </a:p>
-        </p:txBody>
-      </p:sp>
-      <p:sp>
-        <p:nvSpPr>
-          <p:cNvPr id="6" name="内容占位符 3"/>
-          <p:cNvSpPr>
-            <a:spLocks noGrp="1"/>
-          </p:cNvSpPr>
-          <p:nvPr>
-            <p:ph idx="4294967295"/>
-          </p:nvPr>
-        </p:nvSpPr>
-        <p:spPr>
-          <a:xfrm>
-            <a:off x="629561" y="4191931"/>
-            <a:ext cx="7884877" cy="391130"/>
-          </a:xfrm>
-        </p:spPr>
-        <p:txBody>
-          <a:bodyPr>
-            <a:normAutofit fontScale="85000" lnSpcReduction="20000"/>
-          </a:bodyPr>
-          <a:lstStyle/>
-          <a:p>
-            <a:pPr lvl="1"/>
-            <a:r>
-              <a:rPr lang="zh-CN" altLang="en-US" smtClean="0">
-                <a:solidFill>
-                  <a:schemeClr val="tx1">
-                    <a:lumMod val="85000"/>
-                    <a:lumOff val="15000"/>
-                  </a:schemeClr>
-                </a:solidFill>
-              </a:rPr>
-              <a:t>向</a:t>
-            </a:r>
-            <a:r>
-              <a:rPr lang="en-US" altLang="zh-CN" dirty="0">
-                <a:solidFill>
-                  <a:schemeClr val="tx1">
-                    <a:lumMod val="85000"/>
-                    <a:lumOff val="15000"/>
-                  </a:schemeClr>
-                </a:solidFill>
-              </a:rPr>
-              <a:t>Android</a:t>
-            </a:r>
-            <a:r>
-              <a:rPr lang="zh-CN" altLang="en-US" dirty="0">
-                <a:solidFill>
-                  <a:schemeClr val="tx1">
-                    <a:lumMod val="85000"/>
-                    <a:lumOff val="15000"/>
-                  </a:schemeClr>
-                </a:solidFill>
-              </a:rPr>
-              <a:t>系统</a:t>
-            </a:r>
-            <a:r>
-              <a:rPr lang="zh-CN" altLang="en-US">
-                <a:solidFill>
-                  <a:schemeClr val="tx1">
-                    <a:lumMod val="85000"/>
-                    <a:lumOff val="15000"/>
-                  </a:schemeClr>
-                </a:solidFill>
-              </a:rPr>
-              <a:t>注册</a:t>
-            </a:r>
-            <a:r>
-              <a:rPr lang="en-US" altLang="zh-CN" smtClean="0">
-                <a:solidFill>
-                  <a:schemeClr val="tx1">
-                    <a:lumMod val="85000"/>
-                    <a:lumOff val="15000"/>
-                  </a:schemeClr>
-                </a:solidFill>
-              </a:rPr>
-              <a:t>ContentProvider</a:t>
-            </a:r>
-            <a:r>
-              <a:rPr lang="zh-CN" altLang="en-US" smtClean="0">
-                <a:solidFill>
-                  <a:schemeClr val="tx1">
-                    <a:lumMod val="85000"/>
-                    <a:lumOff val="15000"/>
-                  </a:schemeClr>
-                </a:solidFill>
-              </a:rPr>
-              <a:t>。</a:t>
-            </a:r>
-            <a:endParaRPr lang="en-US" altLang="zh-CN" dirty="0">
-              <a:solidFill>
-                <a:schemeClr val="tx1">
-                  <a:lumMod val="85000"/>
-                  <a:lumOff val="15000"/>
-                </a:schemeClr>
-              </a:solidFill>
-            </a:endParaRPr>
-          </a:p>
-        </p:txBody>
-      </p:sp>
-      <p:sp>
-        <p:nvSpPr>
-          <p:cNvPr id="7" name="矩形 6"/>
-          <p:cNvSpPr/>
-          <p:nvPr/>
-        </p:nvSpPr>
-        <p:spPr>
-          <a:xfrm>
-            <a:off x="856940" y="4583060"/>
-            <a:ext cx="7560840" cy="391080"/>
-          </a:xfrm>
-          <a:prstGeom prst="rect">
-            <a:avLst/>
-          </a:prstGeom>
-          <a:solidFill>
-            <a:schemeClr val="accent5">
-              <a:lumMod val="20000"/>
-              <a:lumOff val="80000"/>
-            </a:schemeClr>
-          </a:solidFill>
-          <a:ln w="38100">
-            <a:solidFill>
-              <a:schemeClr val="tx1">
-                <a:lumMod val="65000"/>
-                <a:lumOff val="35000"/>
-              </a:schemeClr>
-            </a:solidFill>
-          </a:ln>
-          <a:effectLst>
-            <a:outerShdw blurRad="50800" dist="38100" dir="2700000" algn="tl" rotWithShape="0">
-              <a:prstClr val="black">
-                <a:alpha val="40000"/>
-              </a:prstClr>
-            </a:outerShdw>
-          </a:effectLst>
-        </p:spPr>
-        <p:style>
-          <a:lnRef idx="2">
-            <a:schemeClr val="accent1">
-              <a:shade val="50000"/>
-            </a:schemeClr>
-          </a:lnRef>
-          <a:fillRef idx="1">
-            <a:schemeClr val="accent1"/>
-          </a:fillRef>
-          <a:effectRef idx="0">
-            <a:schemeClr val="accent1"/>
-          </a:effectRef>
-          <a:fontRef idx="minor">
-            <a:schemeClr val="lt1"/>
-          </a:fontRef>
-        </p:style>
-        <p:txBody>
-          <a:bodyPr lIns="68580" tIns="34290" rIns="68580" bIns="34290" rtlCol="0" anchor="ctr"/>
-          <a:lstStyle/>
-          <a:p>
-            <a:pPr eaLnBrk="0">
-              <a:defRPr/>
-            </a:pPr>
-            <a:r>
-              <a:rPr lang="en-US" altLang="zh-CN" b="1">
-                <a:solidFill>
-                  <a:schemeClr val="tx1">
-                    <a:lumMod val="85000"/>
-                    <a:lumOff val="15000"/>
-                  </a:schemeClr>
-                </a:solidFill>
-                <a:latin typeface="Consolas" panose="020B0609020204030204" pitchFamily="49" charset="0"/>
-                <a:ea typeface="微软雅黑" panose="020B0503020204020204" pitchFamily="34" charset="-122"/>
-              </a:rPr>
-              <a:t>&lt;provider android:name</a:t>
-            </a:r>
-            <a:r>
-              <a:rPr lang="en-US" altLang="zh-CN" b="1">
-                <a:solidFill>
-                  <a:schemeClr val="tx1">
-                    <a:lumMod val="85000"/>
-                    <a:lumOff val="15000"/>
-                  </a:schemeClr>
-                </a:solidFill>
-                <a:latin typeface="Consolas" panose="020B0609020204030204" pitchFamily="49" charset="0"/>
-                <a:ea typeface="微软雅黑" panose="020B0503020204020204" pitchFamily="34" charset="-122"/>
-              </a:rPr>
-              <a:t>=" " android:authorities=" "/&gt;</a:t>
-            </a:r>
-            <a:endParaRPr lang="en-US" altLang="zh-CN" b="1">
-              <a:solidFill>
-                <a:schemeClr val="tx1">
-                  <a:lumMod val="85000"/>
-                  <a:lumOff val="15000"/>
-                </a:schemeClr>
-              </a:solidFill>
-              <a:latin typeface="Consolas" panose="020B0609020204030204" pitchFamily="49" charset="0"/>
-              <a:ea typeface="微软雅黑" panose="020B0503020204020204" pitchFamily="34" charset="-122"/>
-            </a:endParaRPr>
-          </a:p>
-        </p:txBody>
-      </p:sp>
-      <p:sp>
-        <p:nvSpPr>
-          <p:cNvPr id="2" name="标题 1"/>
-          <p:cNvSpPr>
-            <a:spLocks noGrp="1"/>
-          </p:cNvSpPr>
-          <p:nvPr>
-            <p:ph type="title"/>
-          </p:nvPr>
-        </p:nvSpPr>
-        <p:spPr/>
-        <p:txBody>
-          <a:bodyPr>
-            <a:normAutofit fontScale="90000"/>
-          </a:bodyPr>
-          <a:lstStyle/>
-          <a:p>
-            <a:r>
-              <a:rPr lang="en-US" altLang="zh-CN" dirty="0" err="1"/>
-              <a:t>ContentProvider</a:t>
-            </a:r>
-            <a:r>
-              <a:rPr lang="zh-CN" altLang="en-US" dirty="0"/>
-              <a:t>简介</a:t>
-            </a:r>
-          </a:p>
-        </p:txBody>
-      </p:sp>
-    </p:spTree>
-    <p:extLst>
-      <p:ext uri="{BB962C8B-B14F-4D97-AF65-F5344CB8AC3E}">
-        <p14:creationId xmlns:p14="http://schemas.microsoft.com/office/powerpoint/2010/main" val="3384265780"/>
-      </p:ext>
-    </p:extLst>
-  </p:cSld>
-  <p:clrMapOvr>
-    <a:masterClrMapping/>
-  </p:clrMapOvr>
-  <p:timing>
-    <p:tnLst>
-      <p:par>
-        <p:cTn id="1" dur="indefinite" restart="never" nodeType="tmRoot"/>
-      </p:par>
-    </p:tnLst>
-  </p:timing>
-</p:sld>
-</file>
-
-<file path=ppt/slides/slide45.xml><?xml version="1.0" encoding="utf-8"?>
-<p:sld xmlns:a="http://schemas.openxmlformats.org/drawingml/2006/main" xmlns:r="http://schemas.openxmlformats.org/officeDocument/2006/relationships" xmlns:p="http://schemas.openxmlformats.org/presentationml/2006/main">
-  <p:cSld>
-    <p:spTree>
-      <p:nvGrpSpPr>
-        <p:cNvPr id="1" name=""/>
-        <p:cNvGrpSpPr/>
-        <p:nvPr/>
-      </p:nvGrpSpPr>
-      <p:grpSpPr>
-        <a:xfrm>
-          <a:off x="0" y="0"/>
-          <a:ext cx="0" cy="0"/>
-          <a:chOff x="0" y="0"/>
-          <a:chExt cx="0" cy="0"/>
-        </a:xfrm>
-      </p:grpSpPr>
-      <p:sp>
-        <p:nvSpPr>
-          <p:cNvPr id="4" name="内容占位符 3"/>
-          <p:cNvSpPr>
-            <a:spLocks noGrp="1"/>
-          </p:cNvSpPr>
-          <p:nvPr>
-            <p:ph idx="4294967295"/>
-          </p:nvPr>
-        </p:nvSpPr>
-        <p:spPr>
-          <a:xfrm>
-            <a:off x="629562" y="1200150"/>
-            <a:ext cx="8057238" cy="3639852"/>
-          </a:xfrm>
-        </p:spPr>
-        <p:txBody>
-          <a:bodyPr>
-            <a:normAutofit fontScale="92500" lnSpcReduction="10000"/>
-          </a:bodyPr>
-          <a:lstStyle/>
-          <a:p>
-            <a:r>
-              <a:rPr lang="en-US" altLang="zh-CN" dirty="0">
-                <a:solidFill>
-                  <a:schemeClr val="tx1">
-                    <a:lumMod val="85000"/>
-                    <a:lumOff val="15000"/>
-                  </a:schemeClr>
-                </a:solidFill>
-              </a:rPr>
-              <a:t>Uri</a:t>
-            </a:r>
-            <a:r>
-              <a:rPr lang="zh-CN" altLang="en-US" dirty="0">
-                <a:solidFill>
-                  <a:schemeClr val="tx1">
-                    <a:lumMod val="85000"/>
-                    <a:lumOff val="15000"/>
-                  </a:schemeClr>
-                </a:solidFill>
-              </a:rPr>
-              <a:t>的结构和网站</a:t>
-            </a:r>
-            <a:r>
-              <a:rPr lang="en-US" altLang="zh-CN" dirty="0">
-                <a:solidFill>
-                  <a:schemeClr val="tx1">
-                    <a:lumMod val="85000"/>
-                    <a:lumOff val="15000"/>
-                  </a:schemeClr>
-                </a:solidFill>
-              </a:rPr>
-              <a:t>URL</a:t>
-            </a:r>
-            <a:r>
-              <a:rPr lang="zh-CN" altLang="en-US" dirty="0">
-                <a:solidFill>
-                  <a:schemeClr val="tx1">
-                    <a:lumMod val="85000"/>
-                    <a:lumOff val="15000"/>
-                  </a:schemeClr>
-                </a:solidFill>
-              </a:rPr>
-              <a:t>命名规则类似：</a:t>
-            </a:r>
-            <a:endParaRPr lang="en-US" altLang="zh-CN" dirty="0">
-              <a:solidFill>
-                <a:schemeClr val="tx1">
-                  <a:lumMod val="85000"/>
-                  <a:lumOff val="15000"/>
-                </a:schemeClr>
-              </a:solidFill>
-            </a:endParaRPr>
-          </a:p>
-          <a:p>
-            <a:r>
-              <a:rPr lang="en-US" altLang="zh-CN" dirty="0">
-                <a:solidFill>
-                  <a:schemeClr val="tx1">
-                    <a:lumMod val="85000"/>
-                    <a:lumOff val="15000"/>
-                  </a:schemeClr>
-                </a:solidFill>
-              </a:rPr>
-              <a:t>URL</a:t>
-            </a:r>
-            <a:r>
-              <a:rPr lang="zh-CN" altLang="en-US" dirty="0">
-                <a:solidFill>
-                  <a:schemeClr val="tx1">
-                    <a:lumMod val="85000"/>
-                    <a:lumOff val="15000"/>
-                  </a:schemeClr>
-                </a:solidFill>
-              </a:rPr>
-              <a:t>举例：</a:t>
-            </a:r>
-            <a:endParaRPr lang="en-US" altLang="zh-CN" dirty="0">
-              <a:solidFill>
-                <a:schemeClr val="tx1">
-                  <a:lumMod val="85000"/>
-                  <a:lumOff val="15000"/>
-                </a:schemeClr>
-              </a:solidFill>
-            </a:endParaRPr>
-          </a:p>
-          <a:p>
-            <a:pPr lvl="1"/>
-            <a:r>
-              <a:rPr lang="en-US" altLang="zh-CN" dirty="0">
-                <a:solidFill>
-                  <a:schemeClr val="tx1">
-                    <a:lumMod val="85000"/>
-                    <a:lumOff val="15000"/>
-                  </a:schemeClr>
-                </a:solidFill>
-              </a:rPr>
-              <a:t>http://www.baidu.com/index.php</a:t>
-            </a:r>
-          </a:p>
-          <a:p>
-            <a:r>
-              <a:rPr lang="en-US" altLang="zh-CN" dirty="0" smtClean="0">
-                <a:solidFill>
-                  <a:schemeClr val="tx1">
-                    <a:lumMod val="85000"/>
-                    <a:lumOff val="15000"/>
-                  </a:schemeClr>
-                </a:solidFill>
-              </a:rPr>
-              <a:t>Uri</a:t>
-            </a:r>
-            <a:r>
-              <a:rPr lang="zh-CN" altLang="en-US" dirty="0" smtClean="0">
-                <a:solidFill>
-                  <a:schemeClr val="tx1">
-                    <a:lumMod val="85000"/>
-                    <a:lumOff val="15000"/>
-                  </a:schemeClr>
-                </a:solidFill>
-              </a:rPr>
-              <a:t>举例：</a:t>
-            </a:r>
-            <a:r>
-              <a:rPr lang="en-US" altLang="zh-CN" dirty="0">
-                <a:solidFill>
-                  <a:schemeClr val="tx1">
-                    <a:lumMod val="85000"/>
-                    <a:lumOff val="15000"/>
-                  </a:schemeClr>
-                </a:solidFill>
-              </a:rPr>
-              <a:t>content://org.edu.provider/words</a:t>
-            </a:r>
-          </a:p>
-          <a:p>
-            <a:pPr lvl="1"/>
-            <a:r>
-              <a:rPr lang="en-US" altLang="zh-CN" dirty="0">
-                <a:solidFill>
-                  <a:schemeClr val="tx1">
-                    <a:lumMod val="85000"/>
-                    <a:lumOff val="15000"/>
-                  </a:schemeClr>
-                </a:solidFill>
-              </a:rPr>
-              <a:t>content://:</a:t>
-            </a:r>
-            <a:r>
-              <a:rPr lang="zh-CN" altLang="en-US" dirty="0">
-                <a:solidFill>
-                  <a:schemeClr val="tx1">
-                    <a:lumMod val="85000"/>
-                    <a:lumOff val="15000"/>
-                  </a:schemeClr>
-                </a:solidFill>
-              </a:rPr>
-              <a:t>这部分是</a:t>
-            </a:r>
-            <a:r>
-              <a:rPr lang="en-US" altLang="zh-CN" dirty="0">
-                <a:solidFill>
-                  <a:schemeClr val="tx1">
-                    <a:lumMod val="85000"/>
-                    <a:lumOff val="15000"/>
-                  </a:schemeClr>
-                </a:solidFill>
-              </a:rPr>
-              <a:t>Android</a:t>
-            </a:r>
-            <a:r>
-              <a:rPr lang="zh-CN" altLang="en-US" dirty="0">
-                <a:solidFill>
-                  <a:schemeClr val="tx1">
-                    <a:lumMod val="85000"/>
-                    <a:lumOff val="15000"/>
-                  </a:schemeClr>
-                </a:solidFill>
-              </a:rPr>
-              <a:t>固定的</a:t>
-            </a:r>
-            <a:endParaRPr lang="en-US" altLang="zh-CN" dirty="0">
-              <a:solidFill>
-                <a:schemeClr val="tx1">
-                  <a:lumMod val="85000"/>
-                  <a:lumOff val="15000"/>
-                </a:schemeClr>
-              </a:solidFill>
-            </a:endParaRPr>
-          </a:p>
-          <a:p>
-            <a:pPr lvl="1"/>
-            <a:r>
-              <a:rPr lang="en-US" altLang="zh-CN" dirty="0" err="1">
-                <a:solidFill>
-                  <a:schemeClr val="tx1">
-                    <a:lumMod val="85000"/>
-                    <a:lumOff val="15000"/>
-                  </a:schemeClr>
-                </a:solidFill>
-              </a:rPr>
-              <a:t>org.edu.provider</a:t>
-            </a:r>
-            <a:r>
-              <a:rPr lang="zh-CN" altLang="en-US" dirty="0">
-                <a:solidFill>
-                  <a:schemeClr val="tx1">
-                    <a:lumMod val="85000"/>
-                    <a:lumOff val="15000"/>
-                  </a:schemeClr>
-                </a:solidFill>
-              </a:rPr>
-              <a:t>：这部分是</a:t>
-            </a:r>
-            <a:r>
-              <a:rPr lang="en-US" altLang="zh-CN" dirty="0" err="1">
-                <a:solidFill>
-                  <a:schemeClr val="tx1">
-                    <a:lumMod val="85000"/>
-                    <a:lumOff val="15000"/>
-                  </a:schemeClr>
-                </a:solidFill>
-              </a:rPr>
-              <a:t>ContentProvider</a:t>
-            </a:r>
-            <a:r>
-              <a:rPr lang="zh-CN" altLang="en-US" dirty="0">
-                <a:solidFill>
-                  <a:schemeClr val="tx1">
-                    <a:lumMod val="85000"/>
-                    <a:lumOff val="15000"/>
-                  </a:schemeClr>
-                </a:solidFill>
-              </a:rPr>
-              <a:t>中的</a:t>
-            </a:r>
-            <a:r>
-              <a:rPr lang="en-US" altLang="zh-CN" dirty="0">
-                <a:solidFill>
-                  <a:schemeClr val="tx1">
-                    <a:lumMod val="85000"/>
-                    <a:lumOff val="15000"/>
-                  </a:schemeClr>
-                </a:solidFill>
-              </a:rPr>
-              <a:t>authority</a:t>
-            </a:r>
-          </a:p>
-          <a:p>
-            <a:pPr lvl="1"/>
-            <a:r>
-              <a:rPr lang="en-US" altLang="zh-CN" dirty="0">
-                <a:solidFill>
-                  <a:schemeClr val="tx1">
-                    <a:lumMod val="85000"/>
-                    <a:lumOff val="15000"/>
-                  </a:schemeClr>
-                </a:solidFill>
-              </a:rPr>
-              <a:t>words</a:t>
-            </a:r>
-            <a:r>
-              <a:rPr lang="zh-CN" altLang="en-US" dirty="0">
-                <a:solidFill>
-                  <a:schemeClr val="tx1">
-                    <a:lumMod val="85000"/>
-                    <a:lumOff val="15000"/>
-                  </a:schemeClr>
-                </a:solidFill>
-              </a:rPr>
-              <a:t>：资源部分，根据资源不同这部分不同</a:t>
-            </a:r>
-            <a:endParaRPr lang="en-US" altLang="zh-CN" dirty="0">
-              <a:solidFill>
-                <a:schemeClr val="tx1">
-                  <a:lumMod val="85000"/>
-                  <a:lumOff val="15000"/>
-                </a:schemeClr>
-              </a:solidFill>
-            </a:endParaRPr>
-          </a:p>
-        </p:txBody>
-      </p:sp>
-      <p:sp>
-        <p:nvSpPr>
-          <p:cNvPr id="2" name="标题 1"/>
-          <p:cNvSpPr>
-            <a:spLocks noGrp="1"/>
-          </p:cNvSpPr>
-          <p:nvPr>
-            <p:ph type="title"/>
-          </p:nvPr>
-        </p:nvSpPr>
-        <p:spPr/>
-        <p:txBody>
-          <a:bodyPr>
-            <a:normAutofit fontScale="90000"/>
-          </a:bodyPr>
-          <a:lstStyle/>
-          <a:p>
-            <a:r>
-              <a:rPr lang="en-US" altLang="zh-CN"/>
-              <a:t>Uri</a:t>
-            </a:r>
-            <a:r>
-              <a:rPr lang="zh-CN" altLang="en-US"/>
-              <a:t>简介</a:t>
-            </a:r>
-          </a:p>
-        </p:txBody>
-      </p:sp>
-    </p:spTree>
-    <p:extLst>
-      <p:ext uri="{BB962C8B-B14F-4D97-AF65-F5344CB8AC3E}">
-        <p14:creationId xmlns:p14="http://schemas.microsoft.com/office/powerpoint/2010/main" val="3062965227"/>
-      </p:ext>
-    </p:extLst>
-  </p:cSld>
-  <p:clrMapOvr>
-    <a:masterClrMapping/>
-  </p:clrMapOvr>
-  <p:timing>
-    <p:tnLst>
-      <p:par>
-        <p:cTn id="1" dur="indefinite" restart="never" nodeType="tmRoot"/>
-      </p:par>
-    </p:tnLst>
-  </p:timing>
-</p:sld>
-</file>
-
-<file path=ppt/slides/slide46.xml><?xml version="1.0" encoding="utf-8"?>
-<p:sld xmlns:a="http://schemas.openxmlformats.org/drawingml/2006/main" xmlns:r="http://schemas.openxmlformats.org/officeDocument/2006/relationships" xmlns:p="http://schemas.openxmlformats.org/presentationml/2006/main">
-  <p:cSld>
-    <p:spTree>
-      <p:nvGrpSpPr>
-        <p:cNvPr id="1" name=""/>
-        <p:cNvGrpSpPr/>
-        <p:nvPr/>
-      </p:nvGrpSpPr>
-      <p:grpSpPr>
-        <a:xfrm>
-          <a:off x="0" y="0"/>
-          <a:ext cx="0" cy="0"/>
-          <a:chOff x="0" y="0"/>
-          <a:chExt cx="0" cy="0"/>
-        </a:xfrm>
-      </p:grpSpPr>
-      <p:sp>
-        <p:nvSpPr>
-          <p:cNvPr id="4" name="内容占位符 3"/>
-          <p:cNvSpPr>
-            <a:spLocks noGrp="1"/>
-          </p:cNvSpPr>
-          <p:nvPr>
-            <p:ph idx="4294967295"/>
-          </p:nvPr>
-        </p:nvSpPr>
-        <p:spPr>
-          <a:xfrm>
-            <a:off x="629562" y="1200150"/>
-            <a:ext cx="8262918" cy="2559732"/>
-          </a:xfrm>
-        </p:spPr>
-        <p:txBody>
-          <a:bodyPr>
-            <a:normAutofit fontScale="77500" lnSpcReduction="20000"/>
-          </a:bodyPr>
-          <a:lstStyle/>
-          <a:p>
-            <a:r>
-              <a:rPr lang="en-US" altLang="zh-CN" dirty="0">
-                <a:solidFill>
-                  <a:schemeClr val="tx1">
-                    <a:lumMod val="85000"/>
-                    <a:lumOff val="15000"/>
-                  </a:schemeClr>
-                </a:solidFill>
-              </a:rPr>
-              <a:t>Uri</a:t>
-            </a:r>
-            <a:r>
-              <a:rPr lang="zh-CN" altLang="en-US" dirty="0">
-                <a:solidFill>
-                  <a:schemeClr val="tx1">
-                    <a:lumMod val="85000"/>
-                    <a:lumOff val="15000"/>
-                  </a:schemeClr>
-                </a:solidFill>
-              </a:rPr>
-              <a:t>可以表达的功能</a:t>
-            </a:r>
-            <a:r>
-              <a:rPr lang="zh-CN" altLang="en-US">
-                <a:solidFill>
-                  <a:schemeClr val="tx1">
-                    <a:lumMod val="85000"/>
-                    <a:lumOff val="15000"/>
-                  </a:schemeClr>
-                </a:solidFill>
-              </a:rPr>
-              <a:t>有</a:t>
-            </a:r>
-            <a:r>
-              <a:rPr lang="zh-CN" altLang="en-US" smtClean="0">
-                <a:solidFill>
-                  <a:schemeClr val="tx1">
-                    <a:lumMod val="85000"/>
-                    <a:lumOff val="15000"/>
-                  </a:schemeClr>
-                </a:solidFill>
-              </a:rPr>
-              <a:t>很多</a:t>
-            </a:r>
-            <a:r>
-              <a:rPr lang="en-US" altLang="zh-CN">
-                <a:solidFill>
-                  <a:schemeClr val="tx1">
-                    <a:lumMod val="85000"/>
-                    <a:lumOff val="15000"/>
-                  </a:schemeClr>
-                </a:solidFill>
-              </a:rPr>
-              <a:t>.</a:t>
-            </a:r>
-            <a:endParaRPr lang="en-US" altLang="zh-CN" dirty="0">
-              <a:solidFill>
-                <a:schemeClr val="tx1">
-                  <a:lumMod val="85000"/>
-                  <a:lumOff val="15000"/>
-                </a:schemeClr>
-              </a:solidFill>
-            </a:endParaRPr>
-          </a:p>
-          <a:p>
-            <a:pPr lvl="1"/>
-            <a:r>
-              <a:rPr lang="en-US" altLang="zh-CN" dirty="0">
-                <a:solidFill>
-                  <a:schemeClr val="tx1">
-                    <a:lumMod val="85000"/>
-                    <a:lumOff val="15000"/>
-                  </a:schemeClr>
-                </a:solidFill>
-              </a:rPr>
-              <a:t>content://org.edu.provider/words/2</a:t>
-            </a:r>
-          </a:p>
-          <a:p>
-            <a:pPr lvl="1"/>
-            <a:r>
-              <a:rPr lang="en-US" altLang="zh-CN" dirty="0">
-                <a:solidFill>
-                  <a:schemeClr val="tx1">
-                    <a:lumMod val="85000"/>
-                    <a:lumOff val="15000"/>
-                  </a:schemeClr>
-                </a:solidFill>
-              </a:rPr>
-              <a:t>content://org.edu.provider/words/2/name</a:t>
-            </a:r>
-          </a:p>
-          <a:p>
-            <a:pPr lvl="1"/>
-            <a:r>
-              <a:rPr lang="en-US" altLang="zh-CN" dirty="0">
-                <a:solidFill>
-                  <a:schemeClr val="tx1">
-                    <a:lumMod val="85000"/>
-                    <a:lumOff val="15000"/>
-                  </a:schemeClr>
-                </a:solidFill>
-              </a:rPr>
-              <a:t>content://org.edu.provider/words</a:t>
-            </a:r>
-          </a:p>
-          <a:p>
-            <a:r>
-              <a:rPr lang="zh-CN" altLang="en-US" dirty="0">
-                <a:solidFill>
-                  <a:schemeClr val="tx1">
-                    <a:lumMod val="85000"/>
-                    <a:lumOff val="15000"/>
-                  </a:schemeClr>
-                </a:solidFill>
-              </a:rPr>
-              <a:t>通过</a:t>
-            </a:r>
-            <a:r>
-              <a:rPr lang="en-US" altLang="zh-CN" dirty="0">
-                <a:solidFill>
-                  <a:schemeClr val="tx1">
-                    <a:lumMod val="85000"/>
-                    <a:lumOff val="15000"/>
-                  </a:schemeClr>
-                </a:solidFill>
-              </a:rPr>
-              <a:t>Uri</a:t>
-            </a:r>
-            <a:r>
-              <a:rPr lang="zh-CN" altLang="en-US" dirty="0">
-                <a:solidFill>
-                  <a:schemeClr val="tx1">
-                    <a:lumMod val="85000"/>
-                    <a:lumOff val="15000"/>
-                  </a:schemeClr>
-                </a:solidFill>
-              </a:rPr>
-              <a:t>提供的静态方法</a:t>
-            </a:r>
-            <a:r>
-              <a:rPr lang="en-US" altLang="zh-CN" dirty="0">
-                <a:solidFill>
-                  <a:schemeClr val="tx1">
-                    <a:lumMod val="85000"/>
-                    <a:lumOff val="15000"/>
-                  </a:schemeClr>
-                </a:solidFill>
-              </a:rPr>
-              <a:t>parse()</a:t>
-            </a:r>
-            <a:r>
-              <a:rPr lang="zh-CN" altLang="en-US" dirty="0">
-                <a:solidFill>
-                  <a:schemeClr val="tx1">
-                    <a:lumMod val="85000"/>
-                    <a:lumOff val="15000"/>
-                  </a:schemeClr>
-                </a:solidFill>
-              </a:rPr>
-              <a:t>来实现将字符串转换</a:t>
-            </a:r>
-            <a:r>
-              <a:rPr lang="zh-CN" altLang="en-US">
-                <a:solidFill>
-                  <a:schemeClr val="tx1">
-                    <a:lumMod val="85000"/>
-                    <a:lumOff val="15000"/>
-                  </a:schemeClr>
-                </a:solidFill>
-              </a:rPr>
-              <a:t>为</a:t>
-            </a:r>
-            <a:r>
-              <a:rPr lang="en-US" altLang="zh-CN" smtClean="0">
-                <a:solidFill>
-                  <a:schemeClr val="tx1">
-                    <a:lumMod val="85000"/>
-                    <a:lumOff val="15000"/>
-                  </a:schemeClr>
-                </a:solidFill>
-              </a:rPr>
-              <a:t>Uri</a:t>
-            </a:r>
-            <a:r>
-              <a:rPr lang="zh-CN" altLang="en-US" smtClean="0">
-                <a:solidFill>
-                  <a:schemeClr val="tx1">
-                    <a:lumMod val="85000"/>
-                    <a:lumOff val="15000"/>
-                  </a:schemeClr>
-                </a:solidFill>
-              </a:rPr>
-              <a:t>。</a:t>
-            </a:r>
-            <a:endParaRPr lang="en-US" altLang="zh-CN" dirty="0">
-              <a:solidFill>
-                <a:schemeClr val="tx1">
-                  <a:lumMod val="85000"/>
-                  <a:lumOff val="15000"/>
-                </a:schemeClr>
-              </a:solidFill>
-            </a:endParaRPr>
-          </a:p>
-          <a:p>
-            <a:pPr lvl="1"/>
-            <a:r>
-              <a:rPr lang="en-US" altLang="zh-CN" dirty="0">
-                <a:solidFill>
-                  <a:schemeClr val="tx1">
-                    <a:lumMod val="85000"/>
-                    <a:lumOff val="15000"/>
-                  </a:schemeClr>
-                </a:solidFill>
-              </a:rPr>
-              <a:t>Uri </a:t>
-            </a:r>
-            <a:r>
-              <a:rPr lang="en-US" altLang="zh-CN" dirty="0" err="1">
-                <a:solidFill>
-                  <a:schemeClr val="tx1">
-                    <a:lumMod val="85000"/>
-                    <a:lumOff val="15000"/>
-                  </a:schemeClr>
-                </a:solidFill>
-              </a:rPr>
-              <a:t>uri</a:t>
-            </a:r>
-            <a:r>
-              <a:rPr lang="en-US" altLang="zh-CN" dirty="0">
-                <a:solidFill>
-                  <a:schemeClr val="tx1">
-                    <a:lumMod val="85000"/>
-                    <a:lumOff val="15000"/>
-                  </a:schemeClr>
-                </a:solidFill>
-              </a:rPr>
-              <a:t> = </a:t>
-            </a:r>
-            <a:r>
-              <a:rPr lang="en-US" altLang="zh-CN" err="1">
-                <a:solidFill>
-                  <a:schemeClr val="tx1">
-                    <a:lumMod val="85000"/>
-                    <a:lumOff val="15000"/>
-                  </a:schemeClr>
-                </a:solidFill>
-              </a:rPr>
-              <a:t>Uri.parse</a:t>
-            </a:r>
-            <a:r>
-              <a:rPr lang="en-US" altLang="zh-CN" smtClean="0">
-                <a:solidFill>
-                  <a:schemeClr val="tx1">
-                    <a:lumMod val="85000"/>
-                    <a:lumOff val="15000"/>
-                  </a:schemeClr>
-                </a:solidFill>
-              </a:rPr>
-              <a:t>("content</a:t>
-            </a:r>
-            <a:r>
-              <a:rPr lang="en-US" altLang="zh-CN" dirty="0">
-                <a:solidFill>
-                  <a:schemeClr val="tx1">
-                    <a:lumMod val="85000"/>
-                    <a:lumOff val="15000"/>
-                  </a:schemeClr>
-                </a:solidFill>
-              </a:rPr>
-              <a:t>://</a:t>
-            </a:r>
-            <a:r>
-              <a:rPr lang="en-US" altLang="zh-CN" dirty="0" err="1">
-                <a:solidFill>
-                  <a:schemeClr val="tx1">
-                    <a:lumMod val="85000"/>
-                    <a:lumOff val="15000"/>
-                  </a:schemeClr>
-                </a:solidFill>
-              </a:rPr>
-              <a:t>org.edu.p</a:t>
-            </a:r>
-            <a:r>
-              <a:rPr lang="en-US" altLang="zh-CN" dirty="0">
-                <a:solidFill>
-                  <a:schemeClr val="tx1">
-                    <a:lumMod val="85000"/>
-                    <a:lumOff val="15000"/>
-                  </a:schemeClr>
-                </a:solidFill>
-              </a:rPr>
-              <a:t>../words")</a:t>
-            </a:r>
-          </a:p>
-        </p:txBody>
-      </p:sp>
-      <p:sp>
-        <p:nvSpPr>
-          <p:cNvPr id="2" name="标题 1"/>
-          <p:cNvSpPr>
-            <a:spLocks noGrp="1"/>
-          </p:cNvSpPr>
-          <p:nvPr>
-            <p:ph type="title"/>
-          </p:nvPr>
-        </p:nvSpPr>
-        <p:spPr/>
-        <p:txBody>
-          <a:bodyPr>
-            <a:normAutofit fontScale="90000"/>
-          </a:bodyPr>
-          <a:lstStyle/>
-          <a:p>
-            <a:r>
-              <a:rPr lang="en-US" altLang="zh-CN"/>
-              <a:t>Uri</a:t>
-            </a:r>
-            <a:r>
-              <a:rPr lang="zh-CN" altLang="en-US"/>
-              <a:t>简介</a:t>
-            </a:r>
-          </a:p>
-        </p:txBody>
-      </p:sp>
-    </p:spTree>
-    <p:extLst>
-      <p:ext uri="{BB962C8B-B14F-4D97-AF65-F5344CB8AC3E}">
-        <p14:creationId xmlns:p14="http://schemas.microsoft.com/office/powerpoint/2010/main" val="1738560750"/>
-      </p:ext>
-    </p:extLst>
-  </p:cSld>
-  <p:clrMapOvr>
-    <a:masterClrMapping/>
-  </p:clrMapOvr>
-  <p:timing>
-    <p:tnLst>
-      <p:par>
-        <p:cTn id="1" dur="indefinite" restart="never" nodeType="tmRoot"/>
-      </p:par>
-    </p:tnLst>
-  </p:timing>
-</p:sld>
-</file>
-
-<file path=ppt/slides/slide47.xml><?xml version="1.0" encoding="utf-8"?>
 <p:sld xmlns:a="http://schemas.openxmlformats.org/drawingml/2006/main" xmlns:r="http://schemas.openxmlformats.org/officeDocument/2006/relationships" xmlns:p="http://schemas.openxmlformats.org/presentationml/2006/main">
   <p:cSld>
     <p:spTree>
@@ -31579,7 +29519,7 @@
         <a:sysClr val="windowText" lastClr="000000"/>
       </a:dk1>
       <a:lt1>
-        <a:sysClr val="window" lastClr="FFFFFF"/>
+        <a:sysClr val="window" lastClr="CCE8CF"/>
       </a:lt1>
       <a:dk2>
         <a:srgbClr val="1F497D"/>
@@ -31862,7 +29802,7 @@
         <a:sysClr val="windowText" lastClr="000000"/>
       </a:dk1>
       <a:lt1>
-        <a:sysClr val="window" lastClr="FFFFFF"/>
+        <a:sysClr val="window" lastClr="CCE8CF"/>
       </a:lt1>
       <a:dk2>
         <a:srgbClr val="1F497D"/>
@@ -32146,7 +30086,7 @@
       <a:sysClr val="windowText" lastClr="000000"/>
     </a:dk1>
     <a:lt1>
-      <a:sysClr val="window" lastClr="FFFFFF"/>
+      <a:sysClr val="window" lastClr="CCE8CF"/>
     </a:lt1>
     <a:dk2>
       <a:srgbClr val="1F497D"/>
